--- a/SIR_lecture.pptx
+++ b/SIR_lecture.pptx
@@ -4,6 +4,9 @@
   <p:sldMasterIdLst>
     <p:sldMasterId id="2147483648" r:id="rId1"/>
   </p:sldMasterIdLst>
+  <p:notesMasterIdLst>
+    <p:notesMasterId r:id="rId23"/>
+  </p:notesMasterIdLst>
   <p:sldIdLst>
     <p:sldId id="256" r:id="rId2"/>
     <p:sldId id="259" r:id="rId3"/>
@@ -16,12 +19,16 @@
     <p:sldId id="272" r:id="rId10"/>
     <p:sldId id="273" r:id="rId11"/>
     <p:sldId id="274" r:id="rId12"/>
-    <p:sldId id="261" r:id="rId13"/>
-    <p:sldId id="262" r:id="rId14"/>
-    <p:sldId id="263" r:id="rId15"/>
-    <p:sldId id="264" r:id="rId16"/>
-    <p:sldId id="265" r:id="rId17"/>
-    <p:sldId id="266" r:id="rId18"/>
+    <p:sldId id="275" r:id="rId13"/>
+    <p:sldId id="276" r:id="rId14"/>
+    <p:sldId id="277" r:id="rId15"/>
+    <p:sldId id="262" r:id="rId16"/>
+    <p:sldId id="278" r:id="rId17"/>
+    <p:sldId id="279" r:id="rId18"/>
+    <p:sldId id="263" r:id="rId19"/>
+    <p:sldId id="264" r:id="rId20"/>
+    <p:sldId id="265" r:id="rId21"/>
+    <p:sldId id="266" r:id="rId22"/>
   </p:sldIdLst>
   <p:sldSz cx="12192000" cy="6858000"/>
   <p:notesSz cx="6858000" cy="9144000"/>
@@ -128,6 +135,1213 @@
 </p:presentation>
 </file>
 
+<file path=ppt/notesMasters/notesMaster1.xml><?xml version="1.0" encoding="utf-8"?>
+<p:notesMaster xmlns:a="http://schemas.openxmlformats.org/drawingml/2006/main" xmlns:r="http://schemas.openxmlformats.org/officeDocument/2006/relationships" xmlns:p="http://schemas.openxmlformats.org/presentationml/2006/main">
+  <p:cSld>
+    <p:bg>
+      <p:bgRef idx="1001">
+        <a:schemeClr val="bg1"/>
+      </p:bgRef>
+    </p:bg>
+    <p:spTree>
+      <p:nvGrpSpPr>
+        <p:cNvPr id="1" name=""/>
+        <p:cNvGrpSpPr/>
+        <p:nvPr/>
+      </p:nvGrpSpPr>
+      <p:grpSpPr>
+        <a:xfrm>
+          <a:off x="0" y="0"/>
+          <a:ext cx="0" cy="0"/>
+          <a:chOff x="0" y="0"/>
+          <a:chExt cx="0" cy="0"/>
+        </a:xfrm>
+      </p:grpSpPr>
+      <p:sp>
+        <p:nvSpPr>
+          <p:cNvPr id="2" name="Header Placeholder 1"/>
+          <p:cNvSpPr>
+            <a:spLocks noGrp="1"/>
+          </p:cNvSpPr>
+          <p:nvPr>
+            <p:ph type="hdr" sz="quarter"/>
+          </p:nvPr>
+        </p:nvSpPr>
+        <p:spPr>
+          <a:xfrm>
+            <a:off x="0" y="0"/>
+            <a:ext cx="2971800" cy="458788"/>
+          </a:xfrm>
+          <a:prstGeom prst="rect">
+            <a:avLst/>
+          </a:prstGeom>
+        </p:spPr>
+        <p:txBody>
+          <a:bodyPr vert="horz" lIns="91440" tIns="45720" rIns="91440" bIns="45720" rtlCol="0"/>
+          <a:lstStyle>
+            <a:lvl1pPr algn="l">
+              <a:defRPr sz="1200"/>
+            </a:lvl1pPr>
+          </a:lstStyle>
+          <a:p>
+            <a:endParaRPr lang="en-US"/>
+          </a:p>
+        </p:txBody>
+      </p:sp>
+      <p:sp>
+        <p:nvSpPr>
+          <p:cNvPr id="3" name="Date Placeholder 2"/>
+          <p:cNvSpPr>
+            <a:spLocks noGrp="1"/>
+          </p:cNvSpPr>
+          <p:nvPr>
+            <p:ph type="dt" idx="1"/>
+          </p:nvPr>
+        </p:nvSpPr>
+        <p:spPr>
+          <a:xfrm>
+            <a:off x="3884613" y="0"/>
+            <a:ext cx="2971800" cy="458788"/>
+          </a:xfrm>
+          <a:prstGeom prst="rect">
+            <a:avLst/>
+          </a:prstGeom>
+        </p:spPr>
+        <p:txBody>
+          <a:bodyPr vert="horz" lIns="91440" tIns="45720" rIns="91440" bIns="45720" rtlCol="0"/>
+          <a:lstStyle>
+            <a:lvl1pPr algn="r">
+              <a:defRPr sz="1200"/>
+            </a:lvl1pPr>
+          </a:lstStyle>
+          <a:p>
+            <a:fld id="{1D92F88E-3B49-AF47-B204-26A6EEF2BABB}" type="datetimeFigureOut">
+              <a:rPr lang="en-US" smtClean="0"/>
+              <a:t>4/24/23</a:t>
+            </a:fld>
+            <a:endParaRPr lang="en-US"/>
+          </a:p>
+        </p:txBody>
+      </p:sp>
+      <p:sp>
+        <p:nvSpPr>
+          <p:cNvPr id="4" name="Slide Image Placeholder 3"/>
+          <p:cNvSpPr>
+            <a:spLocks noGrp="1" noRot="1" noChangeAspect="1"/>
+          </p:cNvSpPr>
+          <p:nvPr>
+            <p:ph type="sldImg" idx="2"/>
+          </p:nvPr>
+        </p:nvSpPr>
+        <p:spPr>
+          <a:xfrm>
+            <a:off x="685800" y="1143000"/>
+            <a:ext cx="5486400" cy="3086100"/>
+          </a:xfrm>
+          <a:prstGeom prst="rect">
+            <a:avLst/>
+          </a:prstGeom>
+          <a:noFill/>
+          <a:ln w="12700">
+            <a:solidFill>
+              <a:prstClr val="black"/>
+            </a:solidFill>
+          </a:ln>
+        </p:spPr>
+        <p:txBody>
+          <a:bodyPr vert="horz" lIns="91440" tIns="45720" rIns="91440" bIns="45720" rtlCol="0" anchor="ctr"/>
+          <a:lstStyle/>
+          <a:p>
+            <a:endParaRPr lang="en-US"/>
+          </a:p>
+        </p:txBody>
+      </p:sp>
+      <p:sp>
+        <p:nvSpPr>
+          <p:cNvPr id="5" name="Notes Placeholder 4"/>
+          <p:cNvSpPr>
+            <a:spLocks noGrp="1"/>
+          </p:cNvSpPr>
+          <p:nvPr>
+            <p:ph type="body" sz="quarter" idx="3"/>
+          </p:nvPr>
+        </p:nvSpPr>
+        <p:spPr>
+          <a:xfrm>
+            <a:off x="685800" y="4400550"/>
+            <a:ext cx="5486400" cy="3600450"/>
+          </a:xfrm>
+          <a:prstGeom prst="rect">
+            <a:avLst/>
+          </a:prstGeom>
+        </p:spPr>
+        <p:txBody>
+          <a:bodyPr vert="horz" lIns="91440" tIns="45720" rIns="91440" bIns="45720" rtlCol="0"/>
+          <a:lstStyle/>
+          <a:p>
+            <a:pPr lvl="0"/>
+            <a:r>
+              <a:rPr lang="en-US"/>
+              <a:t>Click to edit Master text styles</a:t>
+            </a:r>
+          </a:p>
+          <a:p>
+            <a:pPr lvl="1"/>
+            <a:r>
+              <a:rPr lang="en-US"/>
+              <a:t>Second level</a:t>
+            </a:r>
+          </a:p>
+          <a:p>
+            <a:pPr lvl="2"/>
+            <a:r>
+              <a:rPr lang="en-US"/>
+              <a:t>Third level</a:t>
+            </a:r>
+          </a:p>
+          <a:p>
+            <a:pPr lvl="3"/>
+            <a:r>
+              <a:rPr lang="en-US"/>
+              <a:t>Fourth level</a:t>
+            </a:r>
+          </a:p>
+          <a:p>
+            <a:pPr lvl="4"/>
+            <a:r>
+              <a:rPr lang="en-US"/>
+              <a:t>Fifth level</a:t>
+            </a:r>
+          </a:p>
+        </p:txBody>
+      </p:sp>
+      <p:sp>
+        <p:nvSpPr>
+          <p:cNvPr id="6" name="Footer Placeholder 5"/>
+          <p:cNvSpPr>
+            <a:spLocks noGrp="1"/>
+          </p:cNvSpPr>
+          <p:nvPr>
+            <p:ph type="ftr" sz="quarter" idx="4"/>
+          </p:nvPr>
+        </p:nvSpPr>
+        <p:spPr>
+          <a:xfrm>
+            <a:off x="0" y="8685213"/>
+            <a:ext cx="2971800" cy="458787"/>
+          </a:xfrm>
+          <a:prstGeom prst="rect">
+            <a:avLst/>
+          </a:prstGeom>
+        </p:spPr>
+        <p:txBody>
+          <a:bodyPr vert="horz" lIns="91440" tIns="45720" rIns="91440" bIns="45720" rtlCol="0" anchor="b"/>
+          <a:lstStyle>
+            <a:lvl1pPr algn="l">
+              <a:defRPr sz="1200"/>
+            </a:lvl1pPr>
+          </a:lstStyle>
+          <a:p>
+            <a:endParaRPr lang="en-US"/>
+          </a:p>
+        </p:txBody>
+      </p:sp>
+      <p:sp>
+        <p:nvSpPr>
+          <p:cNvPr id="7" name="Slide Number Placeholder 6"/>
+          <p:cNvSpPr>
+            <a:spLocks noGrp="1"/>
+          </p:cNvSpPr>
+          <p:nvPr>
+            <p:ph type="sldNum" sz="quarter" idx="5"/>
+          </p:nvPr>
+        </p:nvSpPr>
+        <p:spPr>
+          <a:xfrm>
+            <a:off x="3884613" y="8685213"/>
+            <a:ext cx="2971800" cy="458787"/>
+          </a:xfrm>
+          <a:prstGeom prst="rect">
+            <a:avLst/>
+          </a:prstGeom>
+        </p:spPr>
+        <p:txBody>
+          <a:bodyPr vert="horz" lIns="91440" tIns="45720" rIns="91440" bIns="45720" rtlCol="0" anchor="b"/>
+          <a:lstStyle>
+            <a:lvl1pPr algn="r">
+              <a:defRPr sz="1200"/>
+            </a:lvl1pPr>
+          </a:lstStyle>
+          <a:p>
+            <a:fld id="{F4FFA6F4-FB90-314F-8DDB-1C8806A77A25}" type="slidenum">
+              <a:rPr lang="en-US" smtClean="0"/>
+              <a:t>‹#›</a:t>
+            </a:fld>
+            <a:endParaRPr lang="en-US"/>
+          </a:p>
+        </p:txBody>
+      </p:sp>
+    </p:spTree>
+    <p:extLst>
+      <p:ext uri="{BB962C8B-B14F-4D97-AF65-F5344CB8AC3E}">
+        <p14:creationId xmlns:p14="http://schemas.microsoft.com/office/powerpoint/2010/main" val="3228039433"/>
+      </p:ext>
+    </p:extLst>
+  </p:cSld>
+  <p:clrMap bg1="lt1" tx1="dk1" bg2="lt2" tx2="dk2" accent1="accent1" accent2="accent2" accent3="accent3" accent4="accent4" accent5="accent5" accent6="accent6" hlink="hlink" folHlink="folHlink"/>
+  <p:notesStyle>
+    <a:lvl1pPr marL="0" algn="l" defTabSz="914400" rtl="0" eaLnBrk="1" latinLnBrk="0" hangingPunct="1">
+      <a:defRPr sz="1200" kern="1200">
+        <a:solidFill>
+          <a:schemeClr val="tx1"/>
+        </a:solidFill>
+        <a:latin typeface="+mn-lt"/>
+        <a:ea typeface="+mn-ea"/>
+        <a:cs typeface="+mn-cs"/>
+      </a:defRPr>
+    </a:lvl1pPr>
+    <a:lvl2pPr marL="457200" algn="l" defTabSz="914400" rtl="0" eaLnBrk="1" latinLnBrk="0" hangingPunct="1">
+      <a:defRPr sz="1200" kern="1200">
+        <a:solidFill>
+          <a:schemeClr val="tx1"/>
+        </a:solidFill>
+        <a:latin typeface="+mn-lt"/>
+        <a:ea typeface="+mn-ea"/>
+        <a:cs typeface="+mn-cs"/>
+      </a:defRPr>
+    </a:lvl2pPr>
+    <a:lvl3pPr marL="914400" algn="l" defTabSz="914400" rtl="0" eaLnBrk="1" latinLnBrk="0" hangingPunct="1">
+      <a:defRPr sz="1200" kern="1200">
+        <a:solidFill>
+          <a:schemeClr val="tx1"/>
+        </a:solidFill>
+        <a:latin typeface="+mn-lt"/>
+        <a:ea typeface="+mn-ea"/>
+        <a:cs typeface="+mn-cs"/>
+      </a:defRPr>
+    </a:lvl3pPr>
+    <a:lvl4pPr marL="1371600" algn="l" defTabSz="914400" rtl="0" eaLnBrk="1" latinLnBrk="0" hangingPunct="1">
+      <a:defRPr sz="1200" kern="1200">
+        <a:solidFill>
+          <a:schemeClr val="tx1"/>
+        </a:solidFill>
+        <a:latin typeface="+mn-lt"/>
+        <a:ea typeface="+mn-ea"/>
+        <a:cs typeface="+mn-cs"/>
+      </a:defRPr>
+    </a:lvl4pPr>
+    <a:lvl5pPr marL="1828800" algn="l" defTabSz="914400" rtl="0" eaLnBrk="1" latinLnBrk="0" hangingPunct="1">
+      <a:defRPr sz="1200" kern="1200">
+        <a:solidFill>
+          <a:schemeClr val="tx1"/>
+        </a:solidFill>
+        <a:latin typeface="+mn-lt"/>
+        <a:ea typeface="+mn-ea"/>
+        <a:cs typeface="+mn-cs"/>
+      </a:defRPr>
+    </a:lvl5pPr>
+    <a:lvl6pPr marL="2286000" algn="l" defTabSz="914400" rtl="0" eaLnBrk="1" latinLnBrk="0" hangingPunct="1">
+      <a:defRPr sz="1200" kern="1200">
+        <a:solidFill>
+          <a:schemeClr val="tx1"/>
+        </a:solidFill>
+        <a:latin typeface="+mn-lt"/>
+        <a:ea typeface="+mn-ea"/>
+        <a:cs typeface="+mn-cs"/>
+      </a:defRPr>
+    </a:lvl6pPr>
+    <a:lvl7pPr marL="2743200" algn="l" defTabSz="914400" rtl="0" eaLnBrk="1" latinLnBrk="0" hangingPunct="1">
+      <a:defRPr sz="1200" kern="1200">
+        <a:solidFill>
+          <a:schemeClr val="tx1"/>
+        </a:solidFill>
+        <a:latin typeface="+mn-lt"/>
+        <a:ea typeface="+mn-ea"/>
+        <a:cs typeface="+mn-cs"/>
+      </a:defRPr>
+    </a:lvl7pPr>
+    <a:lvl8pPr marL="3200400" algn="l" defTabSz="914400" rtl="0" eaLnBrk="1" latinLnBrk="0" hangingPunct="1">
+      <a:defRPr sz="1200" kern="1200">
+        <a:solidFill>
+          <a:schemeClr val="tx1"/>
+        </a:solidFill>
+        <a:latin typeface="+mn-lt"/>
+        <a:ea typeface="+mn-ea"/>
+        <a:cs typeface="+mn-cs"/>
+      </a:defRPr>
+    </a:lvl8pPr>
+    <a:lvl9pPr marL="3657600" algn="l" defTabSz="914400" rtl="0" eaLnBrk="1" latinLnBrk="0" hangingPunct="1">
+      <a:defRPr sz="1200" kern="1200">
+        <a:solidFill>
+          <a:schemeClr val="tx1"/>
+        </a:solidFill>
+        <a:latin typeface="+mn-lt"/>
+        <a:ea typeface="+mn-ea"/>
+        <a:cs typeface="+mn-cs"/>
+      </a:defRPr>
+    </a:lvl9pPr>
+  </p:notesStyle>
+</p:notesMaster>
+</file>
+
+<file path=ppt/notesSlides/notesSlide1.xml><?xml version="1.0" encoding="utf-8"?>
+<p:notes xmlns:a="http://schemas.openxmlformats.org/drawingml/2006/main" xmlns:r="http://schemas.openxmlformats.org/officeDocument/2006/relationships" xmlns:p="http://schemas.openxmlformats.org/presentationml/2006/main">
+  <p:cSld>
+    <p:spTree>
+      <p:nvGrpSpPr>
+        <p:cNvPr id="1" name=""/>
+        <p:cNvGrpSpPr/>
+        <p:nvPr/>
+      </p:nvGrpSpPr>
+      <p:grpSpPr>
+        <a:xfrm>
+          <a:off x="0" y="0"/>
+          <a:ext cx="0" cy="0"/>
+          <a:chOff x="0" y="0"/>
+          <a:chExt cx="0" cy="0"/>
+        </a:xfrm>
+      </p:grpSpPr>
+      <p:sp>
+        <p:nvSpPr>
+          <p:cNvPr id="2" name="Slide Image Placeholder 1"/>
+          <p:cNvSpPr>
+            <a:spLocks noGrp="1" noRot="1" noChangeAspect="1"/>
+          </p:cNvSpPr>
+          <p:nvPr>
+            <p:ph type="sldImg"/>
+          </p:nvPr>
+        </p:nvSpPr>
+        <p:spPr/>
+      </p:sp>
+      <p:sp>
+        <p:nvSpPr>
+          <p:cNvPr id="3" name="Notes Placeholder 2"/>
+          <p:cNvSpPr>
+            <a:spLocks noGrp="1"/>
+          </p:cNvSpPr>
+          <p:nvPr>
+            <p:ph type="body" idx="1"/>
+          </p:nvPr>
+        </p:nvSpPr>
+        <p:spPr/>
+        <p:txBody>
+          <a:bodyPr/>
+          <a:lstStyle/>
+          <a:p>
+            <a:r>
+              <a:rPr lang="en-US" dirty="0"/>
+              <a:t>Explain what susceptible means. </a:t>
+            </a:r>
+          </a:p>
+        </p:txBody>
+      </p:sp>
+      <p:sp>
+        <p:nvSpPr>
+          <p:cNvPr id="4" name="Slide Number Placeholder 3"/>
+          <p:cNvSpPr>
+            <a:spLocks noGrp="1"/>
+          </p:cNvSpPr>
+          <p:nvPr>
+            <p:ph type="sldNum" sz="quarter" idx="5"/>
+          </p:nvPr>
+        </p:nvSpPr>
+        <p:spPr/>
+        <p:txBody>
+          <a:bodyPr/>
+          <a:lstStyle/>
+          <a:p>
+            <a:fld id="{F4FFA6F4-FB90-314F-8DDB-1C8806A77A25}" type="slidenum">
+              <a:rPr lang="en-US" smtClean="0"/>
+              <a:t>4</a:t>
+            </a:fld>
+            <a:endParaRPr lang="en-US"/>
+          </a:p>
+        </p:txBody>
+      </p:sp>
+    </p:spTree>
+    <p:extLst>
+      <p:ext uri="{BB962C8B-B14F-4D97-AF65-F5344CB8AC3E}">
+        <p14:creationId xmlns:p14="http://schemas.microsoft.com/office/powerpoint/2010/main" val="2202574166"/>
+      </p:ext>
+    </p:extLst>
+  </p:cSld>
+  <p:clrMapOvr>
+    <a:masterClrMapping/>
+  </p:clrMapOvr>
+</p:notes>
+</file>
+
+<file path=ppt/notesSlides/notesSlide10.xml><?xml version="1.0" encoding="utf-8"?>
+<p:notes xmlns:a="http://schemas.openxmlformats.org/drawingml/2006/main" xmlns:r="http://schemas.openxmlformats.org/officeDocument/2006/relationships" xmlns:p="http://schemas.openxmlformats.org/presentationml/2006/main">
+  <p:cSld>
+    <p:spTree>
+      <p:nvGrpSpPr>
+        <p:cNvPr id="1" name=""/>
+        <p:cNvGrpSpPr/>
+        <p:nvPr/>
+      </p:nvGrpSpPr>
+      <p:grpSpPr>
+        <a:xfrm>
+          <a:off x="0" y="0"/>
+          <a:ext cx="0" cy="0"/>
+          <a:chOff x="0" y="0"/>
+          <a:chExt cx="0" cy="0"/>
+        </a:xfrm>
+      </p:grpSpPr>
+      <p:sp>
+        <p:nvSpPr>
+          <p:cNvPr id="2" name="Slide Image Placeholder 1"/>
+          <p:cNvSpPr>
+            <a:spLocks noGrp="1" noRot="1" noChangeAspect="1"/>
+          </p:cNvSpPr>
+          <p:nvPr>
+            <p:ph type="sldImg"/>
+          </p:nvPr>
+        </p:nvSpPr>
+        <p:spPr/>
+      </p:sp>
+      <p:sp>
+        <p:nvSpPr>
+          <p:cNvPr id="3" name="Notes Placeholder 2"/>
+          <p:cNvSpPr>
+            <a:spLocks noGrp="1"/>
+          </p:cNvSpPr>
+          <p:nvPr>
+            <p:ph type="body" idx="1"/>
+          </p:nvPr>
+        </p:nvSpPr>
+        <p:spPr/>
+        <p:txBody>
+          <a:bodyPr/>
+          <a:lstStyle/>
+          <a:p>
+            <a:endParaRPr lang="en-US" dirty="0"/>
+          </a:p>
+        </p:txBody>
+      </p:sp>
+      <p:sp>
+        <p:nvSpPr>
+          <p:cNvPr id="4" name="Slide Number Placeholder 3"/>
+          <p:cNvSpPr>
+            <a:spLocks noGrp="1"/>
+          </p:cNvSpPr>
+          <p:nvPr>
+            <p:ph type="sldNum" sz="quarter" idx="5"/>
+          </p:nvPr>
+        </p:nvSpPr>
+        <p:spPr/>
+        <p:txBody>
+          <a:bodyPr/>
+          <a:lstStyle/>
+          <a:p>
+            <a:fld id="{F4FFA6F4-FB90-314F-8DDB-1C8806A77A25}" type="slidenum">
+              <a:rPr lang="en-US" smtClean="0"/>
+              <a:t>17</a:t>
+            </a:fld>
+            <a:endParaRPr lang="en-US"/>
+          </a:p>
+        </p:txBody>
+      </p:sp>
+    </p:spTree>
+    <p:extLst>
+      <p:ext uri="{BB962C8B-B14F-4D97-AF65-F5344CB8AC3E}">
+        <p14:creationId xmlns:p14="http://schemas.microsoft.com/office/powerpoint/2010/main" val="680672359"/>
+      </p:ext>
+    </p:extLst>
+  </p:cSld>
+  <p:clrMapOvr>
+    <a:masterClrMapping/>
+  </p:clrMapOvr>
+</p:notes>
+</file>
+
+<file path=ppt/notesSlides/notesSlide2.xml><?xml version="1.0" encoding="utf-8"?>
+<p:notes xmlns:a="http://schemas.openxmlformats.org/drawingml/2006/main" xmlns:r="http://schemas.openxmlformats.org/officeDocument/2006/relationships" xmlns:p="http://schemas.openxmlformats.org/presentationml/2006/main">
+  <p:cSld>
+    <p:spTree>
+      <p:nvGrpSpPr>
+        <p:cNvPr id="1" name=""/>
+        <p:cNvGrpSpPr/>
+        <p:nvPr/>
+      </p:nvGrpSpPr>
+      <p:grpSpPr>
+        <a:xfrm>
+          <a:off x="0" y="0"/>
+          <a:ext cx="0" cy="0"/>
+          <a:chOff x="0" y="0"/>
+          <a:chExt cx="0" cy="0"/>
+        </a:xfrm>
+      </p:grpSpPr>
+      <p:sp>
+        <p:nvSpPr>
+          <p:cNvPr id="2" name="Slide Image Placeholder 1"/>
+          <p:cNvSpPr>
+            <a:spLocks noGrp="1" noRot="1" noChangeAspect="1"/>
+          </p:cNvSpPr>
+          <p:nvPr>
+            <p:ph type="sldImg"/>
+          </p:nvPr>
+        </p:nvSpPr>
+        <p:spPr/>
+      </p:sp>
+      <p:sp>
+        <p:nvSpPr>
+          <p:cNvPr id="3" name="Notes Placeholder 2"/>
+          <p:cNvSpPr>
+            <a:spLocks noGrp="1"/>
+          </p:cNvSpPr>
+          <p:nvPr>
+            <p:ph type="body" idx="1"/>
+          </p:nvPr>
+        </p:nvSpPr>
+        <p:spPr/>
+        <p:txBody>
+          <a:bodyPr/>
+          <a:lstStyle/>
+          <a:p>
+            <a:r>
+              <a:rPr lang="en-US" dirty="0"/>
+              <a:t>Explain what infected means</a:t>
+            </a:r>
+          </a:p>
+        </p:txBody>
+      </p:sp>
+      <p:sp>
+        <p:nvSpPr>
+          <p:cNvPr id="4" name="Slide Number Placeholder 3"/>
+          <p:cNvSpPr>
+            <a:spLocks noGrp="1"/>
+          </p:cNvSpPr>
+          <p:nvPr>
+            <p:ph type="sldNum" sz="quarter" idx="5"/>
+          </p:nvPr>
+        </p:nvSpPr>
+        <p:spPr/>
+        <p:txBody>
+          <a:bodyPr/>
+          <a:lstStyle/>
+          <a:p>
+            <a:fld id="{F4FFA6F4-FB90-314F-8DDB-1C8806A77A25}" type="slidenum">
+              <a:rPr lang="en-US" smtClean="0"/>
+              <a:t>5</a:t>
+            </a:fld>
+            <a:endParaRPr lang="en-US"/>
+          </a:p>
+        </p:txBody>
+      </p:sp>
+    </p:spTree>
+    <p:extLst>
+      <p:ext uri="{BB962C8B-B14F-4D97-AF65-F5344CB8AC3E}">
+        <p14:creationId xmlns:p14="http://schemas.microsoft.com/office/powerpoint/2010/main" val="14269149"/>
+      </p:ext>
+    </p:extLst>
+  </p:cSld>
+  <p:clrMapOvr>
+    <a:masterClrMapping/>
+  </p:clrMapOvr>
+</p:notes>
+</file>
+
+<file path=ppt/notesSlides/notesSlide3.xml><?xml version="1.0" encoding="utf-8"?>
+<p:notes xmlns:a="http://schemas.openxmlformats.org/drawingml/2006/main" xmlns:r="http://schemas.openxmlformats.org/officeDocument/2006/relationships" xmlns:p="http://schemas.openxmlformats.org/presentationml/2006/main">
+  <p:cSld>
+    <p:spTree>
+      <p:nvGrpSpPr>
+        <p:cNvPr id="1" name=""/>
+        <p:cNvGrpSpPr/>
+        <p:nvPr/>
+      </p:nvGrpSpPr>
+      <p:grpSpPr>
+        <a:xfrm>
+          <a:off x="0" y="0"/>
+          <a:ext cx="0" cy="0"/>
+          <a:chOff x="0" y="0"/>
+          <a:chExt cx="0" cy="0"/>
+        </a:xfrm>
+      </p:grpSpPr>
+      <p:sp>
+        <p:nvSpPr>
+          <p:cNvPr id="2" name="Slide Image Placeholder 1"/>
+          <p:cNvSpPr>
+            <a:spLocks noGrp="1" noRot="1" noChangeAspect="1"/>
+          </p:cNvSpPr>
+          <p:nvPr>
+            <p:ph type="sldImg"/>
+          </p:nvPr>
+        </p:nvSpPr>
+        <p:spPr/>
+      </p:sp>
+      <p:sp>
+        <p:nvSpPr>
+          <p:cNvPr id="3" name="Notes Placeholder 2"/>
+          <p:cNvSpPr>
+            <a:spLocks noGrp="1"/>
+          </p:cNvSpPr>
+          <p:nvPr>
+            <p:ph type="body" idx="1"/>
+          </p:nvPr>
+        </p:nvSpPr>
+        <p:spPr/>
+        <p:txBody>
+          <a:bodyPr/>
+          <a:lstStyle/>
+          <a:p>
+            <a:endParaRPr lang="en-US" dirty="0"/>
+          </a:p>
+        </p:txBody>
+      </p:sp>
+      <p:sp>
+        <p:nvSpPr>
+          <p:cNvPr id="4" name="Slide Number Placeholder 3"/>
+          <p:cNvSpPr>
+            <a:spLocks noGrp="1"/>
+          </p:cNvSpPr>
+          <p:nvPr>
+            <p:ph type="sldNum" sz="quarter" idx="5"/>
+          </p:nvPr>
+        </p:nvSpPr>
+        <p:spPr/>
+        <p:txBody>
+          <a:bodyPr/>
+          <a:lstStyle/>
+          <a:p>
+            <a:fld id="{F4FFA6F4-FB90-314F-8DDB-1C8806A77A25}" type="slidenum">
+              <a:rPr lang="en-US" smtClean="0"/>
+              <a:t>6</a:t>
+            </a:fld>
+            <a:endParaRPr lang="en-US"/>
+          </a:p>
+        </p:txBody>
+      </p:sp>
+    </p:spTree>
+    <p:extLst>
+      <p:ext uri="{BB962C8B-B14F-4D97-AF65-F5344CB8AC3E}">
+        <p14:creationId xmlns:p14="http://schemas.microsoft.com/office/powerpoint/2010/main" val="671479289"/>
+      </p:ext>
+    </p:extLst>
+  </p:cSld>
+  <p:clrMapOvr>
+    <a:masterClrMapping/>
+  </p:clrMapOvr>
+</p:notes>
+</file>
+
+<file path=ppt/notesSlides/notesSlide4.xml><?xml version="1.0" encoding="utf-8"?>
+<p:notes xmlns:a="http://schemas.openxmlformats.org/drawingml/2006/main" xmlns:r="http://schemas.openxmlformats.org/officeDocument/2006/relationships" xmlns:p="http://schemas.openxmlformats.org/presentationml/2006/main">
+  <p:cSld>
+    <p:spTree>
+      <p:nvGrpSpPr>
+        <p:cNvPr id="1" name=""/>
+        <p:cNvGrpSpPr/>
+        <p:nvPr/>
+      </p:nvGrpSpPr>
+      <p:grpSpPr>
+        <a:xfrm>
+          <a:off x="0" y="0"/>
+          <a:ext cx="0" cy="0"/>
+          <a:chOff x="0" y="0"/>
+          <a:chExt cx="0" cy="0"/>
+        </a:xfrm>
+      </p:grpSpPr>
+      <p:sp>
+        <p:nvSpPr>
+          <p:cNvPr id="2" name="Slide Image Placeholder 1"/>
+          <p:cNvSpPr>
+            <a:spLocks noGrp="1" noRot="1" noChangeAspect="1"/>
+          </p:cNvSpPr>
+          <p:nvPr>
+            <p:ph type="sldImg"/>
+          </p:nvPr>
+        </p:nvSpPr>
+        <p:spPr/>
+      </p:sp>
+      <p:sp>
+        <p:nvSpPr>
+          <p:cNvPr id="3" name="Notes Placeholder 2"/>
+          <p:cNvSpPr>
+            <a:spLocks noGrp="1"/>
+          </p:cNvSpPr>
+          <p:nvPr>
+            <p:ph type="body" idx="1"/>
+          </p:nvPr>
+        </p:nvSpPr>
+        <p:spPr/>
+        <p:txBody>
+          <a:bodyPr/>
+          <a:lstStyle/>
+          <a:p>
+            <a:r>
+              <a:rPr lang="en-US" dirty="0"/>
+              <a:t>Explain what recovered means. </a:t>
+            </a:r>
+          </a:p>
+        </p:txBody>
+      </p:sp>
+      <p:sp>
+        <p:nvSpPr>
+          <p:cNvPr id="4" name="Slide Number Placeholder 3"/>
+          <p:cNvSpPr>
+            <a:spLocks noGrp="1"/>
+          </p:cNvSpPr>
+          <p:nvPr>
+            <p:ph type="sldNum" sz="quarter" idx="5"/>
+          </p:nvPr>
+        </p:nvSpPr>
+        <p:spPr/>
+        <p:txBody>
+          <a:bodyPr/>
+          <a:lstStyle/>
+          <a:p>
+            <a:fld id="{F4FFA6F4-FB90-314F-8DDB-1C8806A77A25}" type="slidenum">
+              <a:rPr lang="en-US" smtClean="0"/>
+              <a:t>8</a:t>
+            </a:fld>
+            <a:endParaRPr lang="en-US"/>
+          </a:p>
+        </p:txBody>
+      </p:sp>
+    </p:spTree>
+    <p:extLst>
+      <p:ext uri="{BB962C8B-B14F-4D97-AF65-F5344CB8AC3E}">
+        <p14:creationId xmlns:p14="http://schemas.microsoft.com/office/powerpoint/2010/main" val="2566895081"/>
+      </p:ext>
+    </p:extLst>
+  </p:cSld>
+  <p:clrMapOvr>
+    <a:masterClrMapping/>
+  </p:clrMapOvr>
+</p:notes>
+</file>
+
+<file path=ppt/notesSlides/notesSlide5.xml><?xml version="1.0" encoding="utf-8"?>
+<p:notes xmlns:a="http://schemas.openxmlformats.org/drawingml/2006/main" xmlns:r="http://schemas.openxmlformats.org/officeDocument/2006/relationships" xmlns:p="http://schemas.openxmlformats.org/presentationml/2006/main">
+  <p:cSld>
+    <p:spTree>
+      <p:nvGrpSpPr>
+        <p:cNvPr id="1" name=""/>
+        <p:cNvGrpSpPr/>
+        <p:nvPr/>
+      </p:nvGrpSpPr>
+      <p:grpSpPr>
+        <a:xfrm>
+          <a:off x="0" y="0"/>
+          <a:ext cx="0" cy="0"/>
+          <a:chOff x="0" y="0"/>
+          <a:chExt cx="0" cy="0"/>
+        </a:xfrm>
+      </p:grpSpPr>
+      <p:sp>
+        <p:nvSpPr>
+          <p:cNvPr id="2" name="Slide Image Placeholder 1"/>
+          <p:cNvSpPr>
+            <a:spLocks noGrp="1" noRot="1" noChangeAspect="1"/>
+          </p:cNvSpPr>
+          <p:nvPr>
+            <p:ph type="sldImg"/>
+          </p:nvPr>
+        </p:nvSpPr>
+        <p:spPr/>
+      </p:sp>
+      <p:sp>
+        <p:nvSpPr>
+          <p:cNvPr id="3" name="Notes Placeholder 2"/>
+          <p:cNvSpPr>
+            <a:spLocks noGrp="1"/>
+          </p:cNvSpPr>
+          <p:nvPr>
+            <p:ph type="body" idx="1"/>
+          </p:nvPr>
+        </p:nvSpPr>
+        <p:spPr/>
+        <p:txBody>
+          <a:bodyPr/>
+          <a:lstStyle/>
+          <a:p>
+            <a:r>
+              <a:rPr lang="en-US" dirty="0"/>
+              <a:t>NOTE THAT THE Y IS PROPORTIONS. </a:t>
+            </a:r>
+          </a:p>
+        </p:txBody>
+      </p:sp>
+      <p:sp>
+        <p:nvSpPr>
+          <p:cNvPr id="4" name="Slide Number Placeholder 3"/>
+          <p:cNvSpPr>
+            <a:spLocks noGrp="1"/>
+          </p:cNvSpPr>
+          <p:nvPr>
+            <p:ph type="sldNum" sz="quarter" idx="5"/>
+          </p:nvPr>
+        </p:nvSpPr>
+        <p:spPr/>
+        <p:txBody>
+          <a:bodyPr/>
+          <a:lstStyle/>
+          <a:p>
+            <a:fld id="{F4FFA6F4-FB90-314F-8DDB-1C8806A77A25}" type="slidenum">
+              <a:rPr lang="en-US" smtClean="0"/>
+              <a:t>12</a:t>
+            </a:fld>
+            <a:endParaRPr lang="en-US"/>
+          </a:p>
+        </p:txBody>
+      </p:sp>
+    </p:spTree>
+    <p:extLst>
+      <p:ext uri="{BB962C8B-B14F-4D97-AF65-F5344CB8AC3E}">
+        <p14:creationId xmlns:p14="http://schemas.microsoft.com/office/powerpoint/2010/main" val="1710830411"/>
+      </p:ext>
+    </p:extLst>
+  </p:cSld>
+  <p:clrMapOvr>
+    <a:masterClrMapping/>
+  </p:clrMapOvr>
+</p:notes>
+</file>
+
+<file path=ppt/notesSlides/notesSlide6.xml><?xml version="1.0" encoding="utf-8"?>
+<p:notes xmlns:a="http://schemas.openxmlformats.org/drawingml/2006/main" xmlns:r="http://schemas.openxmlformats.org/officeDocument/2006/relationships" xmlns:p="http://schemas.openxmlformats.org/presentationml/2006/main">
+  <p:cSld>
+    <p:spTree>
+      <p:nvGrpSpPr>
+        <p:cNvPr id="1" name=""/>
+        <p:cNvGrpSpPr/>
+        <p:nvPr/>
+      </p:nvGrpSpPr>
+      <p:grpSpPr>
+        <a:xfrm>
+          <a:off x="0" y="0"/>
+          <a:ext cx="0" cy="0"/>
+          <a:chOff x="0" y="0"/>
+          <a:chExt cx="0" cy="0"/>
+        </a:xfrm>
+      </p:grpSpPr>
+      <p:sp>
+        <p:nvSpPr>
+          <p:cNvPr id="2" name="Slide Image Placeholder 1"/>
+          <p:cNvSpPr>
+            <a:spLocks noGrp="1" noRot="1" noChangeAspect="1"/>
+          </p:cNvSpPr>
+          <p:nvPr>
+            <p:ph type="sldImg"/>
+          </p:nvPr>
+        </p:nvSpPr>
+        <p:spPr/>
+      </p:sp>
+      <p:sp>
+        <p:nvSpPr>
+          <p:cNvPr id="3" name="Notes Placeholder 2"/>
+          <p:cNvSpPr>
+            <a:spLocks noGrp="1"/>
+          </p:cNvSpPr>
+          <p:nvPr>
+            <p:ph type="body" idx="1"/>
+          </p:nvPr>
+        </p:nvSpPr>
+        <p:spPr/>
+        <p:txBody>
+          <a:bodyPr/>
+          <a:lstStyle/>
+          <a:p>
+            <a:endParaRPr lang="en-US" dirty="0"/>
+          </a:p>
+        </p:txBody>
+      </p:sp>
+      <p:sp>
+        <p:nvSpPr>
+          <p:cNvPr id="4" name="Slide Number Placeholder 3"/>
+          <p:cNvSpPr>
+            <a:spLocks noGrp="1"/>
+          </p:cNvSpPr>
+          <p:nvPr>
+            <p:ph type="sldNum" sz="quarter" idx="5"/>
+          </p:nvPr>
+        </p:nvSpPr>
+        <p:spPr/>
+        <p:txBody>
+          <a:bodyPr/>
+          <a:lstStyle/>
+          <a:p>
+            <a:fld id="{F4FFA6F4-FB90-314F-8DDB-1C8806A77A25}" type="slidenum">
+              <a:rPr lang="en-US" smtClean="0"/>
+              <a:t>13</a:t>
+            </a:fld>
+            <a:endParaRPr lang="en-US"/>
+          </a:p>
+        </p:txBody>
+      </p:sp>
+    </p:spTree>
+    <p:extLst>
+      <p:ext uri="{BB962C8B-B14F-4D97-AF65-F5344CB8AC3E}">
+        <p14:creationId xmlns:p14="http://schemas.microsoft.com/office/powerpoint/2010/main" val="3202805772"/>
+      </p:ext>
+    </p:extLst>
+  </p:cSld>
+  <p:clrMapOvr>
+    <a:masterClrMapping/>
+  </p:clrMapOvr>
+</p:notes>
+</file>
+
+<file path=ppt/notesSlides/notesSlide7.xml><?xml version="1.0" encoding="utf-8"?>
+<p:notes xmlns:a="http://schemas.openxmlformats.org/drawingml/2006/main" xmlns:r="http://schemas.openxmlformats.org/officeDocument/2006/relationships" xmlns:p="http://schemas.openxmlformats.org/presentationml/2006/main">
+  <p:cSld>
+    <p:spTree>
+      <p:nvGrpSpPr>
+        <p:cNvPr id="1" name=""/>
+        <p:cNvGrpSpPr/>
+        <p:nvPr/>
+      </p:nvGrpSpPr>
+      <p:grpSpPr>
+        <a:xfrm>
+          <a:off x="0" y="0"/>
+          <a:ext cx="0" cy="0"/>
+          <a:chOff x="0" y="0"/>
+          <a:chExt cx="0" cy="0"/>
+        </a:xfrm>
+      </p:grpSpPr>
+      <p:sp>
+        <p:nvSpPr>
+          <p:cNvPr id="2" name="Slide Image Placeholder 1"/>
+          <p:cNvSpPr>
+            <a:spLocks noGrp="1" noRot="1" noChangeAspect="1"/>
+          </p:cNvSpPr>
+          <p:nvPr>
+            <p:ph type="sldImg"/>
+          </p:nvPr>
+        </p:nvSpPr>
+        <p:spPr/>
+      </p:sp>
+      <p:sp>
+        <p:nvSpPr>
+          <p:cNvPr id="3" name="Notes Placeholder 2"/>
+          <p:cNvSpPr>
+            <a:spLocks noGrp="1"/>
+          </p:cNvSpPr>
+          <p:nvPr>
+            <p:ph type="body" idx="1"/>
+          </p:nvPr>
+        </p:nvSpPr>
+        <p:spPr/>
+        <p:txBody>
+          <a:bodyPr/>
+          <a:lstStyle/>
+          <a:p>
+            <a:endParaRPr lang="en-US" dirty="0"/>
+          </a:p>
+        </p:txBody>
+      </p:sp>
+      <p:sp>
+        <p:nvSpPr>
+          <p:cNvPr id="4" name="Slide Number Placeholder 3"/>
+          <p:cNvSpPr>
+            <a:spLocks noGrp="1"/>
+          </p:cNvSpPr>
+          <p:nvPr>
+            <p:ph type="sldNum" sz="quarter" idx="5"/>
+          </p:nvPr>
+        </p:nvSpPr>
+        <p:spPr/>
+        <p:txBody>
+          <a:bodyPr/>
+          <a:lstStyle/>
+          <a:p>
+            <a:fld id="{F4FFA6F4-FB90-314F-8DDB-1C8806A77A25}" type="slidenum">
+              <a:rPr lang="en-US" smtClean="0"/>
+              <a:t>14</a:t>
+            </a:fld>
+            <a:endParaRPr lang="en-US"/>
+          </a:p>
+        </p:txBody>
+      </p:sp>
+    </p:spTree>
+    <p:extLst>
+      <p:ext uri="{BB962C8B-B14F-4D97-AF65-F5344CB8AC3E}">
+        <p14:creationId xmlns:p14="http://schemas.microsoft.com/office/powerpoint/2010/main" val="3220476652"/>
+      </p:ext>
+    </p:extLst>
+  </p:cSld>
+  <p:clrMapOvr>
+    <a:masterClrMapping/>
+  </p:clrMapOvr>
+</p:notes>
+</file>
+
+<file path=ppt/notesSlides/notesSlide8.xml><?xml version="1.0" encoding="utf-8"?>
+<p:notes xmlns:a="http://schemas.openxmlformats.org/drawingml/2006/main" xmlns:r="http://schemas.openxmlformats.org/officeDocument/2006/relationships" xmlns:p="http://schemas.openxmlformats.org/presentationml/2006/main">
+  <p:cSld>
+    <p:spTree>
+      <p:nvGrpSpPr>
+        <p:cNvPr id="1" name=""/>
+        <p:cNvGrpSpPr/>
+        <p:nvPr/>
+      </p:nvGrpSpPr>
+      <p:grpSpPr>
+        <a:xfrm>
+          <a:off x="0" y="0"/>
+          <a:ext cx="0" cy="0"/>
+          <a:chOff x="0" y="0"/>
+          <a:chExt cx="0" cy="0"/>
+        </a:xfrm>
+      </p:grpSpPr>
+      <p:sp>
+        <p:nvSpPr>
+          <p:cNvPr id="2" name="Slide Image Placeholder 1"/>
+          <p:cNvSpPr>
+            <a:spLocks noGrp="1" noRot="1" noChangeAspect="1"/>
+          </p:cNvSpPr>
+          <p:nvPr>
+            <p:ph type="sldImg"/>
+          </p:nvPr>
+        </p:nvSpPr>
+        <p:spPr/>
+      </p:sp>
+      <p:sp>
+        <p:nvSpPr>
+          <p:cNvPr id="3" name="Notes Placeholder 2"/>
+          <p:cNvSpPr>
+            <a:spLocks noGrp="1"/>
+          </p:cNvSpPr>
+          <p:nvPr>
+            <p:ph type="body" idx="1"/>
+          </p:nvPr>
+        </p:nvSpPr>
+        <p:spPr/>
+        <p:txBody>
+          <a:bodyPr/>
+          <a:lstStyle/>
+          <a:p>
+            <a:r>
+              <a:rPr lang="en-US" dirty="0"/>
+              <a:t>Think about each of these assumptions. When are they valid and when are they not? How do you think we might change the model structure to take some of these assumptions into account? </a:t>
+            </a:r>
+          </a:p>
+        </p:txBody>
+      </p:sp>
+      <p:sp>
+        <p:nvSpPr>
+          <p:cNvPr id="4" name="Slide Number Placeholder 3"/>
+          <p:cNvSpPr>
+            <a:spLocks noGrp="1"/>
+          </p:cNvSpPr>
+          <p:nvPr>
+            <p:ph type="sldNum" sz="quarter" idx="5"/>
+          </p:nvPr>
+        </p:nvSpPr>
+        <p:spPr/>
+        <p:txBody>
+          <a:bodyPr/>
+          <a:lstStyle/>
+          <a:p>
+            <a:fld id="{F4FFA6F4-FB90-314F-8DDB-1C8806A77A25}" type="slidenum">
+              <a:rPr lang="en-US" smtClean="0"/>
+              <a:t>15</a:t>
+            </a:fld>
+            <a:endParaRPr lang="en-US"/>
+          </a:p>
+        </p:txBody>
+      </p:sp>
+    </p:spTree>
+    <p:extLst>
+      <p:ext uri="{BB962C8B-B14F-4D97-AF65-F5344CB8AC3E}">
+        <p14:creationId xmlns:p14="http://schemas.microsoft.com/office/powerpoint/2010/main" val="1697148747"/>
+      </p:ext>
+    </p:extLst>
+  </p:cSld>
+  <p:clrMapOvr>
+    <a:masterClrMapping/>
+  </p:clrMapOvr>
+</p:notes>
+</file>
+
+<file path=ppt/notesSlides/notesSlide9.xml><?xml version="1.0" encoding="utf-8"?>
+<p:notes xmlns:a="http://schemas.openxmlformats.org/drawingml/2006/main" xmlns:r="http://schemas.openxmlformats.org/officeDocument/2006/relationships" xmlns:p="http://schemas.openxmlformats.org/presentationml/2006/main">
+  <p:cSld>
+    <p:spTree>
+      <p:nvGrpSpPr>
+        <p:cNvPr id="1" name=""/>
+        <p:cNvGrpSpPr/>
+        <p:nvPr/>
+      </p:nvGrpSpPr>
+      <p:grpSpPr>
+        <a:xfrm>
+          <a:off x="0" y="0"/>
+          <a:ext cx="0" cy="0"/>
+          <a:chOff x="0" y="0"/>
+          <a:chExt cx="0" cy="0"/>
+        </a:xfrm>
+      </p:grpSpPr>
+      <p:sp>
+        <p:nvSpPr>
+          <p:cNvPr id="2" name="Slide Image Placeholder 1"/>
+          <p:cNvSpPr>
+            <a:spLocks noGrp="1" noRot="1" noChangeAspect="1"/>
+          </p:cNvSpPr>
+          <p:nvPr>
+            <p:ph type="sldImg"/>
+          </p:nvPr>
+        </p:nvSpPr>
+        <p:spPr/>
+      </p:sp>
+      <p:sp>
+        <p:nvSpPr>
+          <p:cNvPr id="3" name="Notes Placeholder 2"/>
+          <p:cNvSpPr>
+            <a:spLocks noGrp="1"/>
+          </p:cNvSpPr>
+          <p:nvPr>
+            <p:ph type="body" idx="1"/>
+          </p:nvPr>
+        </p:nvSpPr>
+        <p:spPr/>
+        <p:txBody>
+          <a:bodyPr/>
+          <a:lstStyle/>
+          <a:p>
+            <a:r>
+              <a:rPr lang="en-US" dirty="0"/>
+              <a:t>Explain what infected means</a:t>
+            </a:r>
+          </a:p>
+        </p:txBody>
+      </p:sp>
+      <p:sp>
+        <p:nvSpPr>
+          <p:cNvPr id="4" name="Slide Number Placeholder 3"/>
+          <p:cNvSpPr>
+            <a:spLocks noGrp="1"/>
+          </p:cNvSpPr>
+          <p:nvPr>
+            <p:ph type="sldNum" sz="quarter" idx="5"/>
+          </p:nvPr>
+        </p:nvSpPr>
+        <p:spPr/>
+        <p:txBody>
+          <a:bodyPr/>
+          <a:lstStyle/>
+          <a:p>
+            <a:fld id="{F4FFA6F4-FB90-314F-8DDB-1C8806A77A25}" type="slidenum">
+              <a:rPr lang="en-US" smtClean="0"/>
+              <a:t>16</a:t>
+            </a:fld>
+            <a:endParaRPr lang="en-US"/>
+          </a:p>
+        </p:txBody>
+      </p:sp>
+    </p:spTree>
+    <p:extLst>
+      <p:ext uri="{BB962C8B-B14F-4D97-AF65-F5344CB8AC3E}">
+        <p14:creationId xmlns:p14="http://schemas.microsoft.com/office/powerpoint/2010/main" val="456923088"/>
+      </p:ext>
+    </p:extLst>
+  </p:cSld>
+  <p:clrMapOvr>
+    <a:masterClrMapping/>
+  </p:clrMapOvr>
+</p:notes>
+</file>
+
 <file path=ppt/slideLayouts/slideLayout1.xml><?xml version="1.0" encoding="utf-8"?>
 <p:sldLayout xmlns:a="http://schemas.openxmlformats.org/drawingml/2006/main" xmlns:r="http://schemas.openxmlformats.org/officeDocument/2006/relationships" xmlns:p="http://schemas.openxmlformats.org/presentationml/2006/main" type="title" preserve="1">
   <p:cSld name="Title Slide">
@@ -9796,12 +11010,42 @@
           <a:chExt cx="0" cy="0"/>
         </a:xfrm>
       </p:grpSpPr>
-      <p:sp>
-        <p:nvSpPr>
-          <p:cNvPr id="2" name="Title 1">
-            <a:extLst>
-              <a:ext uri="{FF2B5EF4-FFF2-40B4-BE49-F238E27FC236}">
-                <a16:creationId xmlns:a16="http://schemas.microsoft.com/office/drawing/2014/main" id="{6F90F815-0651-2A1D-F2D1-A2E1DA14FA31}"/>
+      <p:pic>
+        <p:nvPicPr>
+          <p:cNvPr id="7" name="Picture 6" descr="Chart, line chart&#10;&#10;Description automatically generated">
+            <a:extLst>
+              <a:ext uri="{FF2B5EF4-FFF2-40B4-BE49-F238E27FC236}">
+                <a16:creationId xmlns:a16="http://schemas.microsoft.com/office/drawing/2014/main" id="{4D3C6E04-5901-8600-1E9E-ED37488978FD}"/>
+              </a:ext>
+            </a:extLst>
+          </p:cNvPr>
+          <p:cNvPicPr>
+            <a:picLocks noChangeAspect="1"/>
+          </p:cNvPicPr>
+          <p:nvPr/>
+        </p:nvPicPr>
+        <p:blipFill>
+          <a:blip r:embed="rId3"/>
+          <a:stretch>
+            <a:fillRect/>
+          </a:stretch>
+        </p:blipFill>
+        <p:spPr>
+          <a:xfrm>
+            <a:off x="2048753" y="1154425"/>
+            <a:ext cx="7490208" cy="5603988"/>
+          </a:xfrm>
+          <a:prstGeom prst="rect">
+            <a:avLst/>
+          </a:prstGeom>
+        </p:spPr>
+      </p:pic>
+      <p:sp>
+        <p:nvSpPr>
+          <p:cNvPr id="8" name="Title 1">
+            <a:extLst>
+              <a:ext uri="{FF2B5EF4-FFF2-40B4-BE49-F238E27FC236}">
+                <a16:creationId xmlns:a16="http://schemas.microsoft.com/office/drawing/2014/main" id="{EE905F8B-08AE-95DE-FBC6-BB71FA190BC6}"/>
               </a:ext>
             </a:extLst>
           </p:cNvPr>
@@ -9849,61 +11093,10 @@
           </a:p>
         </p:txBody>
       </p:sp>
-      <p:sp>
-        <p:nvSpPr>
-          <p:cNvPr id="3" name="Content Placeholder 2">
-            <a:extLst>
-              <a:ext uri="{FF2B5EF4-FFF2-40B4-BE49-F238E27FC236}">
-                <a16:creationId xmlns:a16="http://schemas.microsoft.com/office/drawing/2014/main" id="{BE2DAF4C-AC7B-C32A-575D-B301AAEBE627}"/>
-              </a:ext>
-            </a:extLst>
-          </p:cNvPr>
-          <p:cNvSpPr>
-            <a:spLocks noGrp="1"/>
-          </p:cNvSpPr>
-          <p:nvPr>
-            <p:ph idx="1"/>
-          </p:nvPr>
-        </p:nvSpPr>
-        <p:spPr/>
-        <p:txBody>
-          <a:bodyPr/>
-          <a:lstStyle/>
-          <a:p>
-            <a:r>
-              <a:rPr lang="en-US" dirty="0"/>
-              <a:t>Use the dots to derive equations</a:t>
-            </a:r>
-          </a:p>
-          <a:p>
-            <a:endParaRPr lang="en-US" dirty="0"/>
-          </a:p>
-          <a:p>
-            <a:r>
-              <a:rPr lang="en-US" dirty="0"/>
-              <a:t>What ecological concepts is this similar to? </a:t>
-            </a:r>
-          </a:p>
-          <a:p>
-            <a:pPr lvl="1"/>
-            <a:r>
-              <a:rPr lang="en-US" dirty="0"/>
-              <a:t>What if we consider individual hosts as islands? Habitat patches?</a:t>
-            </a:r>
-          </a:p>
-          <a:p>
-            <a:pPr lvl="2"/>
-            <a:r>
-              <a:rPr lang="en-US" dirty="0"/>
-              <a:t>At its core, epidemiology is ecology. </a:t>
-            </a:r>
-          </a:p>
-        </p:txBody>
-      </p:sp>
     </p:spTree>
     <p:extLst>
       <p:ext uri="{BB962C8B-B14F-4D97-AF65-F5344CB8AC3E}">
-        <p14:creationId xmlns:p14="http://schemas.microsoft.com/office/powerpoint/2010/main" val="528944614"/>
+        <p14:creationId xmlns:p14="http://schemas.microsoft.com/office/powerpoint/2010/main" val="2134423707"/>
       </p:ext>
     </p:extLst>
   </p:cSld>
@@ -9932,10 +11125,10 @@
       </p:grpSpPr>
       <p:sp>
         <p:nvSpPr>
-          <p:cNvPr id="2" name="Title 1">
-            <a:extLst>
-              <a:ext uri="{FF2B5EF4-FFF2-40B4-BE49-F238E27FC236}">
-                <a16:creationId xmlns:a16="http://schemas.microsoft.com/office/drawing/2014/main" id="{6F90F815-0651-2A1D-F2D1-A2E1DA14FA31}"/>
+          <p:cNvPr id="4" name="Title 1">
+            <a:extLst>
+              <a:ext uri="{FF2B5EF4-FFF2-40B4-BE49-F238E27FC236}">
+                <a16:creationId xmlns:a16="http://schemas.microsoft.com/office/drawing/2014/main" id="{DFFA70B1-7597-000C-08EE-9348A5AAE4A8}"/>
               </a:ext>
             </a:extLst>
           </p:cNvPr>
@@ -9985,56 +11178,468 @@
       </p:sp>
       <p:sp>
         <p:nvSpPr>
-          <p:cNvPr id="3" name="Content Placeholder 2">
-            <a:extLst>
-              <a:ext uri="{FF2B5EF4-FFF2-40B4-BE49-F238E27FC236}">
-                <a16:creationId xmlns:a16="http://schemas.microsoft.com/office/drawing/2014/main" id="{BE2DAF4C-AC7B-C32A-575D-B301AAEBE627}"/>
-              </a:ext>
-            </a:extLst>
-          </p:cNvPr>
-          <p:cNvSpPr>
-            <a:spLocks noGrp="1"/>
-          </p:cNvSpPr>
-          <p:nvPr>
-            <p:ph idx="1"/>
-          </p:nvPr>
-        </p:nvSpPr>
-        <p:spPr/>
-        <p:txBody>
-          <a:bodyPr/>
-          <a:lstStyle/>
-          <a:p>
+          <p:cNvPr id="5" name="Rectangle 4">
+            <a:extLst>
+              <a:ext uri="{FF2B5EF4-FFF2-40B4-BE49-F238E27FC236}">
+                <a16:creationId xmlns:a16="http://schemas.microsoft.com/office/drawing/2014/main" id="{0C95D31B-E36D-B288-D9D8-DC151FF0BB11}"/>
+              </a:ext>
+            </a:extLst>
+          </p:cNvPr>
+          <p:cNvSpPr/>
+          <p:nvPr/>
+        </p:nvSpPr>
+        <p:spPr>
+          <a:xfrm>
+            <a:off x="382937" y="1205692"/>
+            <a:ext cx="2279233" cy="1709264"/>
+          </a:xfrm>
+          <a:prstGeom prst="rect">
+            <a:avLst/>
+          </a:prstGeom>
+          <a:solidFill>
+            <a:srgbClr val="00B050"/>
+          </a:solidFill>
+          <a:ln w="44450">
+            <a:solidFill>
+              <a:schemeClr val="tx1"/>
+            </a:solidFill>
+          </a:ln>
+        </p:spPr>
+        <p:style>
+          <a:lnRef idx="2">
+            <a:schemeClr val="accent1">
+              <a:shade val="50000"/>
+            </a:schemeClr>
+          </a:lnRef>
+          <a:fillRef idx="1">
+            <a:schemeClr val="accent1"/>
+          </a:fillRef>
+          <a:effectRef idx="0">
+            <a:schemeClr val="accent1"/>
+          </a:effectRef>
+          <a:fontRef idx="minor">
+            <a:schemeClr val="lt1"/>
+          </a:fontRef>
+        </p:style>
+        <p:txBody>
+          <a:bodyPr rtlCol="0" anchor="ctr"/>
+          <a:lstStyle/>
+          <a:p>
+            <a:pPr algn="ctr"/>
             <a:r>
-              <a:rPr lang="en-US" dirty="0"/>
-              <a:t>Model assumptions</a:t>
+              <a:rPr lang="en-US" sz="3200" b="1" dirty="0"/>
+              <a:t>Susceptible (S)</a:t>
             </a:r>
           </a:p>
-          <a:p>
-            <a:pPr lvl="1"/>
+        </p:txBody>
+      </p:sp>
+      <p:sp>
+        <p:nvSpPr>
+          <p:cNvPr id="6" name="Rectangle 5">
+            <a:extLst>
+              <a:ext uri="{FF2B5EF4-FFF2-40B4-BE49-F238E27FC236}">
+                <a16:creationId xmlns:a16="http://schemas.microsoft.com/office/drawing/2014/main" id="{55C123BA-D4F8-1F24-95C2-5CCE00EFDCA2}"/>
+              </a:ext>
+            </a:extLst>
+          </p:cNvPr>
+          <p:cNvSpPr/>
+          <p:nvPr/>
+        </p:nvSpPr>
+        <p:spPr>
+          <a:xfrm>
+            <a:off x="4777484" y="1250839"/>
+            <a:ext cx="2279233" cy="1709264"/>
+          </a:xfrm>
+          <a:prstGeom prst="rect">
+            <a:avLst/>
+          </a:prstGeom>
+          <a:solidFill>
+            <a:srgbClr val="FF0000"/>
+          </a:solidFill>
+          <a:ln w="44450">
+            <a:solidFill>
+              <a:schemeClr val="tx1"/>
+            </a:solidFill>
+          </a:ln>
+        </p:spPr>
+        <p:style>
+          <a:lnRef idx="2">
+            <a:schemeClr val="accent1">
+              <a:shade val="50000"/>
+            </a:schemeClr>
+          </a:lnRef>
+          <a:fillRef idx="1">
+            <a:schemeClr val="accent1"/>
+          </a:fillRef>
+          <a:effectRef idx="0">
+            <a:schemeClr val="accent1"/>
+          </a:effectRef>
+          <a:fontRef idx="minor">
+            <a:schemeClr val="lt1"/>
+          </a:fontRef>
+        </p:style>
+        <p:txBody>
+          <a:bodyPr rtlCol="0" anchor="ctr"/>
+          <a:lstStyle/>
+          <a:p>
+            <a:pPr algn="ctr"/>
             <a:r>
-              <a:rPr lang="en-US" dirty="0"/>
-              <a:t>Ask in what cases these assumptions might be valid and in what cases they wouldn’t be. </a:t>
+              <a:rPr lang="en-US" sz="3200" b="1" dirty="0"/>
+              <a:t>Infected (I)</a:t>
             </a:r>
           </a:p>
-          <a:p>
-            <a:pPr lvl="2"/>
+        </p:txBody>
+      </p:sp>
+      <p:sp>
+        <p:nvSpPr>
+          <p:cNvPr id="7" name="Rectangle 6">
+            <a:extLst>
+              <a:ext uri="{FF2B5EF4-FFF2-40B4-BE49-F238E27FC236}">
+                <a16:creationId xmlns:a16="http://schemas.microsoft.com/office/drawing/2014/main" id="{893C2939-18E8-AAA2-5CA4-83F77CD45634}"/>
+              </a:ext>
+            </a:extLst>
+          </p:cNvPr>
+          <p:cNvSpPr/>
+          <p:nvPr/>
+        </p:nvSpPr>
+        <p:spPr>
+          <a:xfrm>
+            <a:off x="9172031" y="1250839"/>
+            <a:ext cx="2279233" cy="1709264"/>
+          </a:xfrm>
+          <a:prstGeom prst="rect">
+            <a:avLst/>
+          </a:prstGeom>
+          <a:solidFill>
+            <a:srgbClr val="0070C0"/>
+          </a:solidFill>
+          <a:ln w="44450">
+            <a:solidFill>
+              <a:schemeClr val="tx1"/>
+            </a:solidFill>
+          </a:ln>
+        </p:spPr>
+        <p:style>
+          <a:lnRef idx="2">
+            <a:schemeClr val="accent1">
+              <a:shade val="50000"/>
+            </a:schemeClr>
+          </a:lnRef>
+          <a:fillRef idx="1">
+            <a:schemeClr val="accent1"/>
+          </a:fillRef>
+          <a:effectRef idx="0">
+            <a:schemeClr val="accent1"/>
+          </a:effectRef>
+          <a:fontRef idx="minor">
+            <a:schemeClr val="lt1"/>
+          </a:fontRef>
+        </p:style>
+        <p:txBody>
+          <a:bodyPr rtlCol="0" anchor="ctr"/>
+          <a:lstStyle/>
+          <a:p>
+            <a:pPr algn="ctr"/>
             <a:r>
-              <a:rPr lang="en-US" dirty="0"/>
-              <a:t>How would we change the models to account for some of the assumptions? </a:t>
+              <a:rPr lang="en-US" sz="3200" b="1" dirty="0"/>
+              <a:t>Recovered (R)</a:t>
             </a:r>
           </a:p>
-          <a:p>
-            <a:pPr marL="0" indent="0">
-              <a:buNone/>
-            </a:pPr>
-            <a:endParaRPr lang="en-US" dirty="0"/>
+        </p:txBody>
+      </p:sp>
+      <p:cxnSp>
+        <p:nvCxnSpPr>
+          <p:cNvPr id="9" name="Straight Arrow Connector 8">
+            <a:extLst>
+              <a:ext uri="{FF2B5EF4-FFF2-40B4-BE49-F238E27FC236}">
+                <a16:creationId xmlns:a16="http://schemas.microsoft.com/office/drawing/2014/main" id="{5141C31B-0127-295D-E5AA-331D8EA1151B}"/>
+              </a:ext>
+            </a:extLst>
+          </p:cNvPr>
+          <p:cNvCxnSpPr/>
+          <p:nvPr/>
+        </p:nvCxnSpPr>
+        <p:spPr>
+          <a:xfrm>
+            <a:off x="2799471" y="2025748"/>
+            <a:ext cx="1786597" cy="0"/>
+          </a:xfrm>
+          <a:prstGeom prst="straightConnector1">
+            <a:avLst/>
+          </a:prstGeom>
+          <a:ln w="79375">
+            <a:solidFill>
+              <a:schemeClr val="tx1"/>
+            </a:solidFill>
+            <a:tailEnd type="triangle"/>
+          </a:ln>
+        </p:spPr>
+        <p:style>
+          <a:lnRef idx="1">
+            <a:schemeClr val="accent1"/>
+          </a:lnRef>
+          <a:fillRef idx="0">
+            <a:schemeClr val="accent1"/>
+          </a:fillRef>
+          <a:effectRef idx="0">
+            <a:schemeClr val="accent1"/>
+          </a:effectRef>
+          <a:fontRef idx="minor">
+            <a:schemeClr val="tx1"/>
+          </a:fontRef>
+        </p:style>
+      </p:cxnSp>
+      <p:cxnSp>
+        <p:nvCxnSpPr>
+          <p:cNvPr id="10" name="Straight Arrow Connector 9">
+            <a:extLst>
+              <a:ext uri="{FF2B5EF4-FFF2-40B4-BE49-F238E27FC236}">
+                <a16:creationId xmlns:a16="http://schemas.microsoft.com/office/drawing/2014/main" id="{54958C5B-29E8-C7CA-CFC5-1A9C9F0996B6}"/>
+              </a:ext>
+            </a:extLst>
+          </p:cNvPr>
+          <p:cNvCxnSpPr/>
+          <p:nvPr/>
+        </p:nvCxnSpPr>
+        <p:spPr>
+          <a:xfrm>
+            <a:off x="7228450" y="2025748"/>
+            <a:ext cx="1786597" cy="0"/>
+          </a:xfrm>
+          <a:prstGeom prst="straightConnector1">
+            <a:avLst/>
+          </a:prstGeom>
+          <a:ln w="79375">
+            <a:solidFill>
+              <a:schemeClr val="tx1"/>
+            </a:solidFill>
+            <a:tailEnd type="triangle"/>
+          </a:ln>
+        </p:spPr>
+        <p:style>
+          <a:lnRef idx="1">
+            <a:schemeClr val="accent1"/>
+          </a:lnRef>
+          <a:fillRef idx="0">
+            <a:schemeClr val="accent1"/>
+          </a:fillRef>
+          <a:effectRef idx="0">
+            <a:schemeClr val="accent1"/>
+          </a:effectRef>
+          <a:fontRef idx="minor">
+            <a:schemeClr val="tx1"/>
+          </a:fontRef>
+        </p:style>
+      </p:cxnSp>
+      <p:sp>
+        <p:nvSpPr>
+          <p:cNvPr id="13" name="TextBox 12">
+            <a:extLst>
+              <a:ext uri="{FF2B5EF4-FFF2-40B4-BE49-F238E27FC236}">
+                <a16:creationId xmlns:a16="http://schemas.microsoft.com/office/drawing/2014/main" id="{9853E69B-72D0-4896-3277-8A0B2124DCE4}"/>
+              </a:ext>
+            </a:extLst>
+          </p:cNvPr>
+          <p:cNvSpPr txBox="1"/>
+          <p:nvPr/>
+        </p:nvSpPr>
+        <p:spPr>
+          <a:xfrm>
+            <a:off x="3402622" y="2018120"/>
+            <a:ext cx="495886" cy="707886"/>
+          </a:xfrm>
+          <a:prstGeom prst="rect">
+            <a:avLst/>
+          </a:prstGeom>
+          <a:noFill/>
+        </p:spPr>
+        <p:txBody>
+          <a:bodyPr wrap="square">
+            <a:spAutoFit/>
+          </a:bodyPr>
+          <a:lstStyle/>
+          <a:p>
+            <a:r>
+              <a:rPr lang="el-GR" sz="4000" b="1" i="0" dirty="0">
+                <a:effectLst/>
+                <a:latin typeface="Google Sans"/>
+              </a:rPr>
+              <a:t>β</a:t>
+            </a:r>
+            <a:endParaRPr lang="en-US" sz="4000" b="1" dirty="0"/>
+          </a:p>
+        </p:txBody>
+      </p:sp>
+      <p:sp>
+        <p:nvSpPr>
+          <p:cNvPr id="16" name="TextBox 15">
+            <a:extLst>
+              <a:ext uri="{FF2B5EF4-FFF2-40B4-BE49-F238E27FC236}">
+                <a16:creationId xmlns:a16="http://schemas.microsoft.com/office/drawing/2014/main" id="{2167BC88-25C9-5157-DA91-FA572F841662}"/>
+              </a:ext>
+            </a:extLst>
+          </p:cNvPr>
+          <p:cNvSpPr txBox="1"/>
+          <p:nvPr/>
+        </p:nvSpPr>
+        <p:spPr>
+          <a:xfrm>
+            <a:off x="7884343" y="2018120"/>
+            <a:ext cx="474810" cy="707886"/>
+          </a:xfrm>
+          <a:prstGeom prst="rect">
+            <a:avLst/>
+          </a:prstGeom>
+          <a:noFill/>
+        </p:spPr>
+        <p:txBody>
+          <a:bodyPr wrap="none" rtlCol="0">
+            <a:spAutoFit/>
+          </a:bodyPr>
+          <a:lstStyle/>
+          <a:p>
+            <a:r>
+              <a:rPr lang="en-US" sz="4000" dirty="0"/>
+              <a:t>𝛄</a:t>
+            </a:r>
+          </a:p>
+        </p:txBody>
+      </p:sp>
+      <p:sp>
+        <p:nvSpPr>
+          <p:cNvPr id="17" name="TextBox 16">
+            <a:extLst>
+              <a:ext uri="{FF2B5EF4-FFF2-40B4-BE49-F238E27FC236}">
+                <a16:creationId xmlns:a16="http://schemas.microsoft.com/office/drawing/2014/main" id="{AB150774-85C7-293D-4C1F-B9C18DEA7B5D}"/>
+              </a:ext>
+            </a:extLst>
+          </p:cNvPr>
+          <p:cNvSpPr txBox="1"/>
+          <p:nvPr/>
+        </p:nvSpPr>
+        <p:spPr>
+          <a:xfrm>
+            <a:off x="382936" y="3085785"/>
+            <a:ext cx="8226491" cy="707886"/>
+          </a:xfrm>
+          <a:prstGeom prst="rect">
+            <a:avLst/>
+          </a:prstGeom>
+          <a:noFill/>
+        </p:spPr>
+        <p:txBody>
+          <a:bodyPr wrap="square">
+            <a:spAutoFit/>
+          </a:bodyPr>
+          <a:lstStyle/>
+          <a:p>
+            <a:r>
+              <a:rPr lang="en-US" sz="4000" b="1" i="0" dirty="0">
+                <a:effectLst/>
+                <a:latin typeface="Google Sans"/>
+              </a:rPr>
+              <a:t> </a:t>
+            </a:r>
+            <a:endParaRPr lang="en-US" sz="4000" b="1" dirty="0"/>
+          </a:p>
+        </p:txBody>
+      </p:sp>
+      <p:sp>
+        <p:nvSpPr>
+          <p:cNvPr id="18" name="TextBox 17">
+            <a:extLst>
+              <a:ext uri="{FF2B5EF4-FFF2-40B4-BE49-F238E27FC236}">
+                <a16:creationId xmlns:a16="http://schemas.microsoft.com/office/drawing/2014/main" id="{2509DAE3-7409-F9DC-DDDF-6E873A525D80}"/>
+              </a:ext>
+            </a:extLst>
+          </p:cNvPr>
+          <p:cNvSpPr txBox="1"/>
+          <p:nvPr/>
+        </p:nvSpPr>
+        <p:spPr>
+          <a:xfrm>
+            <a:off x="354799" y="3239074"/>
+            <a:ext cx="11314813" cy="1692771"/>
+          </a:xfrm>
+          <a:prstGeom prst="rect">
+            <a:avLst/>
+          </a:prstGeom>
+          <a:noFill/>
+        </p:spPr>
+        <p:txBody>
+          <a:bodyPr wrap="square">
+            <a:spAutoFit/>
+          </a:bodyPr>
+          <a:lstStyle/>
+          <a:p>
+            <a:r>
+              <a:rPr lang="el-GR" sz="4000" b="1" i="0" dirty="0">
+                <a:effectLst/>
+                <a:latin typeface="Google Sans"/>
+              </a:rPr>
+              <a:t>β</a:t>
+            </a:r>
+            <a:r>
+              <a:rPr lang="en-US" sz="4000" b="1" i="0" dirty="0">
+                <a:effectLst/>
+                <a:latin typeface="Google Sans"/>
+              </a:rPr>
+              <a:t> = </a:t>
+            </a:r>
+            <a:r>
+              <a:rPr lang="en-US" sz="3200" i="0" dirty="0">
+                <a:effectLst/>
+                <a:latin typeface="Google Sans"/>
+              </a:rPr>
+              <a:t>“transmission rate”, or the rate at which susceptible individuals become infected following a contact with an infected individual. </a:t>
+            </a:r>
+            <a:endParaRPr lang="en-US" sz="4000" dirty="0"/>
+          </a:p>
+        </p:txBody>
+      </p:sp>
+      <p:sp>
+        <p:nvSpPr>
+          <p:cNvPr id="19" name="TextBox 18">
+            <a:extLst>
+              <a:ext uri="{FF2B5EF4-FFF2-40B4-BE49-F238E27FC236}">
+                <a16:creationId xmlns:a16="http://schemas.microsoft.com/office/drawing/2014/main" id="{3F466D62-E184-C10D-AE33-DEBC9B1DC1BF}"/>
+              </a:ext>
+            </a:extLst>
+          </p:cNvPr>
+          <p:cNvSpPr txBox="1"/>
+          <p:nvPr/>
+        </p:nvSpPr>
+        <p:spPr>
+          <a:xfrm>
+            <a:off x="354800" y="5006996"/>
+            <a:ext cx="11314813" cy="1200329"/>
+          </a:xfrm>
+          <a:prstGeom prst="rect">
+            <a:avLst/>
+          </a:prstGeom>
+          <a:noFill/>
+        </p:spPr>
+        <p:txBody>
+          <a:bodyPr wrap="square" rtlCol="0">
+            <a:spAutoFit/>
+          </a:bodyPr>
+          <a:lstStyle/>
+          <a:p>
+            <a:r>
+              <a:rPr lang="en-US" sz="4000" dirty="0"/>
+              <a:t>𝛄 = </a:t>
+            </a:r>
+            <a:r>
+              <a:rPr lang="en-US" sz="3200" dirty="0"/>
+              <a:t>“recovery rate”, or the rate at which infected individuals recover from infection. </a:t>
+            </a:r>
           </a:p>
         </p:txBody>
       </p:sp>
     </p:spTree>
     <p:extLst>
       <p:ext uri="{BB962C8B-B14F-4D97-AF65-F5344CB8AC3E}">
-        <p14:creationId xmlns:p14="http://schemas.microsoft.com/office/powerpoint/2010/main" val="1783411073"/>
+        <p14:creationId xmlns:p14="http://schemas.microsoft.com/office/powerpoint/2010/main" val="572401731"/>
       </p:ext>
     </p:extLst>
   </p:cSld>
@@ -10063,10 +11668,10 @@
       </p:grpSpPr>
       <p:sp>
         <p:nvSpPr>
-          <p:cNvPr id="2" name="Title 1">
-            <a:extLst>
-              <a:ext uri="{FF2B5EF4-FFF2-40B4-BE49-F238E27FC236}">
-                <a16:creationId xmlns:a16="http://schemas.microsoft.com/office/drawing/2014/main" id="{0561DEAD-1930-CB32-C4BE-86FB2C703237}"/>
+          <p:cNvPr id="4" name="Title 1">
+            <a:extLst>
+              <a:ext uri="{FF2B5EF4-FFF2-40B4-BE49-F238E27FC236}">
+                <a16:creationId xmlns:a16="http://schemas.microsoft.com/office/drawing/2014/main" id="{DFFA70B1-7597-000C-08EE-9348A5AAE4A8}"/>
               </a:ext>
             </a:extLst>
           </p:cNvPr>
@@ -10077,66 +11682,1073 @@
             <p:ph type="title"/>
           </p:nvPr>
         </p:nvSpPr>
-        <p:spPr/>
+        <p:spPr>
+          <a:xfrm>
+            <a:off x="136451" y="99587"/>
+            <a:ext cx="11314813" cy="942403"/>
+          </a:xfrm>
+        </p:spPr>
         <p:txBody>
           <a:bodyPr/>
           <a:lstStyle/>
           <a:p>
+            <a:r>
+              <a:rPr lang="en-US" b="1" u="sng" dirty="0"/>
+              <a:t>S</a:t>
+            </a:r>
             <a:r>
               <a:rPr lang="en-US" dirty="0"/>
+              <a:t>usceptible—</a:t>
+            </a:r>
+            <a:r>
+              <a:rPr lang="en-US" b="1" u="sng" dirty="0"/>
+              <a:t>I</a:t>
+            </a:r>
+            <a:r>
+              <a:rPr lang="en-US" dirty="0"/>
+              <a:t>nfected—</a:t>
+            </a:r>
+            <a:r>
+              <a:rPr lang="en-US" b="1" u="sng" dirty="0"/>
               <a:t>R</a:t>
             </a:r>
             <a:r>
-              <a:rPr lang="en-US" baseline="-25000" dirty="0"/>
-              <a:t>0</a:t>
+              <a:rPr lang="en-US" dirty="0"/>
+              <a:t>ecovered (SIR) model</a:t>
             </a:r>
-            <a:endParaRPr lang="en-US" dirty="0"/>
-          </a:p>
-        </p:txBody>
-      </p:sp>
-      <p:sp>
-        <p:nvSpPr>
-          <p:cNvPr id="3" name="Content Placeholder 2">
-            <a:extLst>
-              <a:ext uri="{FF2B5EF4-FFF2-40B4-BE49-F238E27FC236}">
-                <a16:creationId xmlns:a16="http://schemas.microsoft.com/office/drawing/2014/main" id="{ECB0C14A-72F7-86C5-44D7-92C218DFD64F}"/>
-              </a:ext>
-            </a:extLst>
-          </p:cNvPr>
-          <p:cNvSpPr>
-            <a:spLocks noGrp="1"/>
-          </p:cNvSpPr>
-          <p:nvPr>
-            <p:ph idx="1"/>
-          </p:nvPr>
-        </p:nvSpPr>
-        <p:spPr/>
-        <p:txBody>
-          <a:bodyPr/>
-          <a:lstStyle/>
-          <a:p>
+          </a:p>
+        </p:txBody>
+      </p:sp>
+      <p:sp>
+        <p:nvSpPr>
+          <p:cNvPr id="5" name="Rectangle 4">
+            <a:extLst>
+              <a:ext uri="{FF2B5EF4-FFF2-40B4-BE49-F238E27FC236}">
+                <a16:creationId xmlns:a16="http://schemas.microsoft.com/office/drawing/2014/main" id="{0C95D31B-E36D-B288-D9D8-DC151FF0BB11}"/>
+              </a:ext>
+            </a:extLst>
+          </p:cNvPr>
+          <p:cNvSpPr/>
+          <p:nvPr/>
+        </p:nvSpPr>
+        <p:spPr>
+          <a:xfrm>
+            <a:off x="382937" y="1205692"/>
+            <a:ext cx="2279233" cy="1709264"/>
+          </a:xfrm>
+          <a:prstGeom prst="rect">
+            <a:avLst/>
+          </a:prstGeom>
+          <a:solidFill>
+            <a:srgbClr val="00B050"/>
+          </a:solidFill>
+          <a:ln w="44450">
+            <a:solidFill>
+              <a:schemeClr val="tx1"/>
+            </a:solidFill>
+          </a:ln>
+        </p:spPr>
+        <p:style>
+          <a:lnRef idx="2">
+            <a:schemeClr val="accent1">
+              <a:shade val="50000"/>
+            </a:schemeClr>
+          </a:lnRef>
+          <a:fillRef idx="1">
+            <a:schemeClr val="accent1"/>
+          </a:fillRef>
+          <a:effectRef idx="0">
+            <a:schemeClr val="accent1"/>
+          </a:effectRef>
+          <a:fontRef idx="minor">
+            <a:schemeClr val="lt1"/>
+          </a:fontRef>
+        </p:style>
+        <p:txBody>
+          <a:bodyPr rtlCol="0" anchor="ctr"/>
+          <a:lstStyle/>
+          <a:p>
+            <a:pPr algn="ctr"/>
             <a:r>
-              <a:rPr lang="en-US" dirty="0"/>
-              <a:t>How to derive</a:t>
+              <a:rPr lang="en-US" sz="3200" b="1" dirty="0"/>
+              <a:t>Susceptible (S)</a:t>
             </a:r>
           </a:p>
-          <a:p>
+        </p:txBody>
+      </p:sp>
+      <p:sp>
+        <p:nvSpPr>
+          <p:cNvPr id="6" name="Rectangle 5">
+            <a:extLst>
+              <a:ext uri="{FF2B5EF4-FFF2-40B4-BE49-F238E27FC236}">
+                <a16:creationId xmlns:a16="http://schemas.microsoft.com/office/drawing/2014/main" id="{55C123BA-D4F8-1F24-95C2-5CCE00EFDCA2}"/>
+              </a:ext>
+            </a:extLst>
+          </p:cNvPr>
+          <p:cNvSpPr/>
+          <p:nvPr/>
+        </p:nvSpPr>
+        <p:spPr>
+          <a:xfrm>
+            <a:off x="4777484" y="1250839"/>
+            <a:ext cx="2279233" cy="1709264"/>
+          </a:xfrm>
+          <a:prstGeom prst="rect">
+            <a:avLst/>
+          </a:prstGeom>
+          <a:solidFill>
+            <a:srgbClr val="FF0000"/>
+          </a:solidFill>
+          <a:ln w="44450">
+            <a:solidFill>
+              <a:schemeClr val="tx1"/>
+            </a:solidFill>
+          </a:ln>
+        </p:spPr>
+        <p:style>
+          <a:lnRef idx="2">
+            <a:schemeClr val="accent1">
+              <a:shade val="50000"/>
+            </a:schemeClr>
+          </a:lnRef>
+          <a:fillRef idx="1">
+            <a:schemeClr val="accent1"/>
+          </a:fillRef>
+          <a:effectRef idx="0">
+            <a:schemeClr val="accent1"/>
+          </a:effectRef>
+          <a:fontRef idx="minor">
+            <a:schemeClr val="lt1"/>
+          </a:fontRef>
+        </p:style>
+        <p:txBody>
+          <a:bodyPr rtlCol="0" anchor="ctr"/>
+          <a:lstStyle/>
+          <a:p>
+            <a:pPr algn="ctr"/>
             <a:r>
-              <a:rPr lang="en-US" dirty="0"/>
-              <a:t>It’s importance</a:t>
+              <a:rPr lang="en-US" sz="3200" b="1" dirty="0"/>
+              <a:t>Infected (I)</a:t>
             </a:r>
           </a:p>
-          <a:p>
+        </p:txBody>
+      </p:sp>
+      <p:sp>
+        <p:nvSpPr>
+          <p:cNvPr id="7" name="Rectangle 6">
+            <a:extLst>
+              <a:ext uri="{FF2B5EF4-FFF2-40B4-BE49-F238E27FC236}">
+                <a16:creationId xmlns:a16="http://schemas.microsoft.com/office/drawing/2014/main" id="{893C2939-18E8-AAA2-5CA4-83F77CD45634}"/>
+              </a:ext>
+            </a:extLst>
+          </p:cNvPr>
+          <p:cNvSpPr/>
+          <p:nvPr/>
+        </p:nvSpPr>
+        <p:spPr>
+          <a:xfrm>
+            <a:off x="9172031" y="1250839"/>
+            <a:ext cx="2279233" cy="1709264"/>
+          </a:xfrm>
+          <a:prstGeom prst="rect">
+            <a:avLst/>
+          </a:prstGeom>
+          <a:solidFill>
+            <a:srgbClr val="0070C0"/>
+          </a:solidFill>
+          <a:ln w="44450">
+            <a:solidFill>
+              <a:schemeClr val="tx1"/>
+            </a:solidFill>
+          </a:ln>
+        </p:spPr>
+        <p:style>
+          <a:lnRef idx="2">
+            <a:schemeClr val="accent1">
+              <a:shade val="50000"/>
+            </a:schemeClr>
+          </a:lnRef>
+          <a:fillRef idx="1">
+            <a:schemeClr val="accent1"/>
+          </a:fillRef>
+          <a:effectRef idx="0">
+            <a:schemeClr val="accent1"/>
+          </a:effectRef>
+          <a:fontRef idx="minor">
+            <a:schemeClr val="lt1"/>
+          </a:fontRef>
+        </p:style>
+        <p:txBody>
+          <a:bodyPr rtlCol="0" anchor="ctr"/>
+          <a:lstStyle/>
+          <a:p>
+            <a:pPr algn="ctr"/>
             <a:r>
-              <a:rPr lang="en-US" dirty="0"/>
-              <a:t>Common examples</a:t>
+              <a:rPr lang="en-US" sz="3200" b="1" dirty="0"/>
+              <a:t>Recovered (R)</a:t>
             </a:r>
           </a:p>
-          <a:p>
-            <a:pPr lvl="1"/>
+        </p:txBody>
+      </p:sp>
+      <p:cxnSp>
+        <p:nvCxnSpPr>
+          <p:cNvPr id="9" name="Straight Arrow Connector 8">
+            <a:extLst>
+              <a:ext uri="{FF2B5EF4-FFF2-40B4-BE49-F238E27FC236}">
+                <a16:creationId xmlns:a16="http://schemas.microsoft.com/office/drawing/2014/main" id="{5141C31B-0127-295D-E5AA-331D8EA1151B}"/>
+              </a:ext>
+            </a:extLst>
+          </p:cNvPr>
+          <p:cNvCxnSpPr/>
+          <p:nvPr/>
+        </p:nvCxnSpPr>
+        <p:spPr>
+          <a:xfrm>
+            <a:off x="2799471" y="2025748"/>
+            <a:ext cx="1786597" cy="0"/>
+          </a:xfrm>
+          <a:prstGeom prst="straightConnector1">
+            <a:avLst/>
+          </a:prstGeom>
+          <a:ln w="79375">
+            <a:solidFill>
+              <a:schemeClr val="tx1"/>
+            </a:solidFill>
+            <a:tailEnd type="triangle"/>
+          </a:ln>
+        </p:spPr>
+        <p:style>
+          <a:lnRef idx="1">
+            <a:schemeClr val="accent1"/>
+          </a:lnRef>
+          <a:fillRef idx="0">
+            <a:schemeClr val="accent1"/>
+          </a:fillRef>
+          <a:effectRef idx="0">
+            <a:schemeClr val="accent1"/>
+          </a:effectRef>
+          <a:fontRef idx="minor">
+            <a:schemeClr val="tx1"/>
+          </a:fontRef>
+        </p:style>
+      </p:cxnSp>
+      <p:cxnSp>
+        <p:nvCxnSpPr>
+          <p:cNvPr id="10" name="Straight Arrow Connector 9">
+            <a:extLst>
+              <a:ext uri="{FF2B5EF4-FFF2-40B4-BE49-F238E27FC236}">
+                <a16:creationId xmlns:a16="http://schemas.microsoft.com/office/drawing/2014/main" id="{54958C5B-29E8-C7CA-CFC5-1A9C9F0996B6}"/>
+              </a:ext>
+            </a:extLst>
+          </p:cNvPr>
+          <p:cNvCxnSpPr/>
+          <p:nvPr/>
+        </p:nvCxnSpPr>
+        <p:spPr>
+          <a:xfrm>
+            <a:off x="7228450" y="2025748"/>
+            <a:ext cx="1786597" cy="0"/>
+          </a:xfrm>
+          <a:prstGeom prst="straightConnector1">
+            <a:avLst/>
+          </a:prstGeom>
+          <a:ln w="79375">
+            <a:solidFill>
+              <a:schemeClr val="tx1"/>
+            </a:solidFill>
+            <a:tailEnd type="triangle"/>
+          </a:ln>
+        </p:spPr>
+        <p:style>
+          <a:lnRef idx="1">
+            <a:schemeClr val="accent1"/>
+          </a:lnRef>
+          <a:fillRef idx="0">
+            <a:schemeClr val="accent1"/>
+          </a:fillRef>
+          <a:effectRef idx="0">
+            <a:schemeClr val="accent1"/>
+          </a:effectRef>
+          <a:fontRef idx="minor">
+            <a:schemeClr val="tx1"/>
+          </a:fontRef>
+        </p:style>
+      </p:cxnSp>
+      <p:sp>
+        <p:nvSpPr>
+          <p:cNvPr id="13" name="TextBox 12">
+            <a:extLst>
+              <a:ext uri="{FF2B5EF4-FFF2-40B4-BE49-F238E27FC236}">
+                <a16:creationId xmlns:a16="http://schemas.microsoft.com/office/drawing/2014/main" id="{9853E69B-72D0-4896-3277-8A0B2124DCE4}"/>
+              </a:ext>
+            </a:extLst>
+          </p:cNvPr>
+          <p:cNvSpPr txBox="1"/>
+          <p:nvPr/>
+        </p:nvSpPr>
+        <p:spPr>
+          <a:xfrm>
+            <a:off x="3402622" y="2018120"/>
+            <a:ext cx="495886" cy="707886"/>
+          </a:xfrm>
+          <a:prstGeom prst="rect">
+            <a:avLst/>
+          </a:prstGeom>
+          <a:noFill/>
+        </p:spPr>
+        <p:txBody>
+          <a:bodyPr wrap="square">
+            <a:spAutoFit/>
+          </a:bodyPr>
+          <a:lstStyle/>
+          <a:p>
             <a:r>
-              <a:rPr lang="en-US" dirty="0"/>
-              <a:t>How to estimate from real-world data (we will do this in our code). </a:t>
+              <a:rPr lang="el-GR" sz="4000" b="1" i="0" dirty="0">
+                <a:effectLst/>
+                <a:latin typeface="Google Sans"/>
+              </a:rPr>
+              <a:t>β</a:t>
+            </a:r>
+            <a:endParaRPr lang="en-US" sz="4000" b="1" dirty="0"/>
+          </a:p>
+        </p:txBody>
+      </p:sp>
+      <p:sp>
+        <p:nvSpPr>
+          <p:cNvPr id="16" name="TextBox 15">
+            <a:extLst>
+              <a:ext uri="{FF2B5EF4-FFF2-40B4-BE49-F238E27FC236}">
+                <a16:creationId xmlns:a16="http://schemas.microsoft.com/office/drawing/2014/main" id="{2167BC88-25C9-5157-DA91-FA572F841662}"/>
+              </a:ext>
+            </a:extLst>
+          </p:cNvPr>
+          <p:cNvSpPr txBox="1"/>
+          <p:nvPr/>
+        </p:nvSpPr>
+        <p:spPr>
+          <a:xfrm>
+            <a:off x="7884343" y="2018120"/>
+            <a:ext cx="474810" cy="707886"/>
+          </a:xfrm>
+          <a:prstGeom prst="rect">
+            <a:avLst/>
+          </a:prstGeom>
+          <a:noFill/>
+        </p:spPr>
+        <p:txBody>
+          <a:bodyPr wrap="none" rtlCol="0">
+            <a:spAutoFit/>
+          </a:bodyPr>
+          <a:lstStyle/>
+          <a:p>
+            <a:r>
+              <a:rPr lang="en-US" sz="4000" dirty="0"/>
+              <a:t>𝛄</a:t>
+            </a:r>
+          </a:p>
+        </p:txBody>
+      </p:sp>
+      <p:sp>
+        <p:nvSpPr>
+          <p:cNvPr id="17" name="TextBox 16">
+            <a:extLst>
+              <a:ext uri="{FF2B5EF4-FFF2-40B4-BE49-F238E27FC236}">
+                <a16:creationId xmlns:a16="http://schemas.microsoft.com/office/drawing/2014/main" id="{AB150774-85C7-293D-4C1F-B9C18DEA7B5D}"/>
+              </a:ext>
+            </a:extLst>
+          </p:cNvPr>
+          <p:cNvSpPr txBox="1"/>
+          <p:nvPr/>
+        </p:nvSpPr>
+        <p:spPr>
+          <a:xfrm>
+            <a:off x="382937" y="3085785"/>
+            <a:ext cx="4203132" cy="707886"/>
+          </a:xfrm>
+          <a:prstGeom prst="rect">
+            <a:avLst/>
+          </a:prstGeom>
+          <a:noFill/>
+        </p:spPr>
+        <p:txBody>
+          <a:bodyPr wrap="square">
+            <a:spAutoFit/>
+          </a:bodyPr>
+          <a:lstStyle/>
+          <a:p>
+            <a:r>
+              <a:rPr lang="en-US" sz="4000" b="1" i="0" dirty="0">
+                <a:effectLst/>
+                <a:latin typeface="Google Sans"/>
+              </a:rPr>
+              <a:t> </a:t>
+            </a:r>
+            <a:endParaRPr lang="en-US" sz="4000" b="1" dirty="0"/>
+          </a:p>
+        </p:txBody>
+      </p:sp>
+      <p:sp>
+        <p:nvSpPr>
+          <p:cNvPr id="3" name="TextBox 2">
+            <a:extLst>
+              <a:ext uri="{FF2B5EF4-FFF2-40B4-BE49-F238E27FC236}">
+                <a16:creationId xmlns:a16="http://schemas.microsoft.com/office/drawing/2014/main" id="{6F4D7F92-C906-2191-E4A2-40313C928994}"/>
+              </a:ext>
+            </a:extLst>
+          </p:cNvPr>
+          <p:cNvSpPr txBox="1"/>
+          <p:nvPr/>
+        </p:nvSpPr>
+        <p:spPr>
+          <a:xfrm>
+            <a:off x="7072428" y="1459658"/>
+            <a:ext cx="2099603" cy="461665"/>
+          </a:xfrm>
+          <a:prstGeom prst="rect">
+            <a:avLst/>
+          </a:prstGeom>
+          <a:noFill/>
+        </p:spPr>
+        <p:txBody>
+          <a:bodyPr wrap="square">
+            <a:spAutoFit/>
+          </a:bodyPr>
+          <a:lstStyle/>
+          <a:p>
+            <a:r>
+              <a:rPr lang="en-US" sz="2400" dirty="0"/>
+              <a:t>“recovery rate”</a:t>
+            </a:r>
+          </a:p>
+        </p:txBody>
+      </p:sp>
+      <p:sp>
+        <p:nvSpPr>
+          <p:cNvPr id="11" name="TextBox 10">
+            <a:extLst>
+              <a:ext uri="{FF2B5EF4-FFF2-40B4-BE49-F238E27FC236}">
+                <a16:creationId xmlns:a16="http://schemas.microsoft.com/office/drawing/2014/main" id="{C4D102E6-130E-47A1-AE1A-7D63CC2FC757}"/>
+              </a:ext>
+            </a:extLst>
+          </p:cNvPr>
+          <p:cNvSpPr txBox="1"/>
+          <p:nvPr/>
+        </p:nvSpPr>
+        <p:spPr>
+          <a:xfrm>
+            <a:off x="2681695" y="1156509"/>
+            <a:ext cx="2017297" cy="830997"/>
+          </a:xfrm>
+          <a:prstGeom prst="rect">
+            <a:avLst/>
+          </a:prstGeom>
+          <a:noFill/>
+        </p:spPr>
+        <p:txBody>
+          <a:bodyPr wrap="square">
+            <a:spAutoFit/>
+          </a:bodyPr>
+          <a:lstStyle/>
+          <a:p>
+            <a:pPr algn="ctr"/>
+            <a:r>
+              <a:rPr lang="en-US" sz="2400" i="0" dirty="0">
+                <a:effectLst/>
+                <a:latin typeface="Google Sans"/>
+              </a:rPr>
+              <a:t>“transmission rate”</a:t>
+            </a:r>
+            <a:endParaRPr lang="en-US" sz="2400" dirty="0"/>
+          </a:p>
+        </p:txBody>
+      </p:sp>
+      <mc:AlternateContent xmlns:mc="http://schemas.openxmlformats.org/markup-compatibility/2006">
+        <mc:Choice xmlns:a14="http://schemas.microsoft.com/office/drawing/2010/main" Requires="a14">
+          <p:sp>
+            <p:nvSpPr>
+              <p:cNvPr id="14" name="TextBox 13">
+                <a:extLst>
+                  <a:ext uri="{FF2B5EF4-FFF2-40B4-BE49-F238E27FC236}">
+                    <a16:creationId xmlns:a16="http://schemas.microsoft.com/office/drawing/2014/main" id="{E8A56323-4BCD-B3E5-C309-C56125A579A6}"/>
+                  </a:ext>
+                </a:extLst>
+              </p:cNvPr>
+              <p:cNvSpPr txBox="1"/>
+              <p:nvPr/>
+            </p:nvSpPr>
+            <p:spPr>
+              <a:xfrm>
+                <a:off x="382937" y="3209279"/>
+                <a:ext cx="2536207" cy="1168781"/>
+              </a:xfrm>
+              <a:prstGeom prst="rect">
+                <a:avLst/>
+              </a:prstGeom>
+              <a:noFill/>
+            </p:spPr>
+            <p:txBody>
+              <a:bodyPr wrap="none" lIns="0" tIns="0" rIns="0" bIns="0" rtlCol="0">
+                <a:spAutoFit/>
+              </a:bodyPr>
+              <a:lstStyle/>
+              <a:p>
+                <a14:m>
+                  <m:oMathPara xmlns:m="http://schemas.openxmlformats.org/officeDocument/2006/math">
+                    <m:oMathParaPr>
+                      <m:jc m:val="centerGroup"/>
+                    </m:oMathParaPr>
+                    <m:oMath xmlns:m="http://schemas.openxmlformats.org/officeDocument/2006/math">
+                      <m:f>
+                        <m:fPr>
+                          <m:ctrlPr>
+                            <a:rPr lang="en-US" sz="4000" b="0" i="1" smtClean="0">
+                              <a:latin typeface="Cambria Math" panose="02040503050406030204" pitchFamily="18" charset="0"/>
+                            </a:rPr>
+                          </m:ctrlPr>
+                        </m:fPr>
+                        <m:num>
+                          <m:r>
+                            <a:rPr lang="en-US" sz="4000" b="0" i="1" smtClean="0">
+                              <a:latin typeface="Cambria Math" panose="02040503050406030204" pitchFamily="18" charset="0"/>
+                            </a:rPr>
+                            <m:t>𝑑𝑆</m:t>
+                          </m:r>
+                        </m:num>
+                        <m:den>
+                          <m:r>
+                            <a:rPr lang="en-US" sz="4000" b="0" i="1" smtClean="0">
+                              <a:latin typeface="Cambria Math" panose="02040503050406030204" pitchFamily="18" charset="0"/>
+                            </a:rPr>
+                            <m:t>𝑑𝑡</m:t>
+                          </m:r>
+                        </m:den>
+                      </m:f>
+                      <m:r>
+                        <a:rPr lang="en-US" sz="4000" b="0" i="1" smtClean="0">
+                          <a:latin typeface="Cambria Math" panose="02040503050406030204" pitchFamily="18" charset="0"/>
+                        </a:rPr>
+                        <m:t>=−</m:t>
+                      </m:r>
+                      <m:r>
+                        <a:rPr lang="en-US" sz="4000" b="0" i="1" smtClean="0">
+                          <a:latin typeface="Cambria Math" panose="02040503050406030204" pitchFamily="18" charset="0"/>
+                          <a:ea typeface="Cambria Math" panose="02040503050406030204" pitchFamily="18" charset="0"/>
+                        </a:rPr>
+                        <m:t>𝛽</m:t>
+                      </m:r>
+                      <m:r>
+                        <a:rPr lang="en-US" sz="4000" b="0" i="1" smtClean="0">
+                          <a:latin typeface="Cambria Math" panose="02040503050406030204" pitchFamily="18" charset="0"/>
+                          <a:ea typeface="Cambria Math" panose="02040503050406030204" pitchFamily="18" charset="0"/>
+                        </a:rPr>
+                        <m:t>𝑆𝐼</m:t>
+                      </m:r>
+                    </m:oMath>
+                  </m:oMathPara>
+                </a14:m>
+                <a:endParaRPr lang="en-US" sz="4000" dirty="0"/>
+              </a:p>
+            </p:txBody>
+          </p:sp>
+        </mc:Choice>
+        <mc:Fallback>
+          <p:sp>
+            <p:nvSpPr>
+              <p:cNvPr id="14" name="TextBox 13">
+                <a:extLst>
+                  <a:ext uri="{FF2B5EF4-FFF2-40B4-BE49-F238E27FC236}">
+                    <a16:creationId xmlns:a16="http://schemas.microsoft.com/office/drawing/2014/main" id="{E8A56323-4BCD-B3E5-C309-C56125A579A6}"/>
+                  </a:ext>
+                </a:extLst>
+              </p:cNvPr>
+              <p:cNvSpPr txBox="1">
+                <a:spLocks noRot="1" noChangeAspect="1" noMove="1" noResize="1" noEditPoints="1" noAdjustHandles="1" noChangeArrowheads="1" noChangeShapeType="1" noTextEdit="1"/>
+              </p:cNvSpPr>
+              <p:nvPr/>
+            </p:nvSpPr>
+            <p:spPr>
+              <a:xfrm>
+                <a:off x="382937" y="3209279"/>
+                <a:ext cx="2536207" cy="1168781"/>
+              </a:xfrm>
+              <a:prstGeom prst="rect">
+                <a:avLst/>
+              </a:prstGeom>
+              <a:blipFill>
+                <a:blip r:embed="rId3"/>
+                <a:stretch>
+                  <a:fillRect l="-5000" t="-1075" r="-6000" b="-16129"/>
+                </a:stretch>
+              </a:blipFill>
+            </p:spPr>
+            <p:txBody>
+              <a:bodyPr/>
+              <a:lstStyle/>
+              <a:p>
+                <a:r>
+                  <a:rPr lang="en-US">
+                    <a:noFill/>
+                  </a:rPr>
+                  <a:t> </a:t>
+                </a:r>
+              </a:p>
+            </p:txBody>
+          </p:sp>
+        </mc:Fallback>
+      </mc:AlternateContent>
+      <mc:AlternateContent xmlns:mc="http://schemas.openxmlformats.org/markup-compatibility/2006">
+        <mc:Choice xmlns:a14="http://schemas.microsoft.com/office/drawing/2010/main" Requires="a14">
+          <p:sp>
+            <p:nvSpPr>
+              <p:cNvPr id="15" name="TextBox 14">
+                <a:extLst>
+                  <a:ext uri="{FF2B5EF4-FFF2-40B4-BE49-F238E27FC236}">
+                    <a16:creationId xmlns:a16="http://schemas.microsoft.com/office/drawing/2014/main" id="{4DE324DD-3652-A208-E25F-D9609EE447DA}"/>
+                  </a:ext>
+                </a:extLst>
+              </p:cNvPr>
+              <p:cNvSpPr txBox="1"/>
+              <p:nvPr/>
+            </p:nvSpPr>
+            <p:spPr>
+              <a:xfrm>
+                <a:off x="4216217" y="3209280"/>
+                <a:ext cx="3401765" cy="1168781"/>
+              </a:xfrm>
+              <a:prstGeom prst="rect">
+                <a:avLst/>
+              </a:prstGeom>
+              <a:noFill/>
+            </p:spPr>
+            <p:txBody>
+              <a:bodyPr wrap="none" lIns="0" tIns="0" rIns="0" bIns="0" rtlCol="0">
+                <a:spAutoFit/>
+              </a:bodyPr>
+              <a:lstStyle/>
+              <a:p>
+                <a14:m>
+                  <m:oMathPara xmlns:m="http://schemas.openxmlformats.org/officeDocument/2006/math">
+                    <m:oMathParaPr>
+                      <m:jc m:val="centerGroup"/>
+                    </m:oMathParaPr>
+                    <m:oMath xmlns:m="http://schemas.openxmlformats.org/officeDocument/2006/math">
+                      <m:f>
+                        <m:fPr>
+                          <m:ctrlPr>
+                            <a:rPr lang="en-US" sz="4000" b="0" i="1" smtClean="0">
+                              <a:latin typeface="Cambria Math" panose="02040503050406030204" pitchFamily="18" charset="0"/>
+                            </a:rPr>
+                          </m:ctrlPr>
+                        </m:fPr>
+                        <m:num>
+                          <m:r>
+                            <a:rPr lang="en-US" sz="4000" b="0" i="1" smtClean="0">
+                              <a:latin typeface="Cambria Math" panose="02040503050406030204" pitchFamily="18" charset="0"/>
+                            </a:rPr>
+                            <m:t>𝑑𝐼</m:t>
+                          </m:r>
+                        </m:num>
+                        <m:den>
+                          <m:r>
+                            <a:rPr lang="en-US" sz="4000" b="0" i="1" smtClean="0">
+                              <a:latin typeface="Cambria Math" panose="02040503050406030204" pitchFamily="18" charset="0"/>
+                            </a:rPr>
+                            <m:t>𝑑𝑡</m:t>
+                          </m:r>
+                        </m:den>
+                      </m:f>
+                      <m:r>
+                        <a:rPr lang="en-US" sz="4000" b="0" i="1" smtClean="0">
+                          <a:latin typeface="Cambria Math" panose="02040503050406030204" pitchFamily="18" charset="0"/>
+                        </a:rPr>
+                        <m:t>=</m:t>
+                      </m:r>
+                      <m:r>
+                        <a:rPr lang="en-US" sz="4000" b="0" i="1" smtClean="0">
+                          <a:latin typeface="Cambria Math" panose="02040503050406030204" pitchFamily="18" charset="0"/>
+                          <a:ea typeface="Cambria Math" panose="02040503050406030204" pitchFamily="18" charset="0"/>
+                        </a:rPr>
+                        <m:t>𝛽</m:t>
+                      </m:r>
+                      <m:r>
+                        <a:rPr lang="en-US" sz="4000" b="0" i="1" smtClean="0">
+                          <a:latin typeface="Cambria Math" panose="02040503050406030204" pitchFamily="18" charset="0"/>
+                          <a:ea typeface="Cambria Math" panose="02040503050406030204" pitchFamily="18" charset="0"/>
+                        </a:rPr>
+                        <m:t>𝑆𝐼</m:t>
+                      </m:r>
+                      <m:r>
+                        <a:rPr lang="en-US" sz="4000" b="0" i="1" smtClean="0">
+                          <a:latin typeface="Cambria Math" panose="02040503050406030204" pitchFamily="18" charset="0"/>
+                          <a:ea typeface="Cambria Math" panose="02040503050406030204" pitchFamily="18" charset="0"/>
+                        </a:rPr>
+                        <m:t> − </m:t>
+                      </m:r>
+                      <m:r>
+                        <a:rPr lang="en-US" sz="4000" b="0" i="1" smtClean="0">
+                          <a:latin typeface="Cambria Math" panose="02040503050406030204" pitchFamily="18" charset="0"/>
+                          <a:ea typeface="Cambria Math" panose="02040503050406030204" pitchFamily="18" charset="0"/>
+                        </a:rPr>
+                        <m:t>𝛾</m:t>
+                      </m:r>
+                      <m:r>
+                        <a:rPr lang="en-US" sz="4000" b="0" i="1" smtClean="0">
+                          <a:latin typeface="Cambria Math" panose="02040503050406030204" pitchFamily="18" charset="0"/>
+                          <a:ea typeface="Cambria Math" panose="02040503050406030204" pitchFamily="18" charset="0"/>
+                        </a:rPr>
+                        <m:t>𝐼</m:t>
+                      </m:r>
+                    </m:oMath>
+                  </m:oMathPara>
+                </a14:m>
+                <a:endParaRPr lang="en-US" sz="4000" dirty="0"/>
+              </a:p>
+            </p:txBody>
+          </p:sp>
+        </mc:Choice>
+        <mc:Fallback>
+          <p:sp>
+            <p:nvSpPr>
+              <p:cNvPr id="15" name="TextBox 14">
+                <a:extLst>
+                  <a:ext uri="{FF2B5EF4-FFF2-40B4-BE49-F238E27FC236}">
+                    <a16:creationId xmlns:a16="http://schemas.microsoft.com/office/drawing/2014/main" id="{4DE324DD-3652-A208-E25F-D9609EE447DA}"/>
+                  </a:ext>
+                </a:extLst>
+              </p:cNvPr>
+              <p:cNvSpPr txBox="1">
+                <a:spLocks noRot="1" noChangeAspect="1" noMove="1" noResize="1" noEditPoints="1" noAdjustHandles="1" noChangeArrowheads="1" noChangeShapeType="1" noTextEdit="1"/>
+              </p:cNvSpPr>
+              <p:nvPr/>
+            </p:nvSpPr>
+            <p:spPr>
+              <a:xfrm>
+                <a:off x="4216217" y="3209280"/>
+                <a:ext cx="3401765" cy="1168781"/>
+              </a:xfrm>
+              <a:prstGeom prst="rect">
+                <a:avLst/>
+              </a:prstGeom>
+              <a:blipFill>
+                <a:blip r:embed="rId4"/>
+                <a:stretch>
+                  <a:fillRect l="-3358" t="-1075" r="-4104" b="-16129"/>
+                </a:stretch>
+              </a:blipFill>
+            </p:spPr>
+            <p:txBody>
+              <a:bodyPr/>
+              <a:lstStyle/>
+              <a:p>
+                <a:r>
+                  <a:rPr lang="en-US">
+                    <a:noFill/>
+                  </a:rPr>
+                  <a:t> </a:t>
+                </a:r>
+              </a:p>
+            </p:txBody>
+          </p:sp>
+        </mc:Fallback>
+      </mc:AlternateContent>
+      <mc:AlternateContent xmlns:mc="http://schemas.openxmlformats.org/markup-compatibility/2006">
+        <mc:Choice xmlns:a14="http://schemas.microsoft.com/office/drawing/2010/main" Requires="a14">
+          <p:sp>
+            <p:nvSpPr>
+              <p:cNvPr id="20" name="TextBox 19">
+                <a:extLst>
+                  <a:ext uri="{FF2B5EF4-FFF2-40B4-BE49-F238E27FC236}">
+                    <a16:creationId xmlns:a16="http://schemas.microsoft.com/office/drawing/2014/main" id="{453E76C9-3D13-BB54-DFFF-B9AE33A946A8}"/>
+                  </a:ext>
+                </a:extLst>
+              </p:cNvPr>
+              <p:cNvSpPr txBox="1"/>
+              <p:nvPr/>
+            </p:nvSpPr>
+            <p:spPr>
+              <a:xfrm>
+                <a:off x="9360841" y="3209279"/>
+                <a:ext cx="1901611" cy="1168781"/>
+              </a:xfrm>
+              <a:prstGeom prst="rect">
+                <a:avLst/>
+              </a:prstGeom>
+              <a:noFill/>
+            </p:spPr>
+            <p:txBody>
+              <a:bodyPr wrap="none" lIns="0" tIns="0" rIns="0" bIns="0" rtlCol="0">
+                <a:spAutoFit/>
+              </a:bodyPr>
+              <a:lstStyle/>
+              <a:p>
+                <a14:m>
+                  <m:oMathPara xmlns:m="http://schemas.openxmlformats.org/officeDocument/2006/math">
+                    <m:oMathParaPr>
+                      <m:jc m:val="centerGroup"/>
+                    </m:oMathParaPr>
+                    <m:oMath xmlns:m="http://schemas.openxmlformats.org/officeDocument/2006/math">
+                      <m:f>
+                        <m:fPr>
+                          <m:ctrlPr>
+                            <a:rPr lang="en-US" sz="4000" b="0" i="1" smtClean="0">
+                              <a:latin typeface="Cambria Math" panose="02040503050406030204" pitchFamily="18" charset="0"/>
+                            </a:rPr>
+                          </m:ctrlPr>
+                        </m:fPr>
+                        <m:num>
+                          <m:r>
+                            <a:rPr lang="en-US" sz="4000" b="0" i="1" smtClean="0">
+                              <a:latin typeface="Cambria Math" panose="02040503050406030204" pitchFamily="18" charset="0"/>
+                            </a:rPr>
+                            <m:t>𝑑𝑅</m:t>
+                          </m:r>
+                        </m:num>
+                        <m:den>
+                          <m:r>
+                            <a:rPr lang="en-US" sz="4000" b="0" i="1" smtClean="0">
+                              <a:latin typeface="Cambria Math" panose="02040503050406030204" pitchFamily="18" charset="0"/>
+                            </a:rPr>
+                            <m:t>𝑑𝑡</m:t>
+                          </m:r>
+                        </m:den>
+                      </m:f>
+                      <m:r>
+                        <a:rPr lang="en-US" sz="4000" b="0" i="1" smtClean="0">
+                          <a:latin typeface="Cambria Math" panose="02040503050406030204" pitchFamily="18" charset="0"/>
+                        </a:rPr>
+                        <m:t>=</m:t>
+                      </m:r>
+                      <m:r>
+                        <a:rPr lang="en-US" sz="4000" b="0" i="1" smtClean="0">
+                          <a:latin typeface="Cambria Math" panose="02040503050406030204" pitchFamily="18" charset="0"/>
+                          <a:ea typeface="Cambria Math" panose="02040503050406030204" pitchFamily="18" charset="0"/>
+                        </a:rPr>
+                        <m:t>𝛾</m:t>
+                      </m:r>
+                      <m:r>
+                        <a:rPr lang="en-US" sz="4000" b="0" i="1" smtClean="0">
+                          <a:latin typeface="Cambria Math" panose="02040503050406030204" pitchFamily="18" charset="0"/>
+                          <a:ea typeface="Cambria Math" panose="02040503050406030204" pitchFamily="18" charset="0"/>
+                        </a:rPr>
+                        <m:t>𝐼</m:t>
+                      </m:r>
+                    </m:oMath>
+                  </m:oMathPara>
+                </a14:m>
+                <a:endParaRPr lang="en-US" sz="4000" dirty="0"/>
+              </a:p>
+            </p:txBody>
+          </p:sp>
+        </mc:Choice>
+        <mc:Fallback>
+          <p:sp>
+            <p:nvSpPr>
+              <p:cNvPr id="20" name="TextBox 19">
+                <a:extLst>
+                  <a:ext uri="{FF2B5EF4-FFF2-40B4-BE49-F238E27FC236}">
+                    <a16:creationId xmlns:a16="http://schemas.microsoft.com/office/drawing/2014/main" id="{453E76C9-3D13-BB54-DFFF-B9AE33A946A8}"/>
+                  </a:ext>
+                </a:extLst>
+              </p:cNvPr>
+              <p:cNvSpPr txBox="1">
+                <a:spLocks noRot="1" noChangeAspect="1" noMove="1" noResize="1" noEditPoints="1" noAdjustHandles="1" noChangeArrowheads="1" noChangeShapeType="1" noTextEdit="1"/>
+              </p:cNvSpPr>
+              <p:nvPr/>
+            </p:nvSpPr>
+            <p:spPr>
+              <a:xfrm>
+                <a:off x="9360841" y="3209279"/>
+                <a:ext cx="1901611" cy="1168781"/>
+              </a:xfrm>
+              <a:prstGeom prst="rect">
+                <a:avLst/>
+              </a:prstGeom>
+              <a:blipFill>
+                <a:blip r:embed="rId5"/>
+                <a:stretch>
+                  <a:fillRect l="-6623" t="-1075" r="-7285" b="-16129"/>
+                </a:stretch>
+              </a:blipFill>
+            </p:spPr>
+            <p:txBody>
+              <a:bodyPr/>
+              <a:lstStyle/>
+              <a:p>
+                <a:r>
+                  <a:rPr lang="en-US">
+                    <a:noFill/>
+                  </a:rPr>
+                  <a:t> </a:t>
+                </a:r>
+              </a:p>
+            </p:txBody>
+          </p:sp>
+        </mc:Fallback>
+      </mc:AlternateContent>
+      <p:sp>
+        <p:nvSpPr>
+          <p:cNvPr id="21" name="TextBox 20">
+            <a:extLst>
+              <a:ext uri="{FF2B5EF4-FFF2-40B4-BE49-F238E27FC236}">
+                <a16:creationId xmlns:a16="http://schemas.microsoft.com/office/drawing/2014/main" id="{3BFA274D-22CC-77B1-90AF-527EAAA4C072}"/>
+              </a:ext>
+            </a:extLst>
+          </p:cNvPr>
+          <p:cNvSpPr txBox="1"/>
+          <p:nvPr/>
+        </p:nvSpPr>
+        <p:spPr>
+          <a:xfrm>
+            <a:off x="0" y="4521569"/>
+            <a:ext cx="3478564" cy="830997"/>
+          </a:xfrm>
+          <a:prstGeom prst="rect">
+            <a:avLst/>
+          </a:prstGeom>
+          <a:noFill/>
+        </p:spPr>
+        <p:txBody>
+          <a:bodyPr wrap="square" rtlCol="0">
+            <a:spAutoFit/>
+          </a:bodyPr>
+          <a:lstStyle/>
+          <a:p>
+            <a:pPr algn="ctr"/>
+            <a:r>
+              <a:rPr lang="en-US" sz="2400" dirty="0"/>
+              <a:t>Change in </a:t>
+            </a:r>
+            <a:r>
+              <a:rPr lang="en-US" sz="2400" dirty="0">
+                <a:solidFill>
+                  <a:srgbClr val="00B050"/>
+                </a:solidFill>
+              </a:rPr>
+              <a:t>susceptible</a:t>
+            </a:r>
+            <a:r>
+              <a:rPr lang="en-US" sz="2400" dirty="0"/>
+              <a:t> population per unit time. </a:t>
+            </a:r>
+          </a:p>
+        </p:txBody>
+      </p:sp>
+      <p:sp>
+        <p:nvSpPr>
+          <p:cNvPr id="22" name="TextBox 21">
+            <a:extLst>
+              <a:ext uri="{FF2B5EF4-FFF2-40B4-BE49-F238E27FC236}">
+                <a16:creationId xmlns:a16="http://schemas.microsoft.com/office/drawing/2014/main" id="{42709491-4681-6D88-C80A-9C0C2A38C2A6}"/>
+              </a:ext>
+            </a:extLst>
+          </p:cNvPr>
+          <p:cNvSpPr txBox="1"/>
+          <p:nvPr/>
+        </p:nvSpPr>
+        <p:spPr>
+          <a:xfrm>
+            <a:off x="4616971" y="4521570"/>
+            <a:ext cx="2958058" cy="1200329"/>
+          </a:xfrm>
+          <a:prstGeom prst="rect">
+            <a:avLst/>
+          </a:prstGeom>
+          <a:noFill/>
+        </p:spPr>
+        <p:txBody>
+          <a:bodyPr wrap="square" rtlCol="0">
+            <a:spAutoFit/>
+          </a:bodyPr>
+          <a:lstStyle/>
+          <a:p>
+            <a:pPr algn="ctr"/>
+            <a:r>
+              <a:rPr lang="en-US" sz="2400" dirty="0"/>
+              <a:t>Change in </a:t>
+            </a:r>
+            <a:r>
+              <a:rPr lang="en-US" sz="2400" dirty="0">
+                <a:solidFill>
+                  <a:srgbClr val="FF0000"/>
+                </a:solidFill>
+              </a:rPr>
+              <a:t>infected </a:t>
+            </a:r>
+            <a:r>
+              <a:rPr lang="en-US" sz="2400" dirty="0"/>
+              <a:t>population</a:t>
+            </a:r>
+            <a:r>
+              <a:rPr lang="en-US" sz="2400" dirty="0">
+                <a:solidFill>
+                  <a:srgbClr val="FF0000"/>
+                </a:solidFill>
+              </a:rPr>
+              <a:t> </a:t>
+            </a:r>
+            <a:r>
+              <a:rPr lang="en-US" sz="2400" dirty="0"/>
+              <a:t>per unit time. </a:t>
+            </a:r>
+          </a:p>
+        </p:txBody>
+      </p:sp>
+      <p:sp>
+        <p:nvSpPr>
+          <p:cNvPr id="23" name="TextBox 22">
+            <a:extLst>
+              <a:ext uri="{FF2B5EF4-FFF2-40B4-BE49-F238E27FC236}">
+                <a16:creationId xmlns:a16="http://schemas.microsoft.com/office/drawing/2014/main" id="{7ACD3A10-DC0D-9E2D-0989-ECE289C26841}"/>
+              </a:ext>
+            </a:extLst>
+          </p:cNvPr>
+          <p:cNvSpPr txBox="1"/>
+          <p:nvPr/>
+        </p:nvSpPr>
+        <p:spPr>
+          <a:xfrm>
+            <a:off x="8708721" y="4521570"/>
+            <a:ext cx="3205850" cy="1200329"/>
+          </a:xfrm>
+          <a:prstGeom prst="rect">
+            <a:avLst/>
+          </a:prstGeom>
+          <a:noFill/>
+        </p:spPr>
+        <p:txBody>
+          <a:bodyPr wrap="square" rtlCol="0">
+            <a:spAutoFit/>
+          </a:bodyPr>
+          <a:lstStyle/>
+          <a:p>
+            <a:pPr algn="ctr"/>
+            <a:r>
+              <a:rPr lang="en-US" sz="2400" dirty="0"/>
+              <a:t>Change in </a:t>
+            </a:r>
+            <a:r>
+              <a:rPr lang="en-US" sz="2400" dirty="0">
+                <a:solidFill>
+                  <a:srgbClr val="0070C0"/>
+                </a:solidFill>
+              </a:rPr>
+              <a:t>recovered </a:t>
+            </a:r>
+            <a:r>
+              <a:rPr lang="en-US" sz="2400" dirty="0"/>
+              <a:t>population</a:t>
+            </a:r>
+            <a:r>
+              <a:rPr lang="en-US" sz="2400" dirty="0">
+                <a:solidFill>
+                  <a:srgbClr val="0070C0"/>
+                </a:solidFill>
+              </a:rPr>
+              <a:t> </a:t>
+            </a:r>
+            <a:r>
+              <a:rPr lang="en-US" sz="2400" dirty="0"/>
+              <a:t>per unit time. </a:t>
             </a:r>
           </a:p>
         </p:txBody>
@@ -10144,7 +12756,7 @@
     </p:spTree>
     <p:extLst>
       <p:ext uri="{BB962C8B-B14F-4D97-AF65-F5344CB8AC3E}">
-        <p14:creationId xmlns:p14="http://schemas.microsoft.com/office/powerpoint/2010/main" val="249353913"/>
+        <p14:creationId xmlns:p14="http://schemas.microsoft.com/office/powerpoint/2010/main" val="3037542136"/>
       </p:ext>
     </p:extLst>
   </p:cSld>
@@ -10176,7 +12788,7 @@
           <p:cNvPr id="2" name="Title 1">
             <a:extLst>
               <a:ext uri="{FF2B5EF4-FFF2-40B4-BE49-F238E27FC236}">
-                <a16:creationId xmlns:a16="http://schemas.microsoft.com/office/drawing/2014/main" id="{271FD4E7-085F-4F89-D827-87A8427F2B49}"/>
+                <a16:creationId xmlns:a16="http://schemas.microsoft.com/office/drawing/2014/main" id="{6F90F815-0651-2A1D-F2D1-A2E1DA14FA31}"/>
               </a:ext>
             </a:extLst>
           </p:cNvPr>
@@ -10187,15 +12799,40 @@
             <p:ph type="title"/>
           </p:nvPr>
         </p:nvSpPr>
-        <p:spPr/>
+        <p:spPr>
+          <a:xfrm>
+            <a:off x="136451" y="99587"/>
+            <a:ext cx="11314813" cy="942403"/>
+          </a:xfrm>
+        </p:spPr>
         <p:txBody>
           <a:bodyPr/>
           <a:lstStyle/>
           <a:p>
+            <a:r>
+              <a:rPr lang="en-US" b="1" u="sng" dirty="0"/>
+              <a:t>S</a:t>
+            </a:r>
             <a:r>
               <a:rPr lang="en-US" dirty="0"/>
-              <a:t>Common variants of the SIR model</a:t>
+              <a:t>usceptible—</a:t>
             </a:r>
+            <a:r>
+              <a:rPr lang="en-US" b="1" u="sng" dirty="0"/>
+              <a:t>I</a:t>
+            </a:r>
+            <a:r>
+              <a:rPr lang="en-US" dirty="0"/>
+              <a:t>nfected—</a:t>
+            </a:r>
+            <a:r>
+              <a:rPr lang="en-US" b="1" u="sng" dirty="0"/>
+              <a:t>R</a:t>
+            </a:r>
+            <a:r>
+              <a:rPr lang="en-US" dirty="0"/>
+              <a:t>ecovered (SIR) model</a:t>
+            </a:r>
           </a:p>
         </p:txBody>
       </p:sp>
@@ -10204,7 +12841,7 @@
           <p:cNvPr id="3" name="Content Placeholder 2">
             <a:extLst>
               <a:ext uri="{FF2B5EF4-FFF2-40B4-BE49-F238E27FC236}">
-                <a16:creationId xmlns:a16="http://schemas.microsoft.com/office/drawing/2014/main" id="{8209AE30-6C0D-CC6E-C529-C3EB44A96A06}"/>
+                <a16:creationId xmlns:a16="http://schemas.microsoft.com/office/drawing/2014/main" id="{BE2DAF4C-AC7B-C32A-575D-B301AAEBE627}"/>
               </a:ext>
             </a:extLst>
           </p:cNvPr>
@@ -10215,52 +12852,85 @@
             <p:ph idx="1"/>
           </p:nvPr>
         </p:nvSpPr>
-        <p:spPr/>
-        <p:txBody>
-          <a:bodyPr/>
-          <a:lstStyle/>
-          <a:p>
+        <p:spPr>
+          <a:xfrm>
+            <a:off x="536057" y="1237957"/>
+            <a:ext cx="10515600" cy="5276631"/>
+          </a:xfrm>
+        </p:spPr>
+        <p:txBody>
+          <a:bodyPr>
+            <a:normAutofit/>
+          </a:bodyPr>
+          <a:lstStyle/>
+          <a:p>
+            <a:pPr marL="0" indent="0">
+              <a:buNone/>
+            </a:pPr>
             <a:r>
-              <a:rPr lang="en-US" dirty="0"/>
-              <a:t>SI</a:t>
+              <a:rPr lang="en-US" sz="3600" u="sng" dirty="0"/>
+              <a:t>Model assumptions</a:t>
             </a:r>
           </a:p>
           <a:p>
+            <a:pPr marL="514350" indent="-514350">
+              <a:buAutoNum type="arabicParenR"/>
+            </a:pPr>
             <a:r>
-              <a:rPr lang="en-US" dirty="0"/>
-              <a:t>SEIR</a:t>
+              <a:rPr lang="en-US" sz="3600" dirty="0"/>
+              <a:t>Random mixing -- each individual in the population has an equal probability of interacting with each other individual. </a:t>
             </a:r>
           </a:p>
           <a:p>
+            <a:pPr marL="514350" indent="-514350">
+              <a:buAutoNum type="arabicParenR"/>
+            </a:pPr>
             <a:r>
-              <a:rPr lang="en-US" dirty="0"/>
-              <a:t>SIRS</a:t>
+              <a:rPr lang="en-US" sz="3600" dirty="0"/>
+              <a:t>No births, deaths, immigration, or emigration. </a:t>
             </a:r>
           </a:p>
           <a:p>
+            <a:pPr marL="514350" indent="-514350">
+              <a:buAutoNum type="arabicParenR"/>
+            </a:pPr>
             <a:r>
-              <a:rPr lang="en-US" dirty="0"/>
-              <a:t>Age-structured</a:t>
+              <a:rPr lang="en-US" sz="3600" dirty="0"/>
+              <a:t>Fixed transmission rate. </a:t>
             </a:r>
           </a:p>
           <a:p>
+            <a:pPr marL="514350" indent="-514350">
+              <a:buAutoNum type="arabicParenR"/>
+            </a:pPr>
             <a:r>
-              <a:rPr lang="en-US" dirty="0"/>
-              <a:t>Spatial</a:t>
+              <a:rPr lang="en-US" sz="3600" dirty="0"/>
+              <a:t>No latency period – following a successful contact, a susceptible individual is immediately infected </a:t>
             </a:r>
-          </a:p>
-          <a:p>
             <a:r>
-              <a:rPr lang="en-US" dirty="0"/>
-              <a:t>Multiple host species</a:t>
+              <a:rPr lang="en-US" sz="3600" i="1" dirty="0"/>
+              <a:t>and infectious. </a:t>
             </a:r>
+            <a:endParaRPr lang="en-US" sz="3600" dirty="0"/>
+          </a:p>
+          <a:p>
+            <a:pPr marL="514350" indent="-514350">
+              <a:buAutoNum type="arabicParenR"/>
+            </a:pPr>
+            <a:endParaRPr lang="en-US" dirty="0"/>
+          </a:p>
+          <a:p>
+            <a:pPr marL="0" indent="0">
+              <a:buNone/>
+            </a:pPr>
+            <a:endParaRPr lang="en-US" dirty="0"/>
           </a:p>
         </p:txBody>
       </p:sp>
     </p:spTree>
     <p:extLst>
       <p:ext uri="{BB962C8B-B14F-4D97-AF65-F5344CB8AC3E}">
-        <p14:creationId xmlns:p14="http://schemas.microsoft.com/office/powerpoint/2010/main" val="3022744358"/>
+        <p14:creationId xmlns:p14="http://schemas.microsoft.com/office/powerpoint/2010/main" val="1783411073"/>
       </p:ext>
     </p:extLst>
   </p:cSld>
@@ -10292,7 +12962,7 @@
           <p:cNvPr id="2" name="Title 1">
             <a:extLst>
               <a:ext uri="{FF2B5EF4-FFF2-40B4-BE49-F238E27FC236}">
-                <a16:creationId xmlns:a16="http://schemas.microsoft.com/office/drawing/2014/main" id="{4512B54F-54AE-4A67-3FD7-46EA4ADE2CC2}"/>
+                <a16:creationId xmlns:a16="http://schemas.microsoft.com/office/drawing/2014/main" id="{6F90F815-0651-2A1D-F2D1-A2E1DA14FA31}"/>
               </a:ext>
             </a:extLst>
           </p:cNvPr>
@@ -10303,89 +12973,1815 @@
             <p:ph type="title"/>
           </p:nvPr>
         </p:nvSpPr>
-        <p:spPr/>
+        <p:spPr>
+          <a:xfrm>
+            <a:off x="136451" y="99587"/>
+            <a:ext cx="11314813" cy="942403"/>
+          </a:xfrm>
+        </p:spPr>
         <p:txBody>
           <a:bodyPr/>
           <a:lstStyle/>
           <a:p>
             <a:r>
               <a:rPr lang="en-US" dirty="0"/>
-              <a:t>Intervention strategies</a:t>
+              <a:t>Basic reproduction number (</a:t>
             </a:r>
-          </a:p>
-        </p:txBody>
-      </p:sp>
-      <p:sp>
-        <p:nvSpPr>
-          <p:cNvPr id="3" name="Content Placeholder 2">
-            <a:extLst>
-              <a:ext uri="{FF2B5EF4-FFF2-40B4-BE49-F238E27FC236}">
-                <a16:creationId xmlns:a16="http://schemas.microsoft.com/office/drawing/2014/main" id="{FFBCFD68-7E44-BA0D-668B-A59FBF4EA7CC}"/>
-              </a:ext>
-            </a:extLst>
-          </p:cNvPr>
-          <p:cNvSpPr>
-            <a:spLocks noGrp="1"/>
-          </p:cNvSpPr>
-          <p:nvPr>
-            <p:ph idx="1"/>
-          </p:nvPr>
-        </p:nvSpPr>
-        <p:spPr/>
-        <p:txBody>
-          <a:bodyPr/>
-          <a:lstStyle/>
-          <a:p>
+            <a:r>
+              <a:rPr lang="en-US" b="1" dirty="0"/>
+              <a:t>R</a:t>
+            </a:r>
+            <a:r>
+              <a:rPr lang="en-US" b="1" baseline="-25000" dirty="0"/>
+              <a:t>0</a:t>
+            </a:r>
             <a:r>
               <a:rPr lang="en-US" dirty="0"/>
-              <a:t>Vaccination</a:t>
+              <a:t>) </a:t>
             </a:r>
           </a:p>
+        </p:txBody>
+      </p:sp>
+      <p:sp>
+        <p:nvSpPr>
+          <p:cNvPr id="6" name="Oval 5">
+            <a:extLst>
+              <a:ext uri="{FF2B5EF4-FFF2-40B4-BE49-F238E27FC236}">
+                <a16:creationId xmlns:a16="http://schemas.microsoft.com/office/drawing/2014/main" id="{2C2C712F-819E-24CB-6E9C-9B5080C9C929}"/>
+              </a:ext>
+            </a:extLst>
+          </p:cNvPr>
+          <p:cNvSpPr/>
+          <p:nvPr/>
+        </p:nvSpPr>
+        <p:spPr>
+          <a:xfrm>
+            <a:off x="715979" y="1721589"/>
+            <a:ext cx="435935" cy="438912"/>
+          </a:xfrm>
+          <a:prstGeom prst="ellipse">
+            <a:avLst/>
+          </a:prstGeom>
+          <a:solidFill>
+            <a:srgbClr val="00B050"/>
+          </a:solidFill>
+          <a:ln>
+            <a:solidFill>
+              <a:schemeClr val="tx1"/>
+            </a:solidFill>
+          </a:ln>
+        </p:spPr>
+        <p:style>
+          <a:lnRef idx="2">
+            <a:schemeClr val="accent1">
+              <a:shade val="50000"/>
+            </a:schemeClr>
+          </a:lnRef>
+          <a:fillRef idx="1">
+            <a:schemeClr val="accent1"/>
+          </a:fillRef>
+          <a:effectRef idx="0">
+            <a:schemeClr val="accent1"/>
+          </a:effectRef>
+          <a:fontRef idx="minor">
+            <a:schemeClr val="lt1"/>
+          </a:fontRef>
+        </p:style>
+        <p:txBody>
+          <a:bodyPr rtlCol="0" anchor="ctr"/>
+          <a:lstStyle/>
+          <a:p>
+            <a:pPr algn="ctr"/>
+            <a:endParaRPr lang="en-US"/>
+          </a:p>
+        </p:txBody>
+      </p:sp>
+      <p:sp>
+        <p:nvSpPr>
+          <p:cNvPr id="7" name="Oval 6">
+            <a:extLst>
+              <a:ext uri="{FF2B5EF4-FFF2-40B4-BE49-F238E27FC236}">
+                <a16:creationId xmlns:a16="http://schemas.microsoft.com/office/drawing/2014/main" id="{A7F3EE1E-5F43-7316-965C-D951966356D2}"/>
+              </a:ext>
+            </a:extLst>
+          </p:cNvPr>
+          <p:cNvSpPr/>
+          <p:nvPr/>
+        </p:nvSpPr>
+        <p:spPr>
+          <a:xfrm>
+            <a:off x="577368" y="3022581"/>
+            <a:ext cx="435935" cy="438912"/>
+          </a:xfrm>
+          <a:prstGeom prst="ellipse">
+            <a:avLst/>
+          </a:prstGeom>
+          <a:solidFill>
+            <a:srgbClr val="00B050"/>
+          </a:solidFill>
+          <a:ln>
+            <a:solidFill>
+              <a:schemeClr val="tx1"/>
+            </a:solidFill>
+          </a:ln>
+        </p:spPr>
+        <p:style>
+          <a:lnRef idx="2">
+            <a:schemeClr val="accent1">
+              <a:shade val="50000"/>
+            </a:schemeClr>
+          </a:lnRef>
+          <a:fillRef idx="1">
+            <a:schemeClr val="accent1"/>
+          </a:fillRef>
+          <a:effectRef idx="0">
+            <a:schemeClr val="accent1"/>
+          </a:effectRef>
+          <a:fontRef idx="minor">
+            <a:schemeClr val="lt1"/>
+          </a:fontRef>
+        </p:style>
+        <p:txBody>
+          <a:bodyPr rtlCol="0" anchor="ctr"/>
+          <a:lstStyle/>
+          <a:p>
+            <a:pPr algn="ctr"/>
+            <a:endParaRPr lang="en-US"/>
+          </a:p>
+        </p:txBody>
+      </p:sp>
+      <p:sp>
+        <p:nvSpPr>
+          <p:cNvPr id="8" name="Oval 7">
+            <a:extLst>
+              <a:ext uri="{FF2B5EF4-FFF2-40B4-BE49-F238E27FC236}">
+                <a16:creationId xmlns:a16="http://schemas.microsoft.com/office/drawing/2014/main" id="{5AA9AB3A-39C4-100E-39AE-804A21A0B304}"/>
+              </a:ext>
+            </a:extLst>
+          </p:cNvPr>
+          <p:cNvSpPr/>
+          <p:nvPr/>
+        </p:nvSpPr>
+        <p:spPr>
+          <a:xfrm>
+            <a:off x="1912808" y="2038191"/>
+            <a:ext cx="435935" cy="438912"/>
+          </a:xfrm>
+          <a:prstGeom prst="ellipse">
+            <a:avLst/>
+          </a:prstGeom>
+          <a:solidFill>
+            <a:srgbClr val="00B050"/>
+          </a:solidFill>
+          <a:ln>
+            <a:solidFill>
+              <a:schemeClr val="tx1"/>
+            </a:solidFill>
+          </a:ln>
+        </p:spPr>
+        <p:style>
+          <a:lnRef idx="2">
+            <a:schemeClr val="accent1">
+              <a:shade val="50000"/>
+            </a:schemeClr>
+          </a:lnRef>
+          <a:fillRef idx="1">
+            <a:schemeClr val="accent1"/>
+          </a:fillRef>
+          <a:effectRef idx="0">
+            <a:schemeClr val="accent1"/>
+          </a:effectRef>
+          <a:fontRef idx="minor">
+            <a:schemeClr val="lt1"/>
+          </a:fontRef>
+        </p:style>
+        <p:txBody>
+          <a:bodyPr rtlCol="0" anchor="ctr"/>
+          <a:lstStyle/>
+          <a:p>
+            <a:pPr algn="ctr"/>
+            <a:endParaRPr lang="en-US"/>
+          </a:p>
+        </p:txBody>
+      </p:sp>
+      <p:sp>
+        <p:nvSpPr>
+          <p:cNvPr id="9" name="Oval 8">
+            <a:extLst>
+              <a:ext uri="{FF2B5EF4-FFF2-40B4-BE49-F238E27FC236}">
+                <a16:creationId xmlns:a16="http://schemas.microsoft.com/office/drawing/2014/main" id="{DC6424B1-43F2-0FFB-5037-D887308E0034}"/>
+              </a:ext>
+            </a:extLst>
+          </p:cNvPr>
+          <p:cNvSpPr/>
+          <p:nvPr/>
+        </p:nvSpPr>
+        <p:spPr>
+          <a:xfrm>
+            <a:off x="2334288" y="3429000"/>
+            <a:ext cx="435935" cy="438912"/>
+          </a:xfrm>
+          <a:prstGeom prst="ellipse">
+            <a:avLst/>
+          </a:prstGeom>
+          <a:solidFill>
+            <a:srgbClr val="00B050"/>
+          </a:solidFill>
+          <a:ln>
+            <a:solidFill>
+              <a:schemeClr val="tx1"/>
+            </a:solidFill>
+          </a:ln>
+        </p:spPr>
+        <p:style>
+          <a:lnRef idx="2">
+            <a:schemeClr val="accent1">
+              <a:shade val="50000"/>
+            </a:schemeClr>
+          </a:lnRef>
+          <a:fillRef idx="1">
+            <a:schemeClr val="accent1"/>
+          </a:fillRef>
+          <a:effectRef idx="0">
+            <a:schemeClr val="accent1"/>
+          </a:effectRef>
+          <a:fontRef idx="minor">
+            <a:schemeClr val="lt1"/>
+          </a:fontRef>
+        </p:style>
+        <p:txBody>
+          <a:bodyPr rtlCol="0" anchor="ctr"/>
+          <a:lstStyle/>
+          <a:p>
+            <a:pPr algn="ctr"/>
+            <a:endParaRPr lang="en-US"/>
+          </a:p>
+        </p:txBody>
+      </p:sp>
+      <p:sp>
+        <p:nvSpPr>
+          <p:cNvPr id="10" name="Oval 9">
+            <a:extLst>
+              <a:ext uri="{FF2B5EF4-FFF2-40B4-BE49-F238E27FC236}">
+                <a16:creationId xmlns:a16="http://schemas.microsoft.com/office/drawing/2014/main" id="{41E5B715-3E62-9BA5-2DED-1B6031EE2F08}"/>
+              </a:ext>
+            </a:extLst>
+          </p:cNvPr>
+          <p:cNvSpPr/>
+          <p:nvPr/>
+        </p:nvSpPr>
+        <p:spPr>
+          <a:xfrm>
+            <a:off x="2905676" y="4763684"/>
+            <a:ext cx="435935" cy="438912"/>
+          </a:xfrm>
+          <a:prstGeom prst="ellipse">
+            <a:avLst/>
+          </a:prstGeom>
+          <a:solidFill>
+            <a:srgbClr val="00B050"/>
+          </a:solidFill>
+          <a:ln>
+            <a:solidFill>
+              <a:schemeClr val="tx1"/>
+            </a:solidFill>
+          </a:ln>
+        </p:spPr>
+        <p:style>
+          <a:lnRef idx="2">
+            <a:schemeClr val="accent1">
+              <a:shade val="50000"/>
+            </a:schemeClr>
+          </a:lnRef>
+          <a:fillRef idx="1">
+            <a:schemeClr val="accent1"/>
+          </a:fillRef>
+          <a:effectRef idx="0">
+            <a:schemeClr val="accent1"/>
+          </a:effectRef>
+          <a:fontRef idx="minor">
+            <a:schemeClr val="lt1"/>
+          </a:fontRef>
+        </p:style>
+        <p:txBody>
+          <a:bodyPr rtlCol="0" anchor="ctr"/>
+          <a:lstStyle/>
+          <a:p>
+            <a:pPr algn="ctr"/>
+            <a:endParaRPr lang="en-US"/>
+          </a:p>
+        </p:txBody>
+      </p:sp>
+      <p:sp>
+        <p:nvSpPr>
+          <p:cNvPr id="11" name="Oval 10">
+            <a:extLst>
+              <a:ext uri="{FF2B5EF4-FFF2-40B4-BE49-F238E27FC236}">
+                <a16:creationId xmlns:a16="http://schemas.microsoft.com/office/drawing/2014/main" id="{6A3BDCC3-0A78-88D1-3140-867A493CD598}"/>
+              </a:ext>
+            </a:extLst>
+          </p:cNvPr>
+          <p:cNvSpPr/>
+          <p:nvPr/>
+        </p:nvSpPr>
+        <p:spPr>
+          <a:xfrm>
+            <a:off x="6755551" y="4831600"/>
+            <a:ext cx="435935" cy="438912"/>
+          </a:xfrm>
+          <a:prstGeom prst="ellipse">
+            <a:avLst/>
+          </a:prstGeom>
+          <a:solidFill>
+            <a:srgbClr val="00B050"/>
+          </a:solidFill>
+          <a:ln>
+            <a:solidFill>
+              <a:schemeClr val="tx1"/>
+            </a:solidFill>
+          </a:ln>
+        </p:spPr>
+        <p:style>
+          <a:lnRef idx="2">
+            <a:schemeClr val="accent1">
+              <a:shade val="50000"/>
+            </a:schemeClr>
+          </a:lnRef>
+          <a:fillRef idx="1">
+            <a:schemeClr val="accent1"/>
+          </a:fillRef>
+          <a:effectRef idx="0">
+            <a:schemeClr val="accent1"/>
+          </a:effectRef>
+          <a:fontRef idx="minor">
+            <a:schemeClr val="lt1"/>
+          </a:fontRef>
+        </p:style>
+        <p:txBody>
+          <a:bodyPr rtlCol="0" anchor="ctr"/>
+          <a:lstStyle/>
+          <a:p>
+            <a:pPr algn="ctr"/>
+            <a:endParaRPr lang="en-US"/>
+          </a:p>
+        </p:txBody>
+      </p:sp>
+      <p:sp>
+        <p:nvSpPr>
+          <p:cNvPr id="12" name="Oval 11">
+            <a:extLst>
+              <a:ext uri="{FF2B5EF4-FFF2-40B4-BE49-F238E27FC236}">
+                <a16:creationId xmlns:a16="http://schemas.microsoft.com/office/drawing/2014/main" id="{59954C57-CD59-C8D8-6A19-DA7012F5ADB0}"/>
+              </a:ext>
+            </a:extLst>
+          </p:cNvPr>
+          <p:cNvSpPr/>
+          <p:nvPr/>
+        </p:nvSpPr>
+        <p:spPr>
+          <a:xfrm>
+            <a:off x="5672524" y="5498756"/>
+            <a:ext cx="435935" cy="438912"/>
+          </a:xfrm>
+          <a:prstGeom prst="ellipse">
+            <a:avLst/>
+          </a:prstGeom>
+          <a:solidFill>
+            <a:srgbClr val="00B050"/>
+          </a:solidFill>
+          <a:ln>
+            <a:solidFill>
+              <a:schemeClr val="tx1"/>
+            </a:solidFill>
+          </a:ln>
+        </p:spPr>
+        <p:style>
+          <a:lnRef idx="2">
+            <a:schemeClr val="accent1">
+              <a:shade val="50000"/>
+            </a:schemeClr>
+          </a:lnRef>
+          <a:fillRef idx="1">
+            <a:schemeClr val="accent1"/>
+          </a:fillRef>
+          <a:effectRef idx="0">
+            <a:schemeClr val="accent1"/>
+          </a:effectRef>
+          <a:fontRef idx="minor">
+            <a:schemeClr val="lt1"/>
+          </a:fontRef>
+        </p:style>
+        <p:txBody>
+          <a:bodyPr rtlCol="0" anchor="ctr"/>
+          <a:lstStyle/>
+          <a:p>
+            <a:pPr algn="ctr"/>
+            <a:endParaRPr lang="en-US"/>
+          </a:p>
+        </p:txBody>
+      </p:sp>
+      <p:sp>
+        <p:nvSpPr>
+          <p:cNvPr id="13" name="Oval 12">
+            <a:extLst>
+              <a:ext uri="{FF2B5EF4-FFF2-40B4-BE49-F238E27FC236}">
+                <a16:creationId xmlns:a16="http://schemas.microsoft.com/office/drawing/2014/main" id="{DF8FCC7B-4FB4-3613-8A11-47FF3BD9B040}"/>
+              </a:ext>
+            </a:extLst>
+          </p:cNvPr>
+          <p:cNvSpPr/>
+          <p:nvPr/>
+        </p:nvSpPr>
+        <p:spPr>
+          <a:xfrm>
+            <a:off x="7600062" y="5442085"/>
+            <a:ext cx="435935" cy="438912"/>
+          </a:xfrm>
+          <a:prstGeom prst="ellipse">
+            <a:avLst/>
+          </a:prstGeom>
+          <a:solidFill>
+            <a:srgbClr val="00B050"/>
+          </a:solidFill>
+          <a:ln>
+            <a:solidFill>
+              <a:schemeClr val="tx1"/>
+            </a:solidFill>
+          </a:ln>
+        </p:spPr>
+        <p:style>
+          <a:lnRef idx="2">
+            <a:schemeClr val="accent1">
+              <a:shade val="50000"/>
+            </a:schemeClr>
+          </a:lnRef>
+          <a:fillRef idx="1">
+            <a:schemeClr val="accent1"/>
+          </a:fillRef>
+          <a:effectRef idx="0">
+            <a:schemeClr val="accent1"/>
+          </a:effectRef>
+          <a:fontRef idx="minor">
+            <a:schemeClr val="lt1"/>
+          </a:fontRef>
+        </p:style>
+        <p:txBody>
+          <a:bodyPr rtlCol="0" anchor="ctr"/>
+          <a:lstStyle/>
+          <a:p>
+            <a:pPr algn="ctr"/>
+            <a:endParaRPr lang="en-US"/>
+          </a:p>
+        </p:txBody>
+      </p:sp>
+      <p:sp>
+        <p:nvSpPr>
+          <p:cNvPr id="14" name="Oval 13">
+            <a:extLst>
+              <a:ext uri="{FF2B5EF4-FFF2-40B4-BE49-F238E27FC236}">
+                <a16:creationId xmlns:a16="http://schemas.microsoft.com/office/drawing/2014/main" id="{6DE410F4-634F-F820-1D3B-1350BC06F3BA}"/>
+              </a:ext>
+            </a:extLst>
+          </p:cNvPr>
+          <p:cNvSpPr/>
+          <p:nvPr/>
+        </p:nvSpPr>
+        <p:spPr>
+          <a:xfrm>
+            <a:off x="5139954" y="4681168"/>
+            <a:ext cx="435935" cy="438912"/>
+          </a:xfrm>
+          <a:prstGeom prst="ellipse">
+            <a:avLst/>
+          </a:prstGeom>
+          <a:solidFill>
+            <a:srgbClr val="00B050"/>
+          </a:solidFill>
+          <a:ln>
+            <a:solidFill>
+              <a:schemeClr val="tx1"/>
+            </a:solidFill>
+          </a:ln>
+        </p:spPr>
+        <p:style>
+          <a:lnRef idx="2">
+            <a:schemeClr val="accent1">
+              <a:shade val="50000"/>
+            </a:schemeClr>
+          </a:lnRef>
+          <a:fillRef idx="1">
+            <a:schemeClr val="accent1"/>
+          </a:fillRef>
+          <a:effectRef idx="0">
+            <a:schemeClr val="accent1"/>
+          </a:effectRef>
+          <a:fontRef idx="minor">
+            <a:schemeClr val="lt1"/>
+          </a:fontRef>
+        </p:style>
+        <p:txBody>
+          <a:bodyPr rtlCol="0" anchor="ctr"/>
+          <a:lstStyle/>
+          <a:p>
+            <a:pPr algn="ctr"/>
+            <a:endParaRPr lang="en-US"/>
+          </a:p>
+        </p:txBody>
+      </p:sp>
+      <p:sp>
+        <p:nvSpPr>
+          <p:cNvPr id="15" name="Oval 14">
+            <a:extLst>
+              <a:ext uri="{FF2B5EF4-FFF2-40B4-BE49-F238E27FC236}">
+                <a16:creationId xmlns:a16="http://schemas.microsoft.com/office/drawing/2014/main" id="{30F28C99-E87A-E375-0883-4934E30862F1}"/>
+              </a:ext>
+            </a:extLst>
+          </p:cNvPr>
+          <p:cNvSpPr/>
+          <p:nvPr/>
+        </p:nvSpPr>
+        <p:spPr>
+          <a:xfrm>
+            <a:off x="9951960" y="5120080"/>
+            <a:ext cx="435935" cy="438912"/>
+          </a:xfrm>
+          <a:prstGeom prst="ellipse">
+            <a:avLst/>
+          </a:prstGeom>
+          <a:solidFill>
+            <a:srgbClr val="00B050"/>
+          </a:solidFill>
+          <a:ln>
+            <a:solidFill>
+              <a:schemeClr val="tx1"/>
+            </a:solidFill>
+          </a:ln>
+        </p:spPr>
+        <p:style>
+          <a:lnRef idx="2">
+            <a:schemeClr val="accent1">
+              <a:shade val="50000"/>
+            </a:schemeClr>
+          </a:lnRef>
+          <a:fillRef idx="1">
+            <a:schemeClr val="accent1"/>
+          </a:fillRef>
+          <a:effectRef idx="0">
+            <a:schemeClr val="accent1"/>
+          </a:effectRef>
+          <a:fontRef idx="minor">
+            <a:schemeClr val="lt1"/>
+          </a:fontRef>
+        </p:style>
+        <p:txBody>
+          <a:bodyPr rtlCol="0" anchor="ctr"/>
+          <a:lstStyle/>
+          <a:p>
+            <a:pPr algn="ctr"/>
+            <a:endParaRPr lang="en-US"/>
+          </a:p>
+        </p:txBody>
+      </p:sp>
+      <p:sp>
+        <p:nvSpPr>
+          <p:cNvPr id="16" name="Oval 15">
+            <a:extLst>
+              <a:ext uri="{FF2B5EF4-FFF2-40B4-BE49-F238E27FC236}">
+                <a16:creationId xmlns:a16="http://schemas.microsoft.com/office/drawing/2014/main" id="{B142A4B6-3B0A-6DC4-B42D-091A84111D75}"/>
+              </a:ext>
+            </a:extLst>
+          </p:cNvPr>
+          <p:cNvSpPr/>
+          <p:nvPr/>
+        </p:nvSpPr>
+        <p:spPr>
+          <a:xfrm>
+            <a:off x="10402183" y="2896806"/>
+            <a:ext cx="435935" cy="438912"/>
+          </a:xfrm>
+          <a:prstGeom prst="ellipse">
+            <a:avLst/>
+          </a:prstGeom>
+          <a:solidFill>
+            <a:srgbClr val="00B050"/>
+          </a:solidFill>
+          <a:ln>
+            <a:solidFill>
+              <a:schemeClr val="tx1"/>
+            </a:solidFill>
+          </a:ln>
+        </p:spPr>
+        <p:style>
+          <a:lnRef idx="2">
+            <a:schemeClr val="accent1">
+              <a:shade val="50000"/>
+            </a:schemeClr>
+          </a:lnRef>
+          <a:fillRef idx="1">
+            <a:schemeClr val="accent1"/>
+          </a:fillRef>
+          <a:effectRef idx="0">
+            <a:schemeClr val="accent1"/>
+          </a:effectRef>
+          <a:fontRef idx="minor">
+            <a:schemeClr val="lt1"/>
+          </a:fontRef>
+        </p:style>
+        <p:txBody>
+          <a:bodyPr rtlCol="0" anchor="ctr"/>
+          <a:lstStyle/>
+          <a:p>
+            <a:pPr algn="ctr"/>
+            <a:endParaRPr lang="en-US"/>
+          </a:p>
+        </p:txBody>
+      </p:sp>
+      <p:sp>
+        <p:nvSpPr>
+          <p:cNvPr id="17" name="Oval 16">
+            <a:extLst>
+              <a:ext uri="{FF2B5EF4-FFF2-40B4-BE49-F238E27FC236}">
+                <a16:creationId xmlns:a16="http://schemas.microsoft.com/office/drawing/2014/main" id="{E69A07E0-196B-3F67-0DBF-E470513BB469}"/>
+              </a:ext>
+            </a:extLst>
+          </p:cNvPr>
+          <p:cNvSpPr/>
+          <p:nvPr/>
+        </p:nvSpPr>
+        <p:spPr>
+          <a:xfrm>
+            <a:off x="6326482" y="3739006"/>
+            <a:ext cx="435935" cy="438912"/>
+          </a:xfrm>
+          <a:prstGeom prst="ellipse">
+            <a:avLst/>
+          </a:prstGeom>
+          <a:solidFill>
+            <a:srgbClr val="00B050"/>
+          </a:solidFill>
+          <a:ln>
+            <a:solidFill>
+              <a:schemeClr val="tx1"/>
+            </a:solidFill>
+          </a:ln>
+        </p:spPr>
+        <p:style>
+          <a:lnRef idx="2">
+            <a:schemeClr val="accent1">
+              <a:shade val="50000"/>
+            </a:schemeClr>
+          </a:lnRef>
+          <a:fillRef idx="1">
+            <a:schemeClr val="accent1"/>
+          </a:fillRef>
+          <a:effectRef idx="0">
+            <a:schemeClr val="accent1"/>
+          </a:effectRef>
+          <a:fontRef idx="minor">
+            <a:schemeClr val="lt1"/>
+          </a:fontRef>
+        </p:style>
+        <p:txBody>
+          <a:bodyPr rtlCol="0" anchor="ctr"/>
+          <a:lstStyle/>
+          <a:p>
+            <a:pPr algn="ctr"/>
+            <a:endParaRPr lang="en-US"/>
+          </a:p>
+        </p:txBody>
+      </p:sp>
+      <p:sp>
+        <p:nvSpPr>
+          <p:cNvPr id="18" name="Oval 17">
+            <a:extLst>
+              <a:ext uri="{FF2B5EF4-FFF2-40B4-BE49-F238E27FC236}">
+                <a16:creationId xmlns:a16="http://schemas.microsoft.com/office/drawing/2014/main" id="{B1656C7E-6B0C-FDE5-3215-23D08D9C0CE0}"/>
+              </a:ext>
+            </a:extLst>
+          </p:cNvPr>
+          <p:cNvSpPr/>
+          <p:nvPr/>
+        </p:nvSpPr>
+        <p:spPr>
+          <a:xfrm>
+            <a:off x="3460786" y="5822767"/>
+            <a:ext cx="435935" cy="438912"/>
+          </a:xfrm>
+          <a:prstGeom prst="ellipse">
+            <a:avLst/>
+          </a:prstGeom>
+          <a:solidFill>
+            <a:srgbClr val="00B050"/>
+          </a:solidFill>
+          <a:ln>
+            <a:solidFill>
+              <a:schemeClr val="tx1"/>
+            </a:solidFill>
+          </a:ln>
+        </p:spPr>
+        <p:style>
+          <a:lnRef idx="2">
+            <a:schemeClr val="accent1">
+              <a:shade val="50000"/>
+            </a:schemeClr>
+          </a:lnRef>
+          <a:fillRef idx="1">
+            <a:schemeClr val="accent1"/>
+          </a:fillRef>
+          <a:effectRef idx="0">
+            <a:schemeClr val="accent1"/>
+          </a:effectRef>
+          <a:fontRef idx="minor">
+            <a:schemeClr val="lt1"/>
+          </a:fontRef>
+        </p:style>
+        <p:txBody>
+          <a:bodyPr rtlCol="0" anchor="ctr"/>
+          <a:lstStyle/>
+          <a:p>
+            <a:pPr algn="ctr"/>
+            <a:endParaRPr lang="en-US"/>
+          </a:p>
+        </p:txBody>
+      </p:sp>
+      <p:sp>
+        <p:nvSpPr>
+          <p:cNvPr id="19" name="Oval 18">
+            <a:extLst>
+              <a:ext uri="{FF2B5EF4-FFF2-40B4-BE49-F238E27FC236}">
+                <a16:creationId xmlns:a16="http://schemas.microsoft.com/office/drawing/2014/main" id="{2D90D85D-611E-10F5-A272-67AA8A189C35}"/>
+              </a:ext>
+            </a:extLst>
+          </p:cNvPr>
+          <p:cNvSpPr/>
+          <p:nvPr/>
+        </p:nvSpPr>
+        <p:spPr>
+          <a:xfrm>
+            <a:off x="3991972" y="3586447"/>
+            <a:ext cx="435935" cy="438912"/>
+          </a:xfrm>
+          <a:prstGeom prst="ellipse">
+            <a:avLst/>
+          </a:prstGeom>
+          <a:solidFill>
+            <a:srgbClr val="FF0000"/>
+          </a:solidFill>
+          <a:ln>
+            <a:solidFill>
+              <a:schemeClr val="tx1"/>
+            </a:solidFill>
+          </a:ln>
+        </p:spPr>
+        <p:style>
+          <a:lnRef idx="2">
+            <a:schemeClr val="accent1">
+              <a:shade val="50000"/>
+            </a:schemeClr>
+          </a:lnRef>
+          <a:fillRef idx="1">
+            <a:schemeClr val="accent1"/>
+          </a:fillRef>
+          <a:effectRef idx="0">
+            <a:schemeClr val="accent1"/>
+          </a:effectRef>
+          <a:fontRef idx="minor">
+            <a:schemeClr val="lt1"/>
+          </a:fontRef>
+        </p:style>
+        <p:txBody>
+          <a:bodyPr rtlCol="0" anchor="ctr"/>
+          <a:lstStyle/>
+          <a:p>
+            <a:pPr algn="ctr"/>
+            <a:endParaRPr lang="en-US"/>
+          </a:p>
+        </p:txBody>
+      </p:sp>
+      <p:sp>
+        <p:nvSpPr>
+          <p:cNvPr id="20" name="Oval 19">
+            <a:extLst>
+              <a:ext uri="{FF2B5EF4-FFF2-40B4-BE49-F238E27FC236}">
+                <a16:creationId xmlns:a16="http://schemas.microsoft.com/office/drawing/2014/main" id="{52D35E99-B48D-3098-C518-F93708DF92A4}"/>
+              </a:ext>
+            </a:extLst>
+          </p:cNvPr>
+          <p:cNvSpPr/>
+          <p:nvPr/>
+        </p:nvSpPr>
+        <p:spPr>
+          <a:xfrm>
+            <a:off x="3174870" y="2211345"/>
+            <a:ext cx="435935" cy="438912"/>
+          </a:xfrm>
+          <a:prstGeom prst="ellipse">
+            <a:avLst/>
+          </a:prstGeom>
+          <a:solidFill>
+            <a:srgbClr val="00B050"/>
+          </a:solidFill>
+          <a:ln>
+            <a:solidFill>
+              <a:schemeClr val="tx1"/>
+            </a:solidFill>
+          </a:ln>
+        </p:spPr>
+        <p:style>
+          <a:lnRef idx="2">
+            <a:schemeClr val="accent1">
+              <a:shade val="50000"/>
+            </a:schemeClr>
+          </a:lnRef>
+          <a:fillRef idx="1">
+            <a:schemeClr val="accent1"/>
+          </a:fillRef>
+          <a:effectRef idx="0">
+            <a:schemeClr val="accent1"/>
+          </a:effectRef>
+          <a:fontRef idx="minor">
+            <a:schemeClr val="lt1"/>
+          </a:fontRef>
+        </p:style>
+        <p:txBody>
+          <a:bodyPr rtlCol="0" anchor="ctr"/>
+          <a:lstStyle/>
+          <a:p>
+            <a:pPr algn="ctr"/>
+            <a:endParaRPr lang="en-US"/>
+          </a:p>
+        </p:txBody>
+      </p:sp>
+      <p:sp>
+        <p:nvSpPr>
+          <p:cNvPr id="21" name="Oval 20">
+            <a:extLst>
+              <a:ext uri="{FF2B5EF4-FFF2-40B4-BE49-F238E27FC236}">
+                <a16:creationId xmlns:a16="http://schemas.microsoft.com/office/drawing/2014/main" id="{C4D82BEA-86B6-D89E-8932-0F77879987EC}"/>
+              </a:ext>
+            </a:extLst>
+          </p:cNvPr>
+          <p:cNvSpPr/>
+          <p:nvPr/>
+        </p:nvSpPr>
+        <p:spPr>
+          <a:xfrm>
+            <a:off x="3003143" y="1435949"/>
+            <a:ext cx="435935" cy="438912"/>
+          </a:xfrm>
+          <a:prstGeom prst="ellipse">
+            <a:avLst/>
+          </a:prstGeom>
+          <a:solidFill>
+            <a:srgbClr val="00B050"/>
+          </a:solidFill>
+          <a:ln>
+            <a:solidFill>
+              <a:schemeClr val="tx1"/>
+            </a:solidFill>
+          </a:ln>
+        </p:spPr>
+        <p:style>
+          <a:lnRef idx="2">
+            <a:schemeClr val="accent1">
+              <a:shade val="50000"/>
+            </a:schemeClr>
+          </a:lnRef>
+          <a:fillRef idx="1">
+            <a:schemeClr val="accent1"/>
+          </a:fillRef>
+          <a:effectRef idx="0">
+            <a:schemeClr val="accent1"/>
+          </a:effectRef>
+          <a:fontRef idx="minor">
+            <a:schemeClr val="lt1"/>
+          </a:fontRef>
+        </p:style>
+        <p:txBody>
+          <a:bodyPr rtlCol="0" anchor="ctr"/>
+          <a:lstStyle/>
+          <a:p>
+            <a:pPr algn="ctr"/>
+            <a:endParaRPr lang="en-US"/>
+          </a:p>
+        </p:txBody>
+      </p:sp>
+      <p:sp>
+        <p:nvSpPr>
+          <p:cNvPr id="22" name="Oval 21">
+            <a:extLst>
+              <a:ext uri="{FF2B5EF4-FFF2-40B4-BE49-F238E27FC236}">
+                <a16:creationId xmlns:a16="http://schemas.microsoft.com/office/drawing/2014/main" id="{6A2AB9F5-9886-2CFD-636E-0BA8F526C715}"/>
+              </a:ext>
+            </a:extLst>
+          </p:cNvPr>
+          <p:cNvSpPr/>
+          <p:nvPr/>
+        </p:nvSpPr>
+        <p:spPr>
+          <a:xfrm>
+            <a:off x="5359139" y="1530596"/>
+            <a:ext cx="435935" cy="438912"/>
+          </a:xfrm>
+          <a:prstGeom prst="ellipse">
+            <a:avLst/>
+          </a:prstGeom>
+          <a:solidFill>
+            <a:srgbClr val="00B050"/>
+          </a:solidFill>
+          <a:ln>
+            <a:solidFill>
+              <a:schemeClr val="tx1"/>
+            </a:solidFill>
+          </a:ln>
+        </p:spPr>
+        <p:style>
+          <a:lnRef idx="2">
+            <a:schemeClr val="accent1">
+              <a:shade val="50000"/>
+            </a:schemeClr>
+          </a:lnRef>
+          <a:fillRef idx="1">
+            <a:schemeClr val="accent1"/>
+          </a:fillRef>
+          <a:effectRef idx="0">
+            <a:schemeClr val="accent1"/>
+          </a:effectRef>
+          <a:fontRef idx="minor">
+            <a:schemeClr val="lt1"/>
+          </a:fontRef>
+        </p:style>
+        <p:txBody>
+          <a:bodyPr rtlCol="0" anchor="ctr"/>
+          <a:lstStyle/>
+          <a:p>
+            <a:pPr algn="ctr"/>
+            <a:endParaRPr lang="en-US"/>
+          </a:p>
+        </p:txBody>
+      </p:sp>
+      <p:sp>
+        <p:nvSpPr>
+          <p:cNvPr id="23" name="Oval 22">
+            <a:extLst>
+              <a:ext uri="{FF2B5EF4-FFF2-40B4-BE49-F238E27FC236}">
+                <a16:creationId xmlns:a16="http://schemas.microsoft.com/office/drawing/2014/main" id="{3A471784-264D-D6BB-0450-32601A76C6B4}"/>
+              </a:ext>
+            </a:extLst>
+          </p:cNvPr>
+          <p:cNvSpPr/>
+          <p:nvPr/>
+        </p:nvSpPr>
+        <p:spPr>
+          <a:xfrm>
+            <a:off x="7142419" y="2544159"/>
+            <a:ext cx="435935" cy="438912"/>
+          </a:xfrm>
+          <a:prstGeom prst="ellipse">
+            <a:avLst/>
+          </a:prstGeom>
+          <a:solidFill>
+            <a:srgbClr val="00B050"/>
+          </a:solidFill>
+          <a:ln>
+            <a:solidFill>
+              <a:schemeClr val="tx1"/>
+            </a:solidFill>
+          </a:ln>
+        </p:spPr>
+        <p:style>
+          <a:lnRef idx="2">
+            <a:schemeClr val="accent1">
+              <a:shade val="50000"/>
+            </a:schemeClr>
+          </a:lnRef>
+          <a:fillRef idx="1">
+            <a:schemeClr val="accent1"/>
+          </a:fillRef>
+          <a:effectRef idx="0">
+            <a:schemeClr val="accent1"/>
+          </a:effectRef>
+          <a:fontRef idx="minor">
+            <a:schemeClr val="lt1"/>
+          </a:fontRef>
+        </p:style>
+        <p:txBody>
+          <a:bodyPr rtlCol="0" anchor="ctr"/>
+          <a:lstStyle/>
+          <a:p>
+            <a:pPr algn="ctr"/>
+            <a:endParaRPr lang="en-US"/>
+          </a:p>
+        </p:txBody>
+      </p:sp>
+      <p:sp>
+        <p:nvSpPr>
+          <p:cNvPr id="24" name="Oval 23">
+            <a:extLst>
+              <a:ext uri="{FF2B5EF4-FFF2-40B4-BE49-F238E27FC236}">
+                <a16:creationId xmlns:a16="http://schemas.microsoft.com/office/drawing/2014/main" id="{AA062A82-5060-6210-C7C3-52AC6E3DAE2D}"/>
+              </a:ext>
+            </a:extLst>
+          </p:cNvPr>
+          <p:cNvSpPr/>
+          <p:nvPr/>
+        </p:nvSpPr>
+        <p:spPr>
+          <a:xfrm>
+            <a:off x="10539523" y="1350002"/>
+            <a:ext cx="435935" cy="438912"/>
+          </a:xfrm>
+          <a:prstGeom prst="ellipse">
+            <a:avLst/>
+          </a:prstGeom>
+          <a:solidFill>
+            <a:srgbClr val="00B050"/>
+          </a:solidFill>
+          <a:ln>
+            <a:solidFill>
+              <a:schemeClr val="tx1"/>
+            </a:solidFill>
+          </a:ln>
+        </p:spPr>
+        <p:style>
+          <a:lnRef idx="2">
+            <a:schemeClr val="accent1">
+              <a:shade val="50000"/>
+            </a:schemeClr>
+          </a:lnRef>
+          <a:fillRef idx="1">
+            <a:schemeClr val="accent1"/>
+          </a:fillRef>
+          <a:effectRef idx="0">
+            <a:schemeClr val="accent1"/>
+          </a:effectRef>
+          <a:fontRef idx="minor">
+            <a:schemeClr val="lt1"/>
+          </a:fontRef>
+        </p:style>
+        <p:txBody>
+          <a:bodyPr rtlCol="0" anchor="ctr"/>
+          <a:lstStyle/>
+          <a:p>
+            <a:pPr algn="ctr"/>
+            <a:endParaRPr lang="en-US"/>
+          </a:p>
+        </p:txBody>
+      </p:sp>
+      <p:sp>
+        <p:nvSpPr>
+          <p:cNvPr id="25" name="Oval 24">
+            <a:extLst>
+              <a:ext uri="{FF2B5EF4-FFF2-40B4-BE49-F238E27FC236}">
+                <a16:creationId xmlns:a16="http://schemas.microsoft.com/office/drawing/2014/main" id="{3E5FB734-8C42-A1D9-7763-332DB49550F9}"/>
+              </a:ext>
+            </a:extLst>
+          </p:cNvPr>
+          <p:cNvSpPr/>
+          <p:nvPr/>
+        </p:nvSpPr>
+        <p:spPr>
+          <a:xfrm>
+            <a:off x="2140688" y="5270512"/>
+            <a:ext cx="435935" cy="438912"/>
+          </a:xfrm>
+          <a:prstGeom prst="ellipse">
+            <a:avLst/>
+          </a:prstGeom>
+          <a:solidFill>
+            <a:srgbClr val="00B050"/>
+          </a:solidFill>
+          <a:ln>
+            <a:solidFill>
+              <a:schemeClr val="tx1"/>
+            </a:solidFill>
+          </a:ln>
+        </p:spPr>
+        <p:style>
+          <a:lnRef idx="2">
+            <a:schemeClr val="accent1">
+              <a:shade val="50000"/>
+            </a:schemeClr>
+          </a:lnRef>
+          <a:fillRef idx="1">
+            <a:schemeClr val="accent1"/>
+          </a:fillRef>
+          <a:effectRef idx="0">
+            <a:schemeClr val="accent1"/>
+          </a:effectRef>
+          <a:fontRef idx="minor">
+            <a:schemeClr val="lt1"/>
+          </a:fontRef>
+        </p:style>
+        <p:txBody>
+          <a:bodyPr rtlCol="0" anchor="ctr"/>
+          <a:lstStyle/>
+          <a:p>
+            <a:pPr algn="ctr"/>
+            <a:endParaRPr lang="en-US"/>
+          </a:p>
+        </p:txBody>
+      </p:sp>
+      <p:sp>
+        <p:nvSpPr>
+          <p:cNvPr id="26" name="Oval 25">
+            <a:extLst>
+              <a:ext uri="{FF2B5EF4-FFF2-40B4-BE49-F238E27FC236}">
+                <a16:creationId xmlns:a16="http://schemas.microsoft.com/office/drawing/2014/main" id="{077472FF-3DC4-3B80-F57E-6C4DCCCC6474}"/>
+              </a:ext>
+            </a:extLst>
+          </p:cNvPr>
+          <p:cNvSpPr/>
+          <p:nvPr/>
+        </p:nvSpPr>
+        <p:spPr>
+          <a:xfrm>
+            <a:off x="989713" y="4349368"/>
+            <a:ext cx="435935" cy="438912"/>
+          </a:xfrm>
+          <a:prstGeom prst="ellipse">
+            <a:avLst/>
+          </a:prstGeom>
+          <a:solidFill>
+            <a:srgbClr val="00B050"/>
+          </a:solidFill>
+          <a:ln>
+            <a:solidFill>
+              <a:schemeClr val="tx1"/>
+            </a:solidFill>
+          </a:ln>
+        </p:spPr>
+        <p:style>
+          <a:lnRef idx="2">
+            <a:schemeClr val="accent1">
+              <a:shade val="50000"/>
+            </a:schemeClr>
+          </a:lnRef>
+          <a:fillRef idx="1">
+            <a:schemeClr val="accent1"/>
+          </a:fillRef>
+          <a:effectRef idx="0">
+            <a:schemeClr val="accent1"/>
+          </a:effectRef>
+          <a:fontRef idx="minor">
+            <a:schemeClr val="lt1"/>
+          </a:fontRef>
+        </p:style>
+        <p:txBody>
+          <a:bodyPr rtlCol="0" anchor="ctr"/>
+          <a:lstStyle/>
+          <a:p>
+            <a:pPr algn="ctr"/>
+            <a:endParaRPr lang="en-US"/>
+          </a:p>
+        </p:txBody>
+      </p:sp>
+      <p:sp>
+        <p:nvSpPr>
+          <p:cNvPr id="27" name="Oval 26">
+            <a:extLst>
+              <a:ext uri="{FF2B5EF4-FFF2-40B4-BE49-F238E27FC236}">
+                <a16:creationId xmlns:a16="http://schemas.microsoft.com/office/drawing/2014/main" id="{0BA77829-751F-AF7A-2F05-20A137C9BBB9}"/>
+              </a:ext>
+            </a:extLst>
+          </p:cNvPr>
+          <p:cNvSpPr/>
+          <p:nvPr/>
+        </p:nvSpPr>
+        <p:spPr>
+          <a:xfrm>
+            <a:off x="891915" y="5819997"/>
+            <a:ext cx="435935" cy="438912"/>
+          </a:xfrm>
+          <a:prstGeom prst="ellipse">
+            <a:avLst/>
+          </a:prstGeom>
+          <a:solidFill>
+            <a:srgbClr val="00B050"/>
+          </a:solidFill>
+          <a:ln>
+            <a:solidFill>
+              <a:schemeClr val="tx1"/>
+            </a:solidFill>
+          </a:ln>
+        </p:spPr>
+        <p:style>
+          <a:lnRef idx="2">
+            <a:schemeClr val="accent1">
+              <a:shade val="50000"/>
+            </a:schemeClr>
+          </a:lnRef>
+          <a:fillRef idx="1">
+            <a:schemeClr val="accent1"/>
+          </a:fillRef>
+          <a:effectRef idx="0">
+            <a:schemeClr val="accent1"/>
+          </a:effectRef>
+          <a:fontRef idx="minor">
+            <a:schemeClr val="lt1"/>
+          </a:fontRef>
+        </p:style>
+        <p:txBody>
+          <a:bodyPr rtlCol="0" anchor="ctr"/>
+          <a:lstStyle/>
+          <a:p>
+            <a:pPr algn="ctr"/>
+            <a:endParaRPr lang="en-US"/>
+          </a:p>
+        </p:txBody>
+      </p:sp>
+      <p:sp>
+        <p:nvSpPr>
+          <p:cNvPr id="28" name="Oval 27">
+            <a:extLst>
+              <a:ext uri="{FF2B5EF4-FFF2-40B4-BE49-F238E27FC236}">
+                <a16:creationId xmlns:a16="http://schemas.microsoft.com/office/drawing/2014/main" id="{FF1C5D97-552F-0AF7-9FD3-75CF1FCD12FE}"/>
+              </a:ext>
+            </a:extLst>
+          </p:cNvPr>
+          <p:cNvSpPr/>
+          <p:nvPr/>
+        </p:nvSpPr>
+        <p:spPr>
+          <a:xfrm>
+            <a:off x="4035055" y="2201506"/>
+            <a:ext cx="435935" cy="438912"/>
+          </a:xfrm>
+          <a:prstGeom prst="ellipse">
+            <a:avLst/>
+          </a:prstGeom>
+          <a:solidFill>
+            <a:srgbClr val="00B050"/>
+          </a:solidFill>
+          <a:ln>
+            <a:solidFill>
+              <a:schemeClr val="tx1"/>
+            </a:solidFill>
+          </a:ln>
+        </p:spPr>
+        <p:style>
+          <a:lnRef idx="2">
+            <a:schemeClr val="accent1">
+              <a:shade val="50000"/>
+            </a:schemeClr>
+          </a:lnRef>
+          <a:fillRef idx="1">
+            <a:schemeClr val="accent1"/>
+          </a:fillRef>
+          <a:effectRef idx="0">
+            <a:schemeClr val="accent1"/>
+          </a:effectRef>
+          <a:fontRef idx="minor">
+            <a:schemeClr val="lt1"/>
+          </a:fontRef>
+        </p:style>
+        <p:txBody>
+          <a:bodyPr rtlCol="0" anchor="ctr"/>
+          <a:lstStyle/>
+          <a:p>
+            <a:pPr algn="ctr"/>
+            <a:endParaRPr lang="en-US"/>
+          </a:p>
+        </p:txBody>
+      </p:sp>
+      <p:sp>
+        <p:nvSpPr>
+          <p:cNvPr id="29" name="Oval 28">
+            <a:extLst>
+              <a:ext uri="{FF2B5EF4-FFF2-40B4-BE49-F238E27FC236}">
+                <a16:creationId xmlns:a16="http://schemas.microsoft.com/office/drawing/2014/main" id="{F6506DEE-EC18-6323-80D7-6E13103588C1}"/>
+              </a:ext>
+            </a:extLst>
+          </p:cNvPr>
+          <p:cNvSpPr/>
+          <p:nvPr/>
+        </p:nvSpPr>
+        <p:spPr>
+          <a:xfrm>
+            <a:off x="5357922" y="2853943"/>
+            <a:ext cx="435935" cy="438912"/>
+          </a:xfrm>
+          <a:prstGeom prst="ellipse">
+            <a:avLst/>
+          </a:prstGeom>
+          <a:solidFill>
+            <a:srgbClr val="00B050"/>
+          </a:solidFill>
+          <a:ln>
+            <a:solidFill>
+              <a:schemeClr val="tx1"/>
+            </a:solidFill>
+          </a:ln>
+        </p:spPr>
+        <p:style>
+          <a:lnRef idx="2">
+            <a:schemeClr val="accent1">
+              <a:shade val="50000"/>
+            </a:schemeClr>
+          </a:lnRef>
+          <a:fillRef idx="1">
+            <a:schemeClr val="accent1"/>
+          </a:fillRef>
+          <a:effectRef idx="0">
+            <a:schemeClr val="accent1"/>
+          </a:effectRef>
+          <a:fontRef idx="minor">
+            <a:schemeClr val="lt1"/>
+          </a:fontRef>
+        </p:style>
+        <p:txBody>
+          <a:bodyPr rtlCol="0" anchor="ctr"/>
+          <a:lstStyle/>
+          <a:p>
+            <a:pPr algn="ctr"/>
+            <a:endParaRPr lang="en-US"/>
+          </a:p>
+        </p:txBody>
+      </p:sp>
+      <p:sp>
+        <p:nvSpPr>
+          <p:cNvPr id="30" name="Oval 29">
+            <a:extLst>
+              <a:ext uri="{FF2B5EF4-FFF2-40B4-BE49-F238E27FC236}">
+                <a16:creationId xmlns:a16="http://schemas.microsoft.com/office/drawing/2014/main" id="{229BA9CB-A3E9-1036-DDFE-72AD267C56A1}"/>
+              </a:ext>
+            </a:extLst>
+          </p:cNvPr>
+          <p:cNvSpPr/>
+          <p:nvPr/>
+        </p:nvSpPr>
+        <p:spPr>
+          <a:xfrm>
+            <a:off x="7982061" y="3799935"/>
+            <a:ext cx="435935" cy="438912"/>
+          </a:xfrm>
+          <a:prstGeom prst="ellipse">
+            <a:avLst/>
+          </a:prstGeom>
+          <a:solidFill>
+            <a:srgbClr val="00B050"/>
+          </a:solidFill>
+          <a:ln>
+            <a:solidFill>
+              <a:schemeClr val="tx1"/>
+            </a:solidFill>
+          </a:ln>
+        </p:spPr>
+        <p:style>
+          <a:lnRef idx="2">
+            <a:schemeClr val="accent1">
+              <a:shade val="50000"/>
+            </a:schemeClr>
+          </a:lnRef>
+          <a:fillRef idx="1">
+            <a:schemeClr val="accent1"/>
+          </a:fillRef>
+          <a:effectRef idx="0">
+            <a:schemeClr val="accent1"/>
+          </a:effectRef>
+          <a:fontRef idx="minor">
+            <a:schemeClr val="lt1"/>
+          </a:fontRef>
+        </p:style>
+        <p:txBody>
+          <a:bodyPr rtlCol="0" anchor="ctr"/>
+          <a:lstStyle/>
+          <a:p>
+            <a:pPr algn="ctr"/>
+            <a:endParaRPr lang="en-US"/>
+          </a:p>
+        </p:txBody>
+      </p:sp>
+      <p:sp>
+        <p:nvSpPr>
+          <p:cNvPr id="31" name="Oval 30">
+            <a:extLst>
+              <a:ext uri="{FF2B5EF4-FFF2-40B4-BE49-F238E27FC236}">
+                <a16:creationId xmlns:a16="http://schemas.microsoft.com/office/drawing/2014/main" id="{7D7D9459-E880-A378-2F07-FCF793DBF37A}"/>
+              </a:ext>
+            </a:extLst>
+          </p:cNvPr>
+          <p:cNvSpPr/>
+          <p:nvPr/>
+        </p:nvSpPr>
+        <p:spPr>
+          <a:xfrm>
+            <a:off x="7191486" y="1415915"/>
+            <a:ext cx="435935" cy="438912"/>
+          </a:xfrm>
+          <a:prstGeom prst="ellipse">
+            <a:avLst/>
+          </a:prstGeom>
+          <a:solidFill>
+            <a:srgbClr val="00B050"/>
+          </a:solidFill>
+          <a:ln>
+            <a:solidFill>
+              <a:schemeClr val="tx1"/>
+            </a:solidFill>
+          </a:ln>
+        </p:spPr>
+        <p:style>
+          <a:lnRef idx="2">
+            <a:schemeClr val="accent1">
+              <a:shade val="50000"/>
+            </a:schemeClr>
+          </a:lnRef>
+          <a:fillRef idx="1">
+            <a:schemeClr val="accent1"/>
+          </a:fillRef>
+          <a:effectRef idx="0">
+            <a:schemeClr val="accent1"/>
+          </a:effectRef>
+          <a:fontRef idx="minor">
+            <a:schemeClr val="lt1"/>
+          </a:fontRef>
+        </p:style>
+        <p:txBody>
+          <a:bodyPr rtlCol="0" anchor="ctr"/>
+          <a:lstStyle/>
+          <a:p>
+            <a:pPr algn="ctr"/>
+            <a:endParaRPr lang="en-US"/>
+          </a:p>
+        </p:txBody>
+      </p:sp>
+      <p:sp>
+        <p:nvSpPr>
+          <p:cNvPr id="32" name="Oval 31">
+            <a:extLst>
+              <a:ext uri="{FF2B5EF4-FFF2-40B4-BE49-F238E27FC236}">
+                <a16:creationId xmlns:a16="http://schemas.microsoft.com/office/drawing/2014/main" id="{DFD19A96-62EA-0776-2E65-01D170A9E3DF}"/>
+              </a:ext>
+            </a:extLst>
+          </p:cNvPr>
+          <p:cNvSpPr/>
+          <p:nvPr/>
+        </p:nvSpPr>
+        <p:spPr>
+          <a:xfrm>
+            <a:off x="8715485" y="2324703"/>
+            <a:ext cx="435935" cy="438912"/>
+          </a:xfrm>
+          <a:prstGeom prst="ellipse">
+            <a:avLst/>
+          </a:prstGeom>
+          <a:solidFill>
+            <a:srgbClr val="00B050"/>
+          </a:solidFill>
+          <a:ln>
+            <a:solidFill>
+              <a:schemeClr val="tx1"/>
+            </a:solidFill>
+          </a:ln>
+        </p:spPr>
+        <p:style>
+          <a:lnRef idx="2">
+            <a:schemeClr val="accent1">
+              <a:shade val="50000"/>
+            </a:schemeClr>
+          </a:lnRef>
+          <a:fillRef idx="1">
+            <a:schemeClr val="accent1"/>
+          </a:fillRef>
+          <a:effectRef idx="0">
+            <a:schemeClr val="accent1"/>
+          </a:effectRef>
+          <a:fontRef idx="minor">
+            <a:schemeClr val="lt1"/>
+          </a:fontRef>
+        </p:style>
+        <p:txBody>
+          <a:bodyPr rtlCol="0" anchor="ctr"/>
+          <a:lstStyle/>
+          <a:p>
+            <a:pPr algn="ctr"/>
+            <a:endParaRPr lang="en-US"/>
+          </a:p>
+        </p:txBody>
+      </p:sp>
+      <p:sp>
+        <p:nvSpPr>
+          <p:cNvPr id="33" name="TextBox 32">
+            <a:extLst>
+              <a:ext uri="{FF2B5EF4-FFF2-40B4-BE49-F238E27FC236}">
+                <a16:creationId xmlns:a16="http://schemas.microsoft.com/office/drawing/2014/main" id="{275263C0-644D-727A-0E23-64A5BE250084}"/>
+              </a:ext>
+            </a:extLst>
+          </p:cNvPr>
+          <p:cNvSpPr txBox="1"/>
+          <p:nvPr/>
+        </p:nvSpPr>
+        <p:spPr>
+          <a:xfrm>
+            <a:off x="10461682" y="5087949"/>
+            <a:ext cx="1645387" cy="461665"/>
+          </a:xfrm>
+          <a:prstGeom prst="rect">
+            <a:avLst/>
+          </a:prstGeom>
+          <a:noFill/>
+        </p:spPr>
+        <p:txBody>
+          <a:bodyPr wrap="none" rtlCol="0">
+            <a:spAutoFit/>
+          </a:bodyPr>
+          <a:lstStyle/>
           <a:p>
             <a:r>
-              <a:rPr lang="en-US" dirty="0"/>
-              <a:t>Quarantine</a:t>
+              <a:rPr lang="en-US" sz="2400" b="1" dirty="0"/>
+              <a:t>Susceptible</a:t>
             </a:r>
           </a:p>
+        </p:txBody>
+      </p:sp>
+      <p:sp>
+        <p:nvSpPr>
+          <p:cNvPr id="34" name="Oval 33">
+            <a:extLst>
+              <a:ext uri="{FF2B5EF4-FFF2-40B4-BE49-F238E27FC236}">
+                <a16:creationId xmlns:a16="http://schemas.microsoft.com/office/drawing/2014/main" id="{61B453E1-148E-7405-92F3-B08C1CEC7849}"/>
+              </a:ext>
+            </a:extLst>
+          </p:cNvPr>
+          <p:cNvSpPr/>
+          <p:nvPr/>
+        </p:nvSpPr>
+        <p:spPr>
+          <a:xfrm>
+            <a:off x="9951959" y="5718212"/>
+            <a:ext cx="435935" cy="438912"/>
+          </a:xfrm>
+          <a:prstGeom prst="ellipse">
+            <a:avLst/>
+          </a:prstGeom>
+          <a:solidFill>
+            <a:srgbClr val="FF0000"/>
+          </a:solidFill>
+          <a:ln>
+            <a:solidFill>
+              <a:schemeClr val="tx1"/>
+            </a:solidFill>
+          </a:ln>
+        </p:spPr>
+        <p:style>
+          <a:lnRef idx="2">
+            <a:schemeClr val="accent1">
+              <a:shade val="50000"/>
+            </a:schemeClr>
+          </a:lnRef>
+          <a:fillRef idx="1">
+            <a:schemeClr val="accent1"/>
+          </a:fillRef>
+          <a:effectRef idx="0">
+            <a:schemeClr val="accent1"/>
+          </a:effectRef>
+          <a:fontRef idx="minor">
+            <a:schemeClr val="lt1"/>
+          </a:fontRef>
+        </p:style>
+        <p:txBody>
+          <a:bodyPr rtlCol="0" anchor="ctr"/>
+          <a:lstStyle/>
+          <a:p>
+            <a:pPr algn="ctr"/>
+            <a:endParaRPr lang="en-US"/>
+          </a:p>
+        </p:txBody>
+      </p:sp>
+      <p:sp>
+        <p:nvSpPr>
+          <p:cNvPr id="35" name="TextBox 34">
+            <a:extLst>
+              <a:ext uri="{FF2B5EF4-FFF2-40B4-BE49-F238E27FC236}">
+                <a16:creationId xmlns:a16="http://schemas.microsoft.com/office/drawing/2014/main" id="{A35EDABA-9282-9CDB-8423-D6B66B3517EB}"/>
+              </a:ext>
+            </a:extLst>
+          </p:cNvPr>
+          <p:cNvSpPr txBox="1"/>
+          <p:nvPr/>
+        </p:nvSpPr>
+        <p:spPr>
+          <a:xfrm>
+            <a:off x="10438951" y="5695459"/>
+            <a:ext cx="1230209" cy="461665"/>
+          </a:xfrm>
+          <a:prstGeom prst="rect">
+            <a:avLst/>
+          </a:prstGeom>
+          <a:noFill/>
+        </p:spPr>
+        <p:txBody>
+          <a:bodyPr wrap="none" rtlCol="0">
+            <a:spAutoFit/>
+          </a:bodyPr>
+          <a:lstStyle/>
           <a:p>
             <a:r>
-              <a:rPr lang="en-US" dirty="0"/>
-              <a:t>Social distancing</a:t>
+              <a:rPr lang="en-US" sz="2400" b="1" dirty="0"/>
+              <a:t>Infected</a:t>
             </a:r>
           </a:p>
-          <a:p>
-            <a:r>
-              <a:rPr lang="en-US" dirty="0"/>
-              <a:t>Culling</a:t>
-            </a:r>
-          </a:p>
-          <a:p>
-            <a:endParaRPr lang="en-US" dirty="0"/>
-          </a:p>
-          <a:p>
-            <a:endParaRPr lang="en-US" dirty="0"/>
-          </a:p>
-          <a:p>
-            <a:pPr marL="0" indent="0">
-              <a:buNone/>
-            </a:pPr>
-            <a:r>
-              <a:rPr lang="en-US" dirty="0"/>
-              <a:t>Ask students to break into groups and expand on the SIR model we drew to incorporate each of the control strategies (except perhaps social distancing, which might just be a lower beta). </a:t>
-            </a:r>
-          </a:p>
-          <a:p>
-            <a:pPr marL="0" indent="0">
-              <a:buNone/>
-            </a:pPr>
-            <a:endParaRPr lang="en-US" dirty="0"/>
-          </a:p>
-        </p:txBody>
-      </p:sp>
+        </p:txBody>
+      </p:sp>
+      <p:sp>
+        <p:nvSpPr>
+          <p:cNvPr id="38" name="Oval 37">
+            <a:extLst>
+              <a:ext uri="{FF2B5EF4-FFF2-40B4-BE49-F238E27FC236}">
+                <a16:creationId xmlns:a16="http://schemas.microsoft.com/office/drawing/2014/main" id="{64F4DB2F-789E-51EE-EB7B-C891E7CAB4DE}"/>
+              </a:ext>
+            </a:extLst>
+          </p:cNvPr>
+          <p:cNvSpPr/>
+          <p:nvPr/>
+        </p:nvSpPr>
+        <p:spPr>
+          <a:xfrm>
+            <a:off x="9392092" y="3867912"/>
+            <a:ext cx="435935" cy="438912"/>
+          </a:xfrm>
+          <a:prstGeom prst="ellipse">
+            <a:avLst/>
+          </a:prstGeom>
+          <a:solidFill>
+            <a:srgbClr val="00B050"/>
+          </a:solidFill>
+          <a:ln>
+            <a:solidFill>
+              <a:schemeClr val="tx1"/>
+            </a:solidFill>
+          </a:ln>
+        </p:spPr>
+        <p:style>
+          <a:lnRef idx="2">
+            <a:schemeClr val="accent1">
+              <a:shade val="50000"/>
+            </a:schemeClr>
+          </a:lnRef>
+          <a:fillRef idx="1">
+            <a:schemeClr val="accent1"/>
+          </a:fillRef>
+          <a:effectRef idx="0">
+            <a:schemeClr val="accent1"/>
+          </a:effectRef>
+          <a:fontRef idx="minor">
+            <a:schemeClr val="lt1"/>
+          </a:fontRef>
+        </p:style>
+        <p:txBody>
+          <a:bodyPr rtlCol="0" anchor="ctr"/>
+          <a:lstStyle/>
+          <a:p>
+            <a:pPr algn="ctr"/>
+            <a:endParaRPr lang="en-US"/>
+          </a:p>
+        </p:txBody>
+      </p:sp>
+      <p:sp>
+        <p:nvSpPr>
+          <p:cNvPr id="39" name="Oval 38">
+            <a:extLst>
+              <a:ext uri="{FF2B5EF4-FFF2-40B4-BE49-F238E27FC236}">
+                <a16:creationId xmlns:a16="http://schemas.microsoft.com/office/drawing/2014/main" id="{FF1B57FD-FCB2-85F6-D9B7-5C913614B67F}"/>
+              </a:ext>
+            </a:extLst>
+          </p:cNvPr>
+          <p:cNvSpPr/>
+          <p:nvPr/>
+        </p:nvSpPr>
+        <p:spPr>
+          <a:xfrm>
+            <a:off x="8683862" y="5202596"/>
+            <a:ext cx="435935" cy="438912"/>
+          </a:xfrm>
+          <a:prstGeom prst="ellipse">
+            <a:avLst/>
+          </a:prstGeom>
+          <a:solidFill>
+            <a:srgbClr val="00B050"/>
+          </a:solidFill>
+          <a:ln>
+            <a:solidFill>
+              <a:schemeClr val="tx1"/>
+            </a:solidFill>
+          </a:ln>
+        </p:spPr>
+        <p:style>
+          <a:lnRef idx="2">
+            <a:schemeClr val="accent1">
+              <a:shade val="50000"/>
+            </a:schemeClr>
+          </a:lnRef>
+          <a:fillRef idx="1">
+            <a:schemeClr val="accent1"/>
+          </a:fillRef>
+          <a:effectRef idx="0">
+            <a:schemeClr val="accent1"/>
+          </a:effectRef>
+          <a:fontRef idx="minor">
+            <a:schemeClr val="lt1"/>
+          </a:fontRef>
+        </p:style>
+        <p:txBody>
+          <a:bodyPr rtlCol="0" anchor="ctr"/>
+          <a:lstStyle/>
+          <a:p>
+            <a:pPr algn="ctr"/>
+            <a:endParaRPr lang="en-US"/>
+          </a:p>
+        </p:txBody>
+      </p:sp>
+      <p:cxnSp>
+        <p:nvCxnSpPr>
+          <p:cNvPr id="41" name="Straight Connector 40">
+            <a:extLst>
+              <a:ext uri="{FF2B5EF4-FFF2-40B4-BE49-F238E27FC236}">
+                <a16:creationId xmlns:a16="http://schemas.microsoft.com/office/drawing/2014/main" id="{B4A5564E-938D-DA6C-B2BB-410907597139}"/>
+              </a:ext>
+            </a:extLst>
+          </p:cNvPr>
+          <p:cNvCxnSpPr>
+            <a:cxnSpLocks/>
+          </p:cNvCxnSpPr>
+          <p:nvPr/>
+        </p:nvCxnSpPr>
+        <p:spPr>
+          <a:xfrm>
+            <a:off x="9701213" y="4943475"/>
+            <a:ext cx="0" cy="2044711"/>
+          </a:xfrm>
+          <a:prstGeom prst="line">
+            <a:avLst/>
+          </a:prstGeom>
+          <a:ln w="38100">
+            <a:solidFill>
+              <a:schemeClr val="tx1"/>
+            </a:solidFill>
+          </a:ln>
+        </p:spPr>
+        <p:style>
+          <a:lnRef idx="1">
+            <a:schemeClr val="accent1"/>
+          </a:lnRef>
+          <a:fillRef idx="0">
+            <a:schemeClr val="accent1"/>
+          </a:fillRef>
+          <a:effectRef idx="0">
+            <a:schemeClr val="accent1"/>
+          </a:effectRef>
+          <a:fontRef idx="minor">
+            <a:schemeClr val="tx1"/>
+          </a:fontRef>
+        </p:style>
+      </p:cxnSp>
+      <p:cxnSp>
+        <p:nvCxnSpPr>
+          <p:cNvPr id="43" name="Straight Connector 42">
+            <a:extLst>
+              <a:ext uri="{FF2B5EF4-FFF2-40B4-BE49-F238E27FC236}">
+                <a16:creationId xmlns:a16="http://schemas.microsoft.com/office/drawing/2014/main" id="{A6215C0C-AE45-F1E8-57D0-597497F589CE}"/>
+              </a:ext>
+            </a:extLst>
+          </p:cNvPr>
+          <p:cNvCxnSpPr>
+            <a:cxnSpLocks/>
+          </p:cNvCxnSpPr>
+          <p:nvPr/>
+        </p:nvCxnSpPr>
+        <p:spPr>
+          <a:xfrm>
+            <a:off x="9701213" y="4943475"/>
+            <a:ext cx="2490787" cy="0"/>
+          </a:xfrm>
+          <a:prstGeom prst="line">
+            <a:avLst/>
+          </a:prstGeom>
+          <a:ln w="38100">
+            <a:solidFill>
+              <a:schemeClr val="tx1"/>
+            </a:solidFill>
+          </a:ln>
+        </p:spPr>
+        <p:style>
+          <a:lnRef idx="1">
+            <a:schemeClr val="accent1"/>
+          </a:lnRef>
+          <a:fillRef idx="0">
+            <a:schemeClr val="accent1"/>
+          </a:fillRef>
+          <a:effectRef idx="0">
+            <a:schemeClr val="accent1"/>
+          </a:effectRef>
+          <a:fontRef idx="minor">
+            <a:schemeClr val="tx1"/>
+          </a:fontRef>
+        </p:style>
+      </p:cxnSp>
     </p:spTree>
     <p:extLst>
       <p:ext uri="{BB962C8B-B14F-4D97-AF65-F5344CB8AC3E}">
-        <p14:creationId xmlns:p14="http://schemas.microsoft.com/office/powerpoint/2010/main" val="2118666061"/>
+        <p14:creationId xmlns:p14="http://schemas.microsoft.com/office/powerpoint/2010/main" val="1275458659"/>
       </p:ext>
     </p:extLst>
   </p:cSld>
@@ -10417,7 +14813,7 @@
           <p:cNvPr id="2" name="Title 1">
             <a:extLst>
               <a:ext uri="{FF2B5EF4-FFF2-40B4-BE49-F238E27FC236}">
-                <a16:creationId xmlns:a16="http://schemas.microsoft.com/office/drawing/2014/main" id="{E3413924-1EAD-049D-FBBD-11C60F3726C2}"/>
+                <a16:creationId xmlns:a16="http://schemas.microsoft.com/office/drawing/2014/main" id="{6F90F815-0651-2A1D-F2D1-A2E1DA14FA31}"/>
               </a:ext>
             </a:extLst>
           </p:cNvPr>
@@ -10428,15 +14824,2014 @@
             <p:ph type="title"/>
           </p:nvPr>
         </p:nvSpPr>
-        <p:spPr/>
+        <p:spPr>
+          <a:xfrm>
+            <a:off x="136451" y="99587"/>
+            <a:ext cx="11314813" cy="942403"/>
+          </a:xfrm>
+        </p:spPr>
         <p:txBody>
           <a:bodyPr/>
           <a:lstStyle/>
           <a:p>
             <a:r>
               <a:rPr lang="en-US" dirty="0"/>
-              <a:t>Let’s build some models in R…</a:t>
+              <a:t>Basic reproduction number (</a:t>
             </a:r>
+            <a:r>
+              <a:rPr lang="en-US" b="1" dirty="0"/>
+              <a:t>R</a:t>
+            </a:r>
+            <a:r>
+              <a:rPr lang="en-US" b="1" baseline="-25000" dirty="0"/>
+              <a:t>0</a:t>
+            </a:r>
+            <a:r>
+              <a:rPr lang="en-US" dirty="0"/>
+              <a:t>) </a:t>
+            </a:r>
+          </a:p>
+        </p:txBody>
+      </p:sp>
+      <p:sp>
+        <p:nvSpPr>
+          <p:cNvPr id="6" name="Oval 5">
+            <a:extLst>
+              <a:ext uri="{FF2B5EF4-FFF2-40B4-BE49-F238E27FC236}">
+                <a16:creationId xmlns:a16="http://schemas.microsoft.com/office/drawing/2014/main" id="{2C2C712F-819E-24CB-6E9C-9B5080C9C929}"/>
+              </a:ext>
+            </a:extLst>
+          </p:cNvPr>
+          <p:cNvSpPr/>
+          <p:nvPr/>
+        </p:nvSpPr>
+        <p:spPr>
+          <a:xfrm>
+            <a:off x="715979" y="1721589"/>
+            <a:ext cx="435935" cy="438912"/>
+          </a:xfrm>
+          <a:prstGeom prst="ellipse">
+            <a:avLst/>
+          </a:prstGeom>
+          <a:solidFill>
+            <a:srgbClr val="00B050"/>
+          </a:solidFill>
+          <a:ln>
+            <a:solidFill>
+              <a:schemeClr val="tx1"/>
+            </a:solidFill>
+          </a:ln>
+        </p:spPr>
+        <p:style>
+          <a:lnRef idx="2">
+            <a:schemeClr val="accent1">
+              <a:shade val="50000"/>
+            </a:schemeClr>
+          </a:lnRef>
+          <a:fillRef idx="1">
+            <a:schemeClr val="accent1"/>
+          </a:fillRef>
+          <a:effectRef idx="0">
+            <a:schemeClr val="accent1"/>
+          </a:effectRef>
+          <a:fontRef idx="minor">
+            <a:schemeClr val="lt1"/>
+          </a:fontRef>
+        </p:style>
+        <p:txBody>
+          <a:bodyPr rtlCol="0" anchor="ctr"/>
+          <a:lstStyle/>
+          <a:p>
+            <a:pPr algn="ctr"/>
+            <a:endParaRPr lang="en-US"/>
+          </a:p>
+        </p:txBody>
+      </p:sp>
+      <p:sp>
+        <p:nvSpPr>
+          <p:cNvPr id="7" name="Oval 6">
+            <a:extLst>
+              <a:ext uri="{FF2B5EF4-FFF2-40B4-BE49-F238E27FC236}">
+                <a16:creationId xmlns:a16="http://schemas.microsoft.com/office/drawing/2014/main" id="{A7F3EE1E-5F43-7316-965C-D951966356D2}"/>
+              </a:ext>
+            </a:extLst>
+          </p:cNvPr>
+          <p:cNvSpPr/>
+          <p:nvPr/>
+        </p:nvSpPr>
+        <p:spPr>
+          <a:xfrm>
+            <a:off x="577368" y="3022581"/>
+            <a:ext cx="435935" cy="438912"/>
+          </a:xfrm>
+          <a:prstGeom prst="ellipse">
+            <a:avLst/>
+          </a:prstGeom>
+          <a:solidFill>
+            <a:srgbClr val="00B050"/>
+          </a:solidFill>
+          <a:ln>
+            <a:solidFill>
+              <a:schemeClr val="tx1"/>
+            </a:solidFill>
+          </a:ln>
+        </p:spPr>
+        <p:style>
+          <a:lnRef idx="2">
+            <a:schemeClr val="accent1">
+              <a:shade val="50000"/>
+            </a:schemeClr>
+          </a:lnRef>
+          <a:fillRef idx="1">
+            <a:schemeClr val="accent1"/>
+          </a:fillRef>
+          <a:effectRef idx="0">
+            <a:schemeClr val="accent1"/>
+          </a:effectRef>
+          <a:fontRef idx="minor">
+            <a:schemeClr val="lt1"/>
+          </a:fontRef>
+        </p:style>
+        <p:txBody>
+          <a:bodyPr rtlCol="0" anchor="ctr"/>
+          <a:lstStyle/>
+          <a:p>
+            <a:pPr algn="ctr"/>
+            <a:endParaRPr lang="en-US"/>
+          </a:p>
+        </p:txBody>
+      </p:sp>
+      <p:sp>
+        <p:nvSpPr>
+          <p:cNvPr id="8" name="Oval 7">
+            <a:extLst>
+              <a:ext uri="{FF2B5EF4-FFF2-40B4-BE49-F238E27FC236}">
+                <a16:creationId xmlns:a16="http://schemas.microsoft.com/office/drawing/2014/main" id="{5AA9AB3A-39C4-100E-39AE-804A21A0B304}"/>
+              </a:ext>
+            </a:extLst>
+          </p:cNvPr>
+          <p:cNvSpPr/>
+          <p:nvPr/>
+        </p:nvSpPr>
+        <p:spPr>
+          <a:xfrm>
+            <a:off x="1912808" y="2038191"/>
+            <a:ext cx="435935" cy="438912"/>
+          </a:xfrm>
+          <a:prstGeom prst="ellipse">
+            <a:avLst/>
+          </a:prstGeom>
+          <a:solidFill>
+            <a:srgbClr val="00B050"/>
+          </a:solidFill>
+          <a:ln>
+            <a:solidFill>
+              <a:schemeClr val="tx1"/>
+            </a:solidFill>
+          </a:ln>
+        </p:spPr>
+        <p:style>
+          <a:lnRef idx="2">
+            <a:schemeClr val="accent1">
+              <a:shade val="50000"/>
+            </a:schemeClr>
+          </a:lnRef>
+          <a:fillRef idx="1">
+            <a:schemeClr val="accent1"/>
+          </a:fillRef>
+          <a:effectRef idx="0">
+            <a:schemeClr val="accent1"/>
+          </a:effectRef>
+          <a:fontRef idx="minor">
+            <a:schemeClr val="lt1"/>
+          </a:fontRef>
+        </p:style>
+        <p:txBody>
+          <a:bodyPr rtlCol="0" anchor="ctr"/>
+          <a:lstStyle/>
+          <a:p>
+            <a:pPr algn="ctr"/>
+            <a:endParaRPr lang="en-US"/>
+          </a:p>
+        </p:txBody>
+      </p:sp>
+      <p:sp>
+        <p:nvSpPr>
+          <p:cNvPr id="9" name="Oval 8">
+            <a:extLst>
+              <a:ext uri="{FF2B5EF4-FFF2-40B4-BE49-F238E27FC236}">
+                <a16:creationId xmlns:a16="http://schemas.microsoft.com/office/drawing/2014/main" id="{DC6424B1-43F2-0FFB-5037-D887308E0034}"/>
+              </a:ext>
+            </a:extLst>
+          </p:cNvPr>
+          <p:cNvSpPr/>
+          <p:nvPr/>
+        </p:nvSpPr>
+        <p:spPr>
+          <a:xfrm>
+            <a:off x="2334288" y="3429000"/>
+            <a:ext cx="435935" cy="438912"/>
+          </a:xfrm>
+          <a:prstGeom prst="ellipse">
+            <a:avLst/>
+          </a:prstGeom>
+          <a:solidFill>
+            <a:srgbClr val="00B050"/>
+          </a:solidFill>
+          <a:ln>
+            <a:solidFill>
+              <a:schemeClr val="tx1"/>
+            </a:solidFill>
+          </a:ln>
+        </p:spPr>
+        <p:style>
+          <a:lnRef idx="2">
+            <a:schemeClr val="accent1">
+              <a:shade val="50000"/>
+            </a:schemeClr>
+          </a:lnRef>
+          <a:fillRef idx="1">
+            <a:schemeClr val="accent1"/>
+          </a:fillRef>
+          <a:effectRef idx="0">
+            <a:schemeClr val="accent1"/>
+          </a:effectRef>
+          <a:fontRef idx="minor">
+            <a:schemeClr val="lt1"/>
+          </a:fontRef>
+        </p:style>
+        <p:txBody>
+          <a:bodyPr rtlCol="0" anchor="ctr"/>
+          <a:lstStyle/>
+          <a:p>
+            <a:pPr algn="ctr"/>
+            <a:endParaRPr lang="en-US"/>
+          </a:p>
+        </p:txBody>
+      </p:sp>
+      <p:sp>
+        <p:nvSpPr>
+          <p:cNvPr id="10" name="Oval 9">
+            <a:extLst>
+              <a:ext uri="{FF2B5EF4-FFF2-40B4-BE49-F238E27FC236}">
+                <a16:creationId xmlns:a16="http://schemas.microsoft.com/office/drawing/2014/main" id="{41E5B715-3E62-9BA5-2DED-1B6031EE2F08}"/>
+              </a:ext>
+            </a:extLst>
+          </p:cNvPr>
+          <p:cNvSpPr/>
+          <p:nvPr/>
+        </p:nvSpPr>
+        <p:spPr>
+          <a:xfrm>
+            <a:off x="2905676" y="4763684"/>
+            <a:ext cx="435935" cy="438912"/>
+          </a:xfrm>
+          <a:prstGeom prst="ellipse">
+            <a:avLst/>
+          </a:prstGeom>
+          <a:solidFill>
+            <a:srgbClr val="00B050"/>
+          </a:solidFill>
+          <a:ln>
+            <a:solidFill>
+              <a:schemeClr val="tx1"/>
+            </a:solidFill>
+          </a:ln>
+        </p:spPr>
+        <p:style>
+          <a:lnRef idx="2">
+            <a:schemeClr val="accent1">
+              <a:shade val="50000"/>
+            </a:schemeClr>
+          </a:lnRef>
+          <a:fillRef idx="1">
+            <a:schemeClr val="accent1"/>
+          </a:fillRef>
+          <a:effectRef idx="0">
+            <a:schemeClr val="accent1"/>
+          </a:effectRef>
+          <a:fontRef idx="minor">
+            <a:schemeClr val="lt1"/>
+          </a:fontRef>
+        </p:style>
+        <p:txBody>
+          <a:bodyPr rtlCol="0" anchor="ctr"/>
+          <a:lstStyle/>
+          <a:p>
+            <a:pPr algn="ctr"/>
+            <a:endParaRPr lang="en-US"/>
+          </a:p>
+        </p:txBody>
+      </p:sp>
+      <p:sp>
+        <p:nvSpPr>
+          <p:cNvPr id="11" name="Oval 10">
+            <a:extLst>
+              <a:ext uri="{FF2B5EF4-FFF2-40B4-BE49-F238E27FC236}">
+                <a16:creationId xmlns:a16="http://schemas.microsoft.com/office/drawing/2014/main" id="{6A3BDCC3-0A78-88D1-3140-867A493CD598}"/>
+              </a:ext>
+            </a:extLst>
+          </p:cNvPr>
+          <p:cNvSpPr/>
+          <p:nvPr/>
+        </p:nvSpPr>
+        <p:spPr>
+          <a:xfrm>
+            <a:off x="6755551" y="4831600"/>
+            <a:ext cx="435935" cy="438912"/>
+          </a:xfrm>
+          <a:prstGeom prst="ellipse">
+            <a:avLst/>
+          </a:prstGeom>
+          <a:solidFill>
+            <a:srgbClr val="00B050"/>
+          </a:solidFill>
+          <a:ln>
+            <a:solidFill>
+              <a:schemeClr val="tx1"/>
+            </a:solidFill>
+          </a:ln>
+        </p:spPr>
+        <p:style>
+          <a:lnRef idx="2">
+            <a:schemeClr val="accent1">
+              <a:shade val="50000"/>
+            </a:schemeClr>
+          </a:lnRef>
+          <a:fillRef idx="1">
+            <a:schemeClr val="accent1"/>
+          </a:fillRef>
+          <a:effectRef idx="0">
+            <a:schemeClr val="accent1"/>
+          </a:effectRef>
+          <a:fontRef idx="minor">
+            <a:schemeClr val="lt1"/>
+          </a:fontRef>
+        </p:style>
+        <p:txBody>
+          <a:bodyPr rtlCol="0" anchor="ctr"/>
+          <a:lstStyle/>
+          <a:p>
+            <a:pPr algn="ctr"/>
+            <a:endParaRPr lang="en-US"/>
+          </a:p>
+        </p:txBody>
+      </p:sp>
+      <p:sp>
+        <p:nvSpPr>
+          <p:cNvPr id="12" name="Oval 11">
+            <a:extLst>
+              <a:ext uri="{FF2B5EF4-FFF2-40B4-BE49-F238E27FC236}">
+                <a16:creationId xmlns:a16="http://schemas.microsoft.com/office/drawing/2014/main" id="{59954C57-CD59-C8D8-6A19-DA7012F5ADB0}"/>
+              </a:ext>
+            </a:extLst>
+          </p:cNvPr>
+          <p:cNvSpPr/>
+          <p:nvPr/>
+        </p:nvSpPr>
+        <p:spPr>
+          <a:xfrm>
+            <a:off x="5672524" y="5498756"/>
+            <a:ext cx="435935" cy="438912"/>
+          </a:xfrm>
+          <a:prstGeom prst="ellipse">
+            <a:avLst/>
+          </a:prstGeom>
+          <a:solidFill>
+            <a:srgbClr val="00B050"/>
+          </a:solidFill>
+          <a:ln>
+            <a:solidFill>
+              <a:schemeClr val="tx1"/>
+            </a:solidFill>
+          </a:ln>
+        </p:spPr>
+        <p:style>
+          <a:lnRef idx="2">
+            <a:schemeClr val="accent1">
+              <a:shade val="50000"/>
+            </a:schemeClr>
+          </a:lnRef>
+          <a:fillRef idx="1">
+            <a:schemeClr val="accent1"/>
+          </a:fillRef>
+          <a:effectRef idx="0">
+            <a:schemeClr val="accent1"/>
+          </a:effectRef>
+          <a:fontRef idx="minor">
+            <a:schemeClr val="lt1"/>
+          </a:fontRef>
+        </p:style>
+        <p:txBody>
+          <a:bodyPr rtlCol="0" anchor="ctr"/>
+          <a:lstStyle/>
+          <a:p>
+            <a:pPr algn="ctr"/>
+            <a:endParaRPr lang="en-US"/>
+          </a:p>
+        </p:txBody>
+      </p:sp>
+      <p:sp>
+        <p:nvSpPr>
+          <p:cNvPr id="13" name="Oval 12">
+            <a:extLst>
+              <a:ext uri="{FF2B5EF4-FFF2-40B4-BE49-F238E27FC236}">
+                <a16:creationId xmlns:a16="http://schemas.microsoft.com/office/drawing/2014/main" id="{DF8FCC7B-4FB4-3613-8A11-47FF3BD9B040}"/>
+              </a:ext>
+            </a:extLst>
+          </p:cNvPr>
+          <p:cNvSpPr/>
+          <p:nvPr/>
+        </p:nvSpPr>
+        <p:spPr>
+          <a:xfrm>
+            <a:off x="7600062" y="5442085"/>
+            <a:ext cx="435935" cy="438912"/>
+          </a:xfrm>
+          <a:prstGeom prst="ellipse">
+            <a:avLst/>
+          </a:prstGeom>
+          <a:solidFill>
+            <a:srgbClr val="00B050"/>
+          </a:solidFill>
+          <a:ln>
+            <a:solidFill>
+              <a:schemeClr val="tx1"/>
+            </a:solidFill>
+          </a:ln>
+        </p:spPr>
+        <p:style>
+          <a:lnRef idx="2">
+            <a:schemeClr val="accent1">
+              <a:shade val="50000"/>
+            </a:schemeClr>
+          </a:lnRef>
+          <a:fillRef idx="1">
+            <a:schemeClr val="accent1"/>
+          </a:fillRef>
+          <a:effectRef idx="0">
+            <a:schemeClr val="accent1"/>
+          </a:effectRef>
+          <a:fontRef idx="minor">
+            <a:schemeClr val="lt1"/>
+          </a:fontRef>
+        </p:style>
+        <p:txBody>
+          <a:bodyPr rtlCol="0" anchor="ctr"/>
+          <a:lstStyle/>
+          <a:p>
+            <a:pPr algn="ctr"/>
+            <a:endParaRPr lang="en-US"/>
+          </a:p>
+        </p:txBody>
+      </p:sp>
+      <p:sp>
+        <p:nvSpPr>
+          <p:cNvPr id="14" name="Oval 13">
+            <a:extLst>
+              <a:ext uri="{FF2B5EF4-FFF2-40B4-BE49-F238E27FC236}">
+                <a16:creationId xmlns:a16="http://schemas.microsoft.com/office/drawing/2014/main" id="{6DE410F4-634F-F820-1D3B-1350BC06F3BA}"/>
+              </a:ext>
+            </a:extLst>
+          </p:cNvPr>
+          <p:cNvSpPr/>
+          <p:nvPr/>
+        </p:nvSpPr>
+        <p:spPr>
+          <a:xfrm>
+            <a:off x="5139954" y="4681168"/>
+            <a:ext cx="435935" cy="438912"/>
+          </a:xfrm>
+          <a:prstGeom prst="ellipse">
+            <a:avLst/>
+          </a:prstGeom>
+          <a:solidFill>
+            <a:srgbClr val="00B050"/>
+          </a:solidFill>
+          <a:ln>
+            <a:solidFill>
+              <a:schemeClr val="tx1"/>
+            </a:solidFill>
+          </a:ln>
+        </p:spPr>
+        <p:style>
+          <a:lnRef idx="2">
+            <a:schemeClr val="accent1">
+              <a:shade val="50000"/>
+            </a:schemeClr>
+          </a:lnRef>
+          <a:fillRef idx="1">
+            <a:schemeClr val="accent1"/>
+          </a:fillRef>
+          <a:effectRef idx="0">
+            <a:schemeClr val="accent1"/>
+          </a:effectRef>
+          <a:fontRef idx="minor">
+            <a:schemeClr val="lt1"/>
+          </a:fontRef>
+        </p:style>
+        <p:txBody>
+          <a:bodyPr rtlCol="0" anchor="ctr"/>
+          <a:lstStyle/>
+          <a:p>
+            <a:pPr algn="ctr"/>
+            <a:endParaRPr lang="en-US"/>
+          </a:p>
+        </p:txBody>
+      </p:sp>
+      <p:sp>
+        <p:nvSpPr>
+          <p:cNvPr id="15" name="Oval 14">
+            <a:extLst>
+              <a:ext uri="{FF2B5EF4-FFF2-40B4-BE49-F238E27FC236}">
+                <a16:creationId xmlns:a16="http://schemas.microsoft.com/office/drawing/2014/main" id="{30F28C99-E87A-E375-0883-4934E30862F1}"/>
+              </a:ext>
+            </a:extLst>
+          </p:cNvPr>
+          <p:cNvSpPr/>
+          <p:nvPr/>
+        </p:nvSpPr>
+        <p:spPr>
+          <a:xfrm>
+            <a:off x="9951960" y="5120080"/>
+            <a:ext cx="435935" cy="438912"/>
+          </a:xfrm>
+          <a:prstGeom prst="ellipse">
+            <a:avLst/>
+          </a:prstGeom>
+          <a:solidFill>
+            <a:srgbClr val="00B050"/>
+          </a:solidFill>
+          <a:ln>
+            <a:solidFill>
+              <a:schemeClr val="tx1"/>
+            </a:solidFill>
+          </a:ln>
+        </p:spPr>
+        <p:style>
+          <a:lnRef idx="2">
+            <a:schemeClr val="accent1">
+              <a:shade val="50000"/>
+            </a:schemeClr>
+          </a:lnRef>
+          <a:fillRef idx="1">
+            <a:schemeClr val="accent1"/>
+          </a:fillRef>
+          <a:effectRef idx="0">
+            <a:schemeClr val="accent1"/>
+          </a:effectRef>
+          <a:fontRef idx="minor">
+            <a:schemeClr val="lt1"/>
+          </a:fontRef>
+        </p:style>
+        <p:txBody>
+          <a:bodyPr rtlCol="0" anchor="ctr"/>
+          <a:lstStyle/>
+          <a:p>
+            <a:pPr algn="ctr"/>
+            <a:endParaRPr lang="en-US"/>
+          </a:p>
+        </p:txBody>
+      </p:sp>
+      <p:sp>
+        <p:nvSpPr>
+          <p:cNvPr id="16" name="Oval 15">
+            <a:extLst>
+              <a:ext uri="{FF2B5EF4-FFF2-40B4-BE49-F238E27FC236}">
+                <a16:creationId xmlns:a16="http://schemas.microsoft.com/office/drawing/2014/main" id="{B142A4B6-3B0A-6DC4-B42D-091A84111D75}"/>
+              </a:ext>
+            </a:extLst>
+          </p:cNvPr>
+          <p:cNvSpPr/>
+          <p:nvPr/>
+        </p:nvSpPr>
+        <p:spPr>
+          <a:xfrm>
+            <a:off x="10402183" y="2896806"/>
+            <a:ext cx="435935" cy="438912"/>
+          </a:xfrm>
+          <a:prstGeom prst="ellipse">
+            <a:avLst/>
+          </a:prstGeom>
+          <a:solidFill>
+            <a:srgbClr val="00B050"/>
+          </a:solidFill>
+          <a:ln>
+            <a:solidFill>
+              <a:schemeClr val="tx1"/>
+            </a:solidFill>
+          </a:ln>
+        </p:spPr>
+        <p:style>
+          <a:lnRef idx="2">
+            <a:schemeClr val="accent1">
+              <a:shade val="50000"/>
+            </a:schemeClr>
+          </a:lnRef>
+          <a:fillRef idx="1">
+            <a:schemeClr val="accent1"/>
+          </a:fillRef>
+          <a:effectRef idx="0">
+            <a:schemeClr val="accent1"/>
+          </a:effectRef>
+          <a:fontRef idx="minor">
+            <a:schemeClr val="lt1"/>
+          </a:fontRef>
+        </p:style>
+        <p:txBody>
+          <a:bodyPr rtlCol="0" anchor="ctr"/>
+          <a:lstStyle/>
+          <a:p>
+            <a:pPr algn="ctr"/>
+            <a:endParaRPr lang="en-US"/>
+          </a:p>
+        </p:txBody>
+      </p:sp>
+      <p:sp>
+        <p:nvSpPr>
+          <p:cNvPr id="17" name="Oval 16">
+            <a:extLst>
+              <a:ext uri="{FF2B5EF4-FFF2-40B4-BE49-F238E27FC236}">
+                <a16:creationId xmlns:a16="http://schemas.microsoft.com/office/drawing/2014/main" id="{E69A07E0-196B-3F67-0DBF-E470513BB469}"/>
+              </a:ext>
+            </a:extLst>
+          </p:cNvPr>
+          <p:cNvSpPr/>
+          <p:nvPr/>
+        </p:nvSpPr>
+        <p:spPr>
+          <a:xfrm>
+            <a:off x="6326482" y="3739006"/>
+            <a:ext cx="435935" cy="438912"/>
+          </a:xfrm>
+          <a:prstGeom prst="ellipse">
+            <a:avLst/>
+          </a:prstGeom>
+          <a:solidFill>
+            <a:srgbClr val="00B050"/>
+          </a:solidFill>
+          <a:ln>
+            <a:solidFill>
+              <a:schemeClr val="tx1"/>
+            </a:solidFill>
+          </a:ln>
+        </p:spPr>
+        <p:style>
+          <a:lnRef idx="2">
+            <a:schemeClr val="accent1">
+              <a:shade val="50000"/>
+            </a:schemeClr>
+          </a:lnRef>
+          <a:fillRef idx="1">
+            <a:schemeClr val="accent1"/>
+          </a:fillRef>
+          <a:effectRef idx="0">
+            <a:schemeClr val="accent1"/>
+          </a:effectRef>
+          <a:fontRef idx="minor">
+            <a:schemeClr val="lt1"/>
+          </a:fontRef>
+        </p:style>
+        <p:txBody>
+          <a:bodyPr rtlCol="0" anchor="ctr"/>
+          <a:lstStyle/>
+          <a:p>
+            <a:pPr algn="ctr"/>
+            <a:endParaRPr lang="en-US"/>
+          </a:p>
+        </p:txBody>
+      </p:sp>
+      <p:sp>
+        <p:nvSpPr>
+          <p:cNvPr id="18" name="Oval 17">
+            <a:extLst>
+              <a:ext uri="{FF2B5EF4-FFF2-40B4-BE49-F238E27FC236}">
+                <a16:creationId xmlns:a16="http://schemas.microsoft.com/office/drawing/2014/main" id="{B1656C7E-6B0C-FDE5-3215-23D08D9C0CE0}"/>
+              </a:ext>
+            </a:extLst>
+          </p:cNvPr>
+          <p:cNvSpPr/>
+          <p:nvPr/>
+        </p:nvSpPr>
+        <p:spPr>
+          <a:xfrm>
+            <a:off x="3460786" y="5822767"/>
+            <a:ext cx="435935" cy="438912"/>
+          </a:xfrm>
+          <a:prstGeom prst="ellipse">
+            <a:avLst/>
+          </a:prstGeom>
+          <a:solidFill>
+            <a:srgbClr val="00B050"/>
+          </a:solidFill>
+          <a:ln>
+            <a:solidFill>
+              <a:schemeClr val="tx1"/>
+            </a:solidFill>
+          </a:ln>
+        </p:spPr>
+        <p:style>
+          <a:lnRef idx="2">
+            <a:schemeClr val="accent1">
+              <a:shade val="50000"/>
+            </a:schemeClr>
+          </a:lnRef>
+          <a:fillRef idx="1">
+            <a:schemeClr val="accent1"/>
+          </a:fillRef>
+          <a:effectRef idx="0">
+            <a:schemeClr val="accent1"/>
+          </a:effectRef>
+          <a:fontRef idx="minor">
+            <a:schemeClr val="lt1"/>
+          </a:fontRef>
+        </p:style>
+        <p:txBody>
+          <a:bodyPr rtlCol="0" anchor="ctr"/>
+          <a:lstStyle/>
+          <a:p>
+            <a:pPr algn="ctr"/>
+            <a:endParaRPr lang="en-US"/>
+          </a:p>
+        </p:txBody>
+      </p:sp>
+      <p:sp>
+        <p:nvSpPr>
+          <p:cNvPr id="19" name="Oval 18">
+            <a:extLst>
+              <a:ext uri="{FF2B5EF4-FFF2-40B4-BE49-F238E27FC236}">
+                <a16:creationId xmlns:a16="http://schemas.microsoft.com/office/drawing/2014/main" id="{2D90D85D-611E-10F5-A272-67AA8A189C35}"/>
+              </a:ext>
+            </a:extLst>
+          </p:cNvPr>
+          <p:cNvSpPr/>
+          <p:nvPr/>
+        </p:nvSpPr>
+        <p:spPr>
+          <a:xfrm>
+            <a:off x="3991972" y="3586447"/>
+            <a:ext cx="435935" cy="438912"/>
+          </a:xfrm>
+          <a:prstGeom prst="ellipse">
+            <a:avLst/>
+          </a:prstGeom>
+          <a:solidFill>
+            <a:srgbClr val="FF0000"/>
+          </a:solidFill>
+          <a:ln>
+            <a:solidFill>
+              <a:schemeClr val="tx1"/>
+            </a:solidFill>
+          </a:ln>
+        </p:spPr>
+        <p:style>
+          <a:lnRef idx="2">
+            <a:schemeClr val="accent1">
+              <a:shade val="50000"/>
+            </a:schemeClr>
+          </a:lnRef>
+          <a:fillRef idx="1">
+            <a:schemeClr val="accent1"/>
+          </a:fillRef>
+          <a:effectRef idx="0">
+            <a:schemeClr val="accent1"/>
+          </a:effectRef>
+          <a:fontRef idx="minor">
+            <a:schemeClr val="lt1"/>
+          </a:fontRef>
+        </p:style>
+        <p:txBody>
+          <a:bodyPr rtlCol="0" anchor="ctr"/>
+          <a:lstStyle/>
+          <a:p>
+            <a:pPr algn="ctr"/>
+            <a:endParaRPr lang="en-US"/>
+          </a:p>
+        </p:txBody>
+      </p:sp>
+      <p:sp>
+        <p:nvSpPr>
+          <p:cNvPr id="20" name="Oval 19">
+            <a:extLst>
+              <a:ext uri="{FF2B5EF4-FFF2-40B4-BE49-F238E27FC236}">
+                <a16:creationId xmlns:a16="http://schemas.microsoft.com/office/drawing/2014/main" id="{52D35E99-B48D-3098-C518-F93708DF92A4}"/>
+              </a:ext>
+            </a:extLst>
+          </p:cNvPr>
+          <p:cNvSpPr/>
+          <p:nvPr/>
+        </p:nvSpPr>
+        <p:spPr>
+          <a:xfrm>
+            <a:off x="3174870" y="2211345"/>
+            <a:ext cx="435935" cy="438912"/>
+          </a:xfrm>
+          <a:prstGeom prst="ellipse">
+            <a:avLst/>
+          </a:prstGeom>
+          <a:solidFill>
+            <a:srgbClr val="00B050"/>
+          </a:solidFill>
+          <a:ln>
+            <a:solidFill>
+              <a:schemeClr val="tx1"/>
+            </a:solidFill>
+          </a:ln>
+        </p:spPr>
+        <p:style>
+          <a:lnRef idx="2">
+            <a:schemeClr val="accent1">
+              <a:shade val="50000"/>
+            </a:schemeClr>
+          </a:lnRef>
+          <a:fillRef idx="1">
+            <a:schemeClr val="accent1"/>
+          </a:fillRef>
+          <a:effectRef idx="0">
+            <a:schemeClr val="accent1"/>
+          </a:effectRef>
+          <a:fontRef idx="minor">
+            <a:schemeClr val="lt1"/>
+          </a:fontRef>
+        </p:style>
+        <p:txBody>
+          <a:bodyPr rtlCol="0" anchor="ctr"/>
+          <a:lstStyle/>
+          <a:p>
+            <a:pPr algn="ctr"/>
+            <a:endParaRPr lang="en-US"/>
+          </a:p>
+        </p:txBody>
+      </p:sp>
+      <p:sp>
+        <p:nvSpPr>
+          <p:cNvPr id="21" name="Oval 20">
+            <a:extLst>
+              <a:ext uri="{FF2B5EF4-FFF2-40B4-BE49-F238E27FC236}">
+                <a16:creationId xmlns:a16="http://schemas.microsoft.com/office/drawing/2014/main" id="{C4D82BEA-86B6-D89E-8932-0F77879987EC}"/>
+              </a:ext>
+            </a:extLst>
+          </p:cNvPr>
+          <p:cNvSpPr/>
+          <p:nvPr/>
+        </p:nvSpPr>
+        <p:spPr>
+          <a:xfrm>
+            <a:off x="3003143" y="1435949"/>
+            <a:ext cx="435935" cy="438912"/>
+          </a:xfrm>
+          <a:prstGeom prst="ellipse">
+            <a:avLst/>
+          </a:prstGeom>
+          <a:solidFill>
+            <a:srgbClr val="00B050"/>
+          </a:solidFill>
+          <a:ln>
+            <a:solidFill>
+              <a:schemeClr val="tx1"/>
+            </a:solidFill>
+          </a:ln>
+        </p:spPr>
+        <p:style>
+          <a:lnRef idx="2">
+            <a:schemeClr val="accent1">
+              <a:shade val="50000"/>
+            </a:schemeClr>
+          </a:lnRef>
+          <a:fillRef idx="1">
+            <a:schemeClr val="accent1"/>
+          </a:fillRef>
+          <a:effectRef idx="0">
+            <a:schemeClr val="accent1"/>
+          </a:effectRef>
+          <a:fontRef idx="minor">
+            <a:schemeClr val="lt1"/>
+          </a:fontRef>
+        </p:style>
+        <p:txBody>
+          <a:bodyPr rtlCol="0" anchor="ctr"/>
+          <a:lstStyle/>
+          <a:p>
+            <a:pPr algn="ctr"/>
+            <a:endParaRPr lang="en-US"/>
+          </a:p>
+        </p:txBody>
+      </p:sp>
+      <p:sp>
+        <p:nvSpPr>
+          <p:cNvPr id="22" name="Oval 21">
+            <a:extLst>
+              <a:ext uri="{FF2B5EF4-FFF2-40B4-BE49-F238E27FC236}">
+                <a16:creationId xmlns:a16="http://schemas.microsoft.com/office/drawing/2014/main" id="{6A2AB9F5-9886-2CFD-636E-0BA8F526C715}"/>
+              </a:ext>
+            </a:extLst>
+          </p:cNvPr>
+          <p:cNvSpPr/>
+          <p:nvPr/>
+        </p:nvSpPr>
+        <p:spPr>
+          <a:xfrm>
+            <a:off x="5359139" y="1530596"/>
+            <a:ext cx="435935" cy="438912"/>
+          </a:xfrm>
+          <a:prstGeom prst="ellipse">
+            <a:avLst/>
+          </a:prstGeom>
+          <a:solidFill>
+            <a:srgbClr val="00B050"/>
+          </a:solidFill>
+          <a:ln>
+            <a:solidFill>
+              <a:schemeClr val="tx1"/>
+            </a:solidFill>
+          </a:ln>
+        </p:spPr>
+        <p:style>
+          <a:lnRef idx="2">
+            <a:schemeClr val="accent1">
+              <a:shade val="50000"/>
+            </a:schemeClr>
+          </a:lnRef>
+          <a:fillRef idx="1">
+            <a:schemeClr val="accent1"/>
+          </a:fillRef>
+          <a:effectRef idx="0">
+            <a:schemeClr val="accent1"/>
+          </a:effectRef>
+          <a:fontRef idx="minor">
+            <a:schemeClr val="lt1"/>
+          </a:fontRef>
+        </p:style>
+        <p:txBody>
+          <a:bodyPr rtlCol="0" anchor="ctr"/>
+          <a:lstStyle/>
+          <a:p>
+            <a:pPr algn="ctr"/>
+            <a:endParaRPr lang="en-US"/>
+          </a:p>
+        </p:txBody>
+      </p:sp>
+      <p:sp>
+        <p:nvSpPr>
+          <p:cNvPr id="23" name="Oval 22">
+            <a:extLst>
+              <a:ext uri="{FF2B5EF4-FFF2-40B4-BE49-F238E27FC236}">
+                <a16:creationId xmlns:a16="http://schemas.microsoft.com/office/drawing/2014/main" id="{3A471784-264D-D6BB-0450-32601A76C6B4}"/>
+              </a:ext>
+            </a:extLst>
+          </p:cNvPr>
+          <p:cNvSpPr/>
+          <p:nvPr/>
+        </p:nvSpPr>
+        <p:spPr>
+          <a:xfrm>
+            <a:off x="7142419" y="2544159"/>
+            <a:ext cx="435935" cy="438912"/>
+          </a:xfrm>
+          <a:prstGeom prst="ellipse">
+            <a:avLst/>
+          </a:prstGeom>
+          <a:solidFill>
+            <a:srgbClr val="00B050"/>
+          </a:solidFill>
+          <a:ln>
+            <a:solidFill>
+              <a:schemeClr val="tx1"/>
+            </a:solidFill>
+          </a:ln>
+        </p:spPr>
+        <p:style>
+          <a:lnRef idx="2">
+            <a:schemeClr val="accent1">
+              <a:shade val="50000"/>
+            </a:schemeClr>
+          </a:lnRef>
+          <a:fillRef idx="1">
+            <a:schemeClr val="accent1"/>
+          </a:fillRef>
+          <a:effectRef idx="0">
+            <a:schemeClr val="accent1"/>
+          </a:effectRef>
+          <a:fontRef idx="minor">
+            <a:schemeClr val="lt1"/>
+          </a:fontRef>
+        </p:style>
+        <p:txBody>
+          <a:bodyPr rtlCol="0" anchor="ctr"/>
+          <a:lstStyle/>
+          <a:p>
+            <a:pPr algn="ctr"/>
+            <a:endParaRPr lang="en-US"/>
+          </a:p>
+        </p:txBody>
+      </p:sp>
+      <p:sp>
+        <p:nvSpPr>
+          <p:cNvPr id="24" name="Oval 23">
+            <a:extLst>
+              <a:ext uri="{FF2B5EF4-FFF2-40B4-BE49-F238E27FC236}">
+                <a16:creationId xmlns:a16="http://schemas.microsoft.com/office/drawing/2014/main" id="{AA062A82-5060-6210-C7C3-52AC6E3DAE2D}"/>
+              </a:ext>
+            </a:extLst>
+          </p:cNvPr>
+          <p:cNvSpPr/>
+          <p:nvPr/>
+        </p:nvSpPr>
+        <p:spPr>
+          <a:xfrm>
+            <a:off x="10539523" y="1350002"/>
+            <a:ext cx="435935" cy="438912"/>
+          </a:xfrm>
+          <a:prstGeom prst="ellipse">
+            <a:avLst/>
+          </a:prstGeom>
+          <a:solidFill>
+            <a:srgbClr val="00B050"/>
+          </a:solidFill>
+          <a:ln>
+            <a:solidFill>
+              <a:schemeClr val="tx1"/>
+            </a:solidFill>
+          </a:ln>
+        </p:spPr>
+        <p:style>
+          <a:lnRef idx="2">
+            <a:schemeClr val="accent1">
+              <a:shade val="50000"/>
+            </a:schemeClr>
+          </a:lnRef>
+          <a:fillRef idx="1">
+            <a:schemeClr val="accent1"/>
+          </a:fillRef>
+          <a:effectRef idx="0">
+            <a:schemeClr val="accent1"/>
+          </a:effectRef>
+          <a:fontRef idx="minor">
+            <a:schemeClr val="lt1"/>
+          </a:fontRef>
+        </p:style>
+        <p:txBody>
+          <a:bodyPr rtlCol="0" anchor="ctr"/>
+          <a:lstStyle/>
+          <a:p>
+            <a:pPr algn="ctr"/>
+            <a:endParaRPr lang="en-US"/>
+          </a:p>
+        </p:txBody>
+      </p:sp>
+      <p:sp>
+        <p:nvSpPr>
+          <p:cNvPr id="25" name="Oval 24">
+            <a:extLst>
+              <a:ext uri="{FF2B5EF4-FFF2-40B4-BE49-F238E27FC236}">
+                <a16:creationId xmlns:a16="http://schemas.microsoft.com/office/drawing/2014/main" id="{3E5FB734-8C42-A1D9-7763-332DB49550F9}"/>
+              </a:ext>
+            </a:extLst>
+          </p:cNvPr>
+          <p:cNvSpPr/>
+          <p:nvPr/>
+        </p:nvSpPr>
+        <p:spPr>
+          <a:xfrm>
+            <a:off x="2140688" y="5270512"/>
+            <a:ext cx="435935" cy="438912"/>
+          </a:xfrm>
+          <a:prstGeom prst="ellipse">
+            <a:avLst/>
+          </a:prstGeom>
+          <a:solidFill>
+            <a:srgbClr val="00B050"/>
+          </a:solidFill>
+          <a:ln>
+            <a:solidFill>
+              <a:schemeClr val="tx1"/>
+            </a:solidFill>
+          </a:ln>
+        </p:spPr>
+        <p:style>
+          <a:lnRef idx="2">
+            <a:schemeClr val="accent1">
+              <a:shade val="50000"/>
+            </a:schemeClr>
+          </a:lnRef>
+          <a:fillRef idx="1">
+            <a:schemeClr val="accent1"/>
+          </a:fillRef>
+          <a:effectRef idx="0">
+            <a:schemeClr val="accent1"/>
+          </a:effectRef>
+          <a:fontRef idx="minor">
+            <a:schemeClr val="lt1"/>
+          </a:fontRef>
+        </p:style>
+        <p:txBody>
+          <a:bodyPr rtlCol="0" anchor="ctr"/>
+          <a:lstStyle/>
+          <a:p>
+            <a:pPr algn="ctr"/>
+            <a:endParaRPr lang="en-US"/>
+          </a:p>
+        </p:txBody>
+      </p:sp>
+      <p:sp>
+        <p:nvSpPr>
+          <p:cNvPr id="26" name="Oval 25">
+            <a:extLst>
+              <a:ext uri="{FF2B5EF4-FFF2-40B4-BE49-F238E27FC236}">
+                <a16:creationId xmlns:a16="http://schemas.microsoft.com/office/drawing/2014/main" id="{077472FF-3DC4-3B80-F57E-6C4DCCCC6474}"/>
+              </a:ext>
+            </a:extLst>
+          </p:cNvPr>
+          <p:cNvSpPr/>
+          <p:nvPr/>
+        </p:nvSpPr>
+        <p:spPr>
+          <a:xfrm>
+            <a:off x="989713" y="4349368"/>
+            <a:ext cx="435935" cy="438912"/>
+          </a:xfrm>
+          <a:prstGeom prst="ellipse">
+            <a:avLst/>
+          </a:prstGeom>
+          <a:solidFill>
+            <a:srgbClr val="00B050"/>
+          </a:solidFill>
+          <a:ln>
+            <a:solidFill>
+              <a:schemeClr val="tx1"/>
+            </a:solidFill>
+          </a:ln>
+        </p:spPr>
+        <p:style>
+          <a:lnRef idx="2">
+            <a:schemeClr val="accent1">
+              <a:shade val="50000"/>
+            </a:schemeClr>
+          </a:lnRef>
+          <a:fillRef idx="1">
+            <a:schemeClr val="accent1"/>
+          </a:fillRef>
+          <a:effectRef idx="0">
+            <a:schemeClr val="accent1"/>
+          </a:effectRef>
+          <a:fontRef idx="minor">
+            <a:schemeClr val="lt1"/>
+          </a:fontRef>
+        </p:style>
+        <p:txBody>
+          <a:bodyPr rtlCol="0" anchor="ctr"/>
+          <a:lstStyle/>
+          <a:p>
+            <a:pPr algn="ctr"/>
+            <a:endParaRPr lang="en-US"/>
+          </a:p>
+        </p:txBody>
+      </p:sp>
+      <p:sp>
+        <p:nvSpPr>
+          <p:cNvPr id="27" name="Oval 26">
+            <a:extLst>
+              <a:ext uri="{FF2B5EF4-FFF2-40B4-BE49-F238E27FC236}">
+                <a16:creationId xmlns:a16="http://schemas.microsoft.com/office/drawing/2014/main" id="{0BA77829-751F-AF7A-2F05-20A137C9BBB9}"/>
+              </a:ext>
+            </a:extLst>
+          </p:cNvPr>
+          <p:cNvSpPr/>
+          <p:nvPr/>
+        </p:nvSpPr>
+        <p:spPr>
+          <a:xfrm>
+            <a:off x="891915" y="5819997"/>
+            <a:ext cx="435935" cy="438912"/>
+          </a:xfrm>
+          <a:prstGeom prst="ellipse">
+            <a:avLst/>
+          </a:prstGeom>
+          <a:solidFill>
+            <a:srgbClr val="00B050"/>
+          </a:solidFill>
+          <a:ln>
+            <a:solidFill>
+              <a:schemeClr val="tx1"/>
+            </a:solidFill>
+          </a:ln>
+        </p:spPr>
+        <p:style>
+          <a:lnRef idx="2">
+            <a:schemeClr val="accent1">
+              <a:shade val="50000"/>
+            </a:schemeClr>
+          </a:lnRef>
+          <a:fillRef idx="1">
+            <a:schemeClr val="accent1"/>
+          </a:fillRef>
+          <a:effectRef idx="0">
+            <a:schemeClr val="accent1"/>
+          </a:effectRef>
+          <a:fontRef idx="minor">
+            <a:schemeClr val="lt1"/>
+          </a:fontRef>
+        </p:style>
+        <p:txBody>
+          <a:bodyPr rtlCol="0" anchor="ctr"/>
+          <a:lstStyle/>
+          <a:p>
+            <a:pPr algn="ctr"/>
+            <a:endParaRPr lang="en-US"/>
+          </a:p>
+        </p:txBody>
+      </p:sp>
+      <p:sp>
+        <p:nvSpPr>
+          <p:cNvPr id="28" name="Oval 27">
+            <a:extLst>
+              <a:ext uri="{FF2B5EF4-FFF2-40B4-BE49-F238E27FC236}">
+                <a16:creationId xmlns:a16="http://schemas.microsoft.com/office/drawing/2014/main" id="{FF1C5D97-552F-0AF7-9FD3-75CF1FCD12FE}"/>
+              </a:ext>
+            </a:extLst>
+          </p:cNvPr>
+          <p:cNvSpPr/>
+          <p:nvPr/>
+        </p:nvSpPr>
+        <p:spPr>
+          <a:xfrm>
+            <a:off x="4035055" y="2201506"/>
+            <a:ext cx="435935" cy="438912"/>
+          </a:xfrm>
+          <a:prstGeom prst="ellipse">
+            <a:avLst/>
+          </a:prstGeom>
+          <a:solidFill>
+            <a:srgbClr val="FF0000"/>
+          </a:solidFill>
+          <a:ln>
+            <a:solidFill>
+              <a:schemeClr val="tx1"/>
+            </a:solidFill>
+          </a:ln>
+        </p:spPr>
+        <p:style>
+          <a:lnRef idx="2">
+            <a:schemeClr val="accent1">
+              <a:shade val="50000"/>
+            </a:schemeClr>
+          </a:lnRef>
+          <a:fillRef idx="1">
+            <a:schemeClr val="accent1"/>
+          </a:fillRef>
+          <a:effectRef idx="0">
+            <a:schemeClr val="accent1"/>
+          </a:effectRef>
+          <a:fontRef idx="minor">
+            <a:schemeClr val="lt1"/>
+          </a:fontRef>
+        </p:style>
+        <p:txBody>
+          <a:bodyPr rtlCol="0" anchor="ctr"/>
+          <a:lstStyle/>
+          <a:p>
+            <a:pPr algn="ctr"/>
+            <a:endParaRPr lang="en-US"/>
+          </a:p>
+        </p:txBody>
+      </p:sp>
+      <p:sp>
+        <p:nvSpPr>
+          <p:cNvPr id="29" name="Oval 28">
+            <a:extLst>
+              <a:ext uri="{FF2B5EF4-FFF2-40B4-BE49-F238E27FC236}">
+                <a16:creationId xmlns:a16="http://schemas.microsoft.com/office/drawing/2014/main" id="{F6506DEE-EC18-6323-80D7-6E13103588C1}"/>
+              </a:ext>
+            </a:extLst>
+          </p:cNvPr>
+          <p:cNvSpPr/>
+          <p:nvPr/>
+        </p:nvSpPr>
+        <p:spPr>
+          <a:xfrm>
+            <a:off x="5357922" y="2853943"/>
+            <a:ext cx="435935" cy="438912"/>
+          </a:xfrm>
+          <a:prstGeom prst="ellipse">
+            <a:avLst/>
+          </a:prstGeom>
+          <a:solidFill>
+            <a:srgbClr val="FF0000"/>
+          </a:solidFill>
+          <a:ln>
+            <a:solidFill>
+              <a:schemeClr val="tx1"/>
+            </a:solidFill>
+          </a:ln>
+        </p:spPr>
+        <p:style>
+          <a:lnRef idx="2">
+            <a:schemeClr val="accent1">
+              <a:shade val="50000"/>
+            </a:schemeClr>
+          </a:lnRef>
+          <a:fillRef idx="1">
+            <a:schemeClr val="accent1"/>
+          </a:fillRef>
+          <a:effectRef idx="0">
+            <a:schemeClr val="accent1"/>
+          </a:effectRef>
+          <a:fontRef idx="minor">
+            <a:schemeClr val="lt1"/>
+          </a:fontRef>
+        </p:style>
+        <p:txBody>
+          <a:bodyPr rtlCol="0" anchor="ctr"/>
+          <a:lstStyle/>
+          <a:p>
+            <a:pPr algn="ctr"/>
+            <a:endParaRPr lang="en-US"/>
+          </a:p>
+        </p:txBody>
+      </p:sp>
+      <p:sp>
+        <p:nvSpPr>
+          <p:cNvPr id="30" name="Oval 29">
+            <a:extLst>
+              <a:ext uri="{FF2B5EF4-FFF2-40B4-BE49-F238E27FC236}">
+                <a16:creationId xmlns:a16="http://schemas.microsoft.com/office/drawing/2014/main" id="{229BA9CB-A3E9-1036-DDFE-72AD267C56A1}"/>
+              </a:ext>
+            </a:extLst>
+          </p:cNvPr>
+          <p:cNvSpPr/>
+          <p:nvPr/>
+        </p:nvSpPr>
+        <p:spPr>
+          <a:xfrm>
+            <a:off x="7982061" y="3799935"/>
+            <a:ext cx="435935" cy="438912"/>
+          </a:xfrm>
+          <a:prstGeom prst="ellipse">
+            <a:avLst/>
+          </a:prstGeom>
+          <a:solidFill>
+            <a:srgbClr val="00B050"/>
+          </a:solidFill>
+          <a:ln>
+            <a:solidFill>
+              <a:schemeClr val="tx1"/>
+            </a:solidFill>
+          </a:ln>
+        </p:spPr>
+        <p:style>
+          <a:lnRef idx="2">
+            <a:schemeClr val="accent1">
+              <a:shade val="50000"/>
+            </a:schemeClr>
+          </a:lnRef>
+          <a:fillRef idx="1">
+            <a:schemeClr val="accent1"/>
+          </a:fillRef>
+          <a:effectRef idx="0">
+            <a:schemeClr val="accent1"/>
+          </a:effectRef>
+          <a:fontRef idx="minor">
+            <a:schemeClr val="lt1"/>
+          </a:fontRef>
+        </p:style>
+        <p:txBody>
+          <a:bodyPr rtlCol="0" anchor="ctr"/>
+          <a:lstStyle/>
+          <a:p>
+            <a:pPr algn="ctr"/>
+            <a:endParaRPr lang="en-US"/>
+          </a:p>
+        </p:txBody>
+      </p:sp>
+      <p:sp>
+        <p:nvSpPr>
+          <p:cNvPr id="31" name="Oval 30">
+            <a:extLst>
+              <a:ext uri="{FF2B5EF4-FFF2-40B4-BE49-F238E27FC236}">
+                <a16:creationId xmlns:a16="http://schemas.microsoft.com/office/drawing/2014/main" id="{7D7D9459-E880-A378-2F07-FCF793DBF37A}"/>
+              </a:ext>
+            </a:extLst>
+          </p:cNvPr>
+          <p:cNvSpPr/>
+          <p:nvPr/>
+        </p:nvSpPr>
+        <p:spPr>
+          <a:xfrm>
+            <a:off x="7191486" y="1415915"/>
+            <a:ext cx="435935" cy="438912"/>
+          </a:xfrm>
+          <a:prstGeom prst="ellipse">
+            <a:avLst/>
+          </a:prstGeom>
+          <a:solidFill>
+            <a:srgbClr val="00B050"/>
+          </a:solidFill>
+          <a:ln>
+            <a:solidFill>
+              <a:schemeClr val="tx1"/>
+            </a:solidFill>
+          </a:ln>
+        </p:spPr>
+        <p:style>
+          <a:lnRef idx="2">
+            <a:schemeClr val="accent1">
+              <a:shade val="50000"/>
+            </a:schemeClr>
+          </a:lnRef>
+          <a:fillRef idx="1">
+            <a:schemeClr val="accent1"/>
+          </a:fillRef>
+          <a:effectRef idx="0">
+            <a:schemeClr val="accent1"/>
+          </a:effectRef>
+          <a:fontRef idx="minor">
+            <a:schemeClr val="lt1"/>
+          </a:fontRef>
+        </p:style>
+        <p:txBody>
+          <a:bodyPr rtlCol="0" anchor="ctr"/>
+          <a:lstStyle/>
+          <a:p>
+            <a:pPr algn="ctr"/>
+            <a:endParaRPr lang="en-US"/>
+          </a:p>
+        </p:txBody>
+      </p:sp>
+      <p:sp>
+        <p:nvSpPr>
+          <p:cNvPr id="32" name="Oval 31">
+            <a:extLst>
+              <a:ext uri="{FF2B5EF4-FFF2-40B4-BE49-F238E27FC236}">
+                <a16:creationId xmlns:a16="http://schemas.microsoft.com/office/drawing/2014/main" id="{DFD19A96-62EA-0776-2E65-01D170A9E3DF}"/>
+              </a:ext>
+            </a:extLst>
+          </p:cNvPr>
+          <p:cNvSpPr/>
+          <p:nvPr/>
+        </p:nvSpPr>
+        <p:spPr>
+          <a:xfrm>
+            <a:off x="8715485" y="2324703"/>
+            <a:ext cx="435935" cy="438912"/>
+          </a:xfrm>
+          <a:prstGeom prst="ellipse">
+            <a:avLst/>
+          </a:prstGeom>
+          <a:solidFill>
+            <a:srgbClr val="00B050"/>
+          </a:solidFill>
+          <a:ln>
+            <a:solidFill>
+              <a:schemeClr val="tx1"/>
+            </a:solidFill>
+          </a:ln>
+        </p:spPr>
+        <p:style>
+          <a:lnRef idx="2">
+            <a:schemeClr val="accent1">
+              <a:shade val="50000"/>
+            </a:schemeClr>
+          </a:lnRef>
+          <a:fillRef idx="1">
+            <a:schemeClr val="accent1"/>
+          </a:fillRef>
+          <a:effectRef idx="0">
+            <a:schemeClr val="accent1"/>
+          </a:effectRef>
+          <a:fontRef idx="minor">
+            <a:schemeClr val="lt1"/>
+          </a:fontRef>
+        </p:style>
+        <p:txBody>
+          <a:bodyPr rtlCol="0" anchor="ctr"/>
+          <a:lstStyle/>
+          <a:p>
+            <a:pPr algn="ctr"/>
+            <a:endParaRPr lang="en-US"/>
+          </a:p>
+        </p:txBody>
+      </p:sp>
+      <p:sp>
+        <p:nvSpPr>
+          <p:cNvPr id="33" name="TextBox 32">
+            <a:extLst>
+              <a:ext uri="{FF2B5EF4-FFF2-40B4-BE49-F238E27FC236}">
+                <a16:creationId xmlns:a16="http://schemas.microsoft.com/office/drawing/2014/main" id="{275263C0-644D-727A-0E23-64A5BE250084}"/>
+              </a:ext>
+            </a:extLst>
+          </p:cNvPr>
+          <p:cNvSpPr txBox="1"/>
+          <p:nvPr/>
+        </p:nvSpPr>
+        <p:spPr>
+          <a:xfrm>
+            <a:off x="10461682" y="5087949"/>
+            <a:ext cx="1645387" cy="461665"/>
+          </a:xfrm>
+          <a:prstGeom prst="rect">
+            <a:avLst/>
+          </a:prstGeom>
+          <a:noFill/>
+        </p:spPr>
+        <p:txBody>
+          <a:bodyPr wrap="none" rtlCol="0">
+            <a:spAutoFit/>
+          </a:bodyPr>
+          <a:lstStyle/>
+          <a:p>
+            <a:r>
+              <a:rPr lang="en-US" sz="2400" b="1" dirty="0"/>
+              <a:t>Susceptible</a:t>
+            </a:r>
+          </a:p>
+        </p:txBody>
+      </p:sp>
+      <p:sp>
+        <p:nvSpPr>
+          <p:cNvPr id="34" name="Oval 33">
+            <a:extLst>
+              <a:ext uri="{FF2B5EF4-FFF2-40B4-BE49-F238E27FC236}">
+                <a16:creationId xmlns:a16="http://schemas.microsoft.com/office/drawing/2014/main" id="{61B453E1-148E-7405-92F3-B08C1CEC7849}"/>
+              </a:ext>
+            </a:extLst>
+          </p:cNvPr>
+          <p:cNvSpPr/>
+          <p:nvPr/>
+        </p:nvSpPr>
+        <p:spPr>
+          <a:xfrm>
+            <a:off x="9951959" y="5718212"/>
+            <a:ext cx="435935" cy="438912"/>
+          </a:xfrm>
+          <a:prstGeom prst="ellipse">
+            <a:avLst/>
+          </a:prstGeom>
+          <a:solidFill>
+            <a:srgbClr val="FF0000"/>
+          </a:solidFill>
+          <a:ln>
+            <a:solidFill>
+              <a:schemeClr val="tx1"/>
+            </a:solidFill>
+          </a:ln>
+        </p:spPr>
+        <p:style>
+          <a:lnRef idx="2">
+            <a:schemeClr val="accent1">
+              <a:shade val="50000"/>
+            </a:schemeClr>
+          </a:lnRef>
+          <a:fillRef idx="1">
+            <a:schemeClr val="accent1"/>
+          </a:fillRef>
+          <a:effectRef idx="0">
+            <a:schemeClr val="accent1"/>
+          </a:effectRef>
+          <a:fontRef idx="minor">
+            <a:schemeClr val="lt1"/>
+          </a:fontRef>
+        </p:style>
+        <p:txBody>
+          <a:bodyPr rtlCol="0" anchor="ctr"/>
+          <a:lstStyle/>
+          <a:p>
+            <a:pPr algn="ctr"/>
+            <a:endParaRPr lang="en-US"/>
+          </a:p>
+        </p:txBody>
+      </p:sp>
+      <p:sp>
+        <p:nvSpPr>
+          <p:cNvPr id="35" name="TextBox 34">
+            <a:extLst>
+              <a:ext uri="{FF2B5EF4-FFF2-40B4-BE49-F238E27FC236}">
+                <a16:creationId xmlns:a16="http://schemas.microsoft.com/office/drawing/2014/main" id="{A35EDABA-9282-9CDB-8423-D6B66B3517EB}"/>
+              </a:ext>
+            </a:extLst>
+          </p:cNvPr>
+          <p:cNvSpPr txBox="1"/>
+          <p:nvPr/>
+        </p:nvSpPr>
+        <p:spPr>
+          <a:xfrm>
+            <a:off x="10438951" y="5695459"/>
+            <a:ext cx="1230209" cy="461665"/>
+          </a:xfrm>
+          <a:prstGeom prst="rect">
+            <a:avLst/>
+          </a:prstGeom>
+          <a:noFill/>
+        </p:spPr>
+        <p:txBody>
+          <a:bodyPr wrap="none" rtlCol="0">
+            <a:spAutoFit/>
+          </a:bodyPr>
+          <a:lstStyle/>
+          <a:p>
+            <a:r>
+              <a:rPr lang="en-US" sz="2400" b="1" dirty="0"/>
+              <a:t>Infected</a:t>
+            </a:r>
+          </a:p>
+        </p:txBody>
+      </p:sp>
+      <p:sp>
+        <p:nvSpPr>
+          <p:cNvPr id="38" name="Oval 37">
+            <a:extLst>
+              <a:ext uri="{FF2B5EF4-FFF2-40B4-BE49-F238E27FC236}">
+                <a16:creationId xmlns:a16="http://schemas.microsoft.com/office/drawing/2014/main" id="{64F4DB2F-789E-51EE-EB7B-C891E7CAB4DE}"/>
+              </a:ext>
+            </a:extLst>
+          </p:cNvPr>
+          <p:cNvSpPr/>
+          <p:nvPr/>
+        </p:nvSpPr>
+        <p:spPr>
+          <a:xfrm>
+            <a:off x="9392092" y="3867912"/>
+            <a:ext cx="435935" cy="438912"/>
+          </a:xfrm>
+          <a:prstGeom prst="ellipse">
+            <a:avLst/>
+          </a:prstGeom>
+          <a:solidFill>
+            <a:srgbClr val="00B050"/>
+          </a:solidFill>
+          <a:ln>
+            <a:solidFill>
+              <a:schemeClr val="tx1"/>
+            </a:solidFill>
+          </a:ln>
+        </p:spPr>
+        <p:style>
+          <a:lnRef idx="2">
+            <a:schemeClr val="accent1">
+              <a:shade val="50000"/>
+            </a:schemeClr>
+          </a:lnRef>
+          <a:fillRef idx="1">
+            <a:schemeClr val="accent1"/>
+          </a:fillRef>
+          <a:effectRef idx="0">
+            <a:schemeClr val="accent1"/>
+          </a:effectRef>
+          <a:fontRef idx="minor">
+            <a:schemeClr val="lt1"/>
+          </a:fontRef>
+        </p:style>
+        <p:txBody>
+          <a:bodyPr rtlCol="0" anchor="ctr"/>
+          <a:lstStyle/>
+          <a:p>
+            <a:pPr algn="ctr"/>
+            <a:endParaRPr lang="en-US"/>
+          </a:p>
+        </p:txBody>
+      </p:sp>
+      <p:sp>
+        <p:nvSpPr>
+          <p:cNvPr id="39" name="Oval 38">
+            <a:extLst>
+              <a:ext uri="{FF2B5EF4-FFF2-40B4-BE49-F238E27FC236}">
+                <a16:creationId xmlns:a16="http://schemas.microsoft.com/office/drawing/2014/main" id="{FF1B57FD-FCB2-85F6-D9B7-5C913614B67F}"/>
+              </a:ext>
+            </a:extLst>
+          </p:cNvPr>
+          <p:cNvSpPr/>
+          <p:nvPr/>
+        </p:nvSpPr>
+        <p:spPr>
+          <a:xfrm>
+            <a:off x="8683862" y="5202596"/>
+            <a:ext cx="435935" cy="438912"/>
+          </a:xfrm>
+          <a:prstGeom prst="ellipse">
+            <a:avLst/>
+          </a:prstGeom>
+          <a:solidFill>
+            <a:srgbClr val="00B050"/>
+          </a:solidFill>
+          <a:ln>
+            <a:solidFill>
+              <a:schemeClr val="tx1"/>
+            </a:solidFill>
+          </a:ln>
+        </p:spPr>
+        <p:style>
+          <a:lnRef idx="2">
+            <a:schemeClr val="accent1">
+              <a:shade val="50000"/>
+            </a:schemeClr>
+          </a:lnRef>
+          <a:fillRef idx="1">
+            <a:schemeClr val="accent1"/>
+          </a:fillRef>
+          <a:effectRef idx="0">
+            <a:schemeClr val="accent1"/>
+          </a:effectRef>
+          <a:fontRef idx="minor">
+            <a:schemeClr val="lt1"/>
+          </a:fontRef>
+        </p:style>
+        <p:txBody>
+          <a:bodyPr rtlCol="0" anchor="ctr"/>
+          <a:lstStyle/>
+          <a:p>
+            <a:pPr algn="ctr"/>
+            <a:endParaRPr lang="en-US"/>
+          </a:p>
+        </p:txBody>
+      </p:sp>
+      <p:cxnSp>
+        <p:nvCxnSpPr>
+          <p:cNvPr id="41" name="Straight Connector 40">
+            <a:extLst>
+              <a:ext uri="{FF2B5EF4-FFF2-40B4-BE49-F238E27FC236}">
+                <a16:creationId xmlns:a16="http://schemas.microsoft.com/office/drawing/2014/main" id="{B4A5564E-938D-DA6C-B2BB-410907597139}"/>
+              </a:ext>
+            </a:extLst>
+          </p:cNvPr>
+          <p:cNvCxnSpPr>
+            <a:cxnSpLocks/>
+          </p:cNvCxnSpPr>
+          <p:nvPr/>
+        </p:nvCxnSpPr>
+        <p:spPr>
+          <a:xfrm>
+            <a:off x="9701213" y="4943475"/>
+            <a:ext cx="0" cy="2044711"/>
+          </a:xfrm>
+          <a:prstGeom prst="line">
+            <a:avLst/>
+          </a:prstGeom>
+          <a:ln w="38100">
+            <a:solidFill>
+              <a:schemeClr val="tx1"/>
+            </a:solidFill>
+          </a:ln>
+        </p:spPr>
+        <p:style>
+          <a:lnRef idx="1">
+            <a:schemeClr val="accent1"/>
+          </a:lnRef>
+          <a:fillRef idx="0">
+            <a:schemeClr val="accent1"/>
+          </a:fillRef>
+          <a:effectRef idx="0">
+            <a:schemeClr val="accent1"/>
+          </a:effectRef>
+          <a:fontRef idx="minor">
+            <a:schemeClr val="tx1"/>
+          </a:fontRef>
+        </p:style>
+      </p:cxnSp>
+      <p:cxnSp>
+        <p:nvCxnSpPr>
+          <p:cNvPr id="43" name="Straight Connector 42">
+            <a:extLst>
+              <a:ext uri="{FF2B5EF4-FFF2-40B4-BE49-F238E27FC236}">
+                <a16:creationId xmlns:a16="http://schemas.microsoft.com/office/drawing/2014/main" id="{A6215C0C-AE45-F1E8-57D0-597497F589CE}"/>
+              </a:ext>
+            </a:extLst>
+          </p:cNvPr>
+          <p:cNvCxnSpPr>
+            <a:cxnSpLocks/>
+          </p:cNvCxnSpPr>
+          <p:nvPr/>
+        </p:nvCxnSpPr>
+        <p:spPr>
+          <a:xfrm>
+            <a:off x="9701213" y="4943475"/>
+            <a:ext cx="2490787" cy="0"/>
+          </a:xfrm>
+          <a:prstGeom prst="line">
+            <a:avLst/>
+          </a:prstGeom>
+          <a:ln w="38100">
+            <a:solidFill>
+              <a:schemeClr val="tx1"/>
+            </a:solidFill>
+          </a:ln>
+        </p:spPr>
+        <p:style>
+          <a:lnRef idx="1">
+            <a:schemeClr val="accent1"/>
+          </a:lnRef>
+          <a:fillRef idx="0">
+            <a:schemeClr val="accent1"/>
+          </a:fillRef>
+          <a:effectRef idx="0">
+            <a:schemeClr val="accent1"/>
+          </a:effectRef>
+          <a:fontRef idx="minor">
+            <a:schemeClr val="tx1"/>
+          </a:fontRef>
+        </p:style>
+      </p:cxnSp>
+      <p:cxnSp>
+        <p:nvCxnSpPr>
+          <p:cNvPr id="4" name="Straight Arrow Connector 3">
+            <a:extLst>
+              <a:ext uri="{FF2B5EF4-FFF2-40B4-BE49-F238E27FC236}">
+                <a16:creationId xmlns:a16="http://schemas.microsoft.com/office/drawing/2014/main" id="{EC803BA0-A7DA-0C2D-0C2C-D556BFEE6E38}"/>
+              </a:ext>
+            </a:extLst>
+          </p:cNvPr>
+          <p:cNvCxnSpPr>
+            <a:cxnSpLocks/>
+          </p:cNvCxnSpPr>
+          <p:nvPr/>
+        </p:nvCxnSpPr>
+        <p:spPr>
+          <a:xfrm flipV="1">
+            <a:off x="4214813" y="2763615"/>
+            <a:ext cx="0" cy="665385"/>
+          </a:xfrm>
+          <a:prstGeom prst="straightConnector1">
+            <a:avLst/>
+          </a:prstGeom>
+          <a:ln w="50800">
+            <a:solidFill>
+              <a:srgbClr val="FF0000"/>
+            </a:solidFill>
+            <a:tailEnd type="triangle"/>
+          </a:ln>
+        </p:spPr>
+        <p:style>
+          <a:lnRef idx="1">
+            <a:schemeClr val="accent1"/>
+          </a:lnRef>
+          <a:fillRef idx="0">
+            <a:schemeClr val="accent1"/>
+          </a:fillRef>
+          <a:effectRef idx="0">
+            <a:schemeClr val="accent1"/>
+          </a:effectRef>
+          <a:fontRef idx="minor">
+            <a:schemeClr val="tx1"/>
+          </a:fontRef>
+        </p:style>
+      </p:cxnSp>
+      <p:cxnSp>
+        <p:nvCxnSpPr>
+          <p:cNvPr id="36" name="Straight Arrow Connector 35">
+            <a:extLst>
+              <a:ext uri="{FF2B5EF4-FFF2-40B4-BE49-F238E27FC236}">
+                <a16:creationId xmlns:a16="http://schemas.microsoft.com/office/drawing/2014/main" id="{87E356D1-88AC-CB81-181E-F1E28AEFD6CA}"/>
+              </a:ext>
+            </a:extLst>
+          </p:cNvPr>
+          <p:cNvCxnSpPr>
+            <a:cxnSpLocks/>
+          </p:cNvCxnSpPr>
+          <p:nvPr/>
+        </p:nvCxnSpPr>
+        <p:spPr>
+          <a:xfrm flipV="1">
+            <a:off x="4522328" y="3292855"/>
+            <a:ext cx="733534" cy="395111"/>
+          </a:xfrm>
+          <a:prstGeom prst="straightConnector1">
+            <a:avLst/>
+          </a:prstGeom>
+          <a:ln w="50800">
+            <a:solidFill>
+              <a:srgbClr val="FF0000"/>
+            </a:solidFill>
+            <a:tailEnd type="triangle"/>
+          </a:ln>
+        </p:spPr>
+        <p:style>
+          <a:lnRef idx="1">
+            <a:schemeClr val="accent1"/>
+          </a:lnRef>
+          <a:fillRef idx="0">
+            <a:schemeClr val="accent1"/>
+          </a:fillRef>
+          <a:effectRef idx="0">
+            <a:schemeClr val="accent1"/>
+          </a:effectRef>
+          <a:fontRef idx="minor">
+            <a:schemeClr val="tx1"/>
+          </a:fontRef>
+        </p:style>
+      </p:cxnSp>
+      <p:sp>
+        <p:nvSpPr>
+          <p:cNvPr id="5" name="TextBox 4">
+            <a:extLst>
+              <a:ext uri="{FF2B5EF4-FFF2-40B4-BE49-F238E27FC236}">
+                <a16:creationId xmlns:a16="http://schemas.microsoft.com/office/drawing/2014/main" id="{300F96E3-17B2-529A-FFC9-7BD3DEBA9D63}"/>
+              </a:ext>
+            </a:extLst>
+          </p:cNvPr>
+          <p:cNvSpPr txBox="1"/>
+          <p:nvPr/>
+        </p:nvSpPr>
+        <p:spPr>
+          <a:xfrm>
+            <a:off x="3221110" y="4087368"/>
+            <a:ext cx="1907083" cy="769441"/>
+          </a:xfrm>
+          <a:prstGeom prst="rect">
+            <a:avLst/>
+          </a:prstGeom>
+          <a:noFill/>
+        </p:spPr>
+        <p:txBody>
+          <a:bodyPr wrap="square">
+            <a:spAutoFit/>
+          </a:bodyPr>
+          <a:lstStyle/>
+          <a:p>
+            <a:r>
+              <a:rPr lang="en-US" sz="4400" b="1" dirty="0"/>
+              <a:t>(R</a:t>
+            </a:r>
+            <a:r>
+              <a:rPr lang="en-US" sz="4400" b="1" baseline="-25000" dirty="0"/>
+              <a:t>0</a:t>
+            </a:r>
+            <a:r>
+              <a:rPr lang="en-US" sz="4400" b="1" dirty="0"/>
+              <a:t>) = 2</a:t>
+            </a:r>
+          </a:p>
+        </p:txBody>
+      </p:sp>
+    </p:spTree>
+    <p:extLst>
+      <p:ext uri="{BB962C8B-B14F-4D97-AF65-F5344CB8AC3E}">
+        <p14:creationId xmlns:p14="http://schemas.microsoft.com/office/powerpoint/2010/main" val="1645148116"/>
+      </p:ext>
+    </p:extLst>
+  </p:cSld>
+  <p:clrMapOvr>
+    <a:masterClrMapping/>
+  </p:clrMapOvr>
+</p:sld>
+</file>
+
+<file path=ppt/slides/slide18.xml><?xml version="1.0" encoding="utf-8"?>
+<p:sld xmlns:a="http://schemas.openxmlformats.org/drawingml/2006/main" xmlns:r="http://schemas.openxmlformats.org/officeDocument/2006/relationships" xmlns:p="http://schemas.openxmlformats.org/presentationml/2006/main">
+  <p:cSld>
+    <p:spTree>
+      <p:nvGrpSpPr>
+        <p:cNvPr id="1" name=""/>
+        <p:cNvGrpSpPr/>
+        <p:nvPr/>
+      </p:nvGrpSpPr>
+      <p:grpSpPr>
+        <a:xfrm>
+          <a:off x="0" y="0"/>
+          <a:ext cx="0" cy="0"/>
+          <a:chOff x="0" y="0"/>
+          <a:chExt cx="0" cy="0"/>
+        </a:xfrm>
+      </p:grpSpPr>
+      <p:sp>
+        <p:nvSpPr>
+          <p:cNvPr id="2" name="Title 1">
+            <a:extLst>
+              <a:ext uri="{FF2B5EF4-FFF2-40B4-BE49-F238E27FC236}">
+                <a16:creationId xmlns:a16="http://schemas.microsoft.com/office/drawing/2014/main" id="{0561DEAD-1930-CB32-C4BE-86FB2C703237}"/>
+              </a:ext>
+            </a:extLst>
+          </p:cNvPr>
+          <p:cNvSpPr>
+            <a:spLocks noGrp="1"/>
+          </p:cNvSpPr>
+          <p:nvPr>
+            <p:ph type="title"/>
+          </p:nvPr>
+        </p:nvSpPr>
+        <p:spPr>
+          <a:xfrm>
+            <a:off x="120748" y="154745"/>
+            <a:ext cx="10515600" cy="846626"/>
+          </a:xfrm>
+        </p:spPr>
+        <p:txBody>
+          <a:bodyPr/>
+          <a:lstStyle/>
+          <a:p>
+            <a:r>
+              <a:rPr lang="en-US" dirty="0"/>
+              <a:t>Basic reproduction number (</a:t>
+            </a:r>
+            <a:r>
+              <a:rPr lang="en-US" b="1" dirty="0"/>
+              <a:t>R</a:t>
+            </a:r>
+            <a:r>
+              <a:rPr lang="en-US" b="1" baseline="-25000" dirty="0"/>
+              <a:t>0</a:t>
+            </a:r>
+            <a:r>
+              <a:rPr lang="en-US" dirty="0"/>
+              <a:t>) </a:t>
+            </a:r>
           </a:p>
         </p:txBody>
       </p:sp>
@@ -10445,7 +16840,7 @@
           <p:cNvPr id="3" name="Content Placeholder 2">
             <a:extLst>
               <a:ext uri="{FF2B5EF4-FFF2-40B4-BE49-F238E27FC236}">
-                <a16:creationId xmlns:a16="http://schemas.microsoft.com/office/drawing/2014/main" id="{05E60ECC-2CCE-9C6A-A94E-CB2034F4C321}"/>
+                <a16:creationId xmlns:a16="http://schemas.microsoft.com/office/drawing/2014/main" id="{ECB0C14A-72F7-86C5-44D7-92C218DFD64F}"/>
               </a:ext>
             </a:extLst>
           </p:cNvPr>
@@ -10461,14 +16856,152 @@
           <a:bodyPr/>
           <a:lstStyle/>
           <a:p>
-            <a:endParaRPr lang="en-US" dirty="0"/>
+            <a:r>
+              <a:rPr lang="en-US" dirty="0"/>
+              <a:t>How to derive</a:t>
+            </a:r>
+          </a:p>
+          <a:p>
+            <a:r>
+              <a:rPr lang="en-US" dirty="0"/>
+              <a:t>It’s importance</a:t>
+            </a:r>
+          </a:p>
+          <a:p>
+            <a:r>
+              <a:rPr lang="en-US" dirty="0"/>
+              <a:t>Common examples</a:t>
+            </a:r>
+          </a:p>
+          <a:p>
+            <a:pPr lvl="1"/>
+            <a:r>
+              <a:rPr lang="en-US" dirty="0"/>
+              <a:t>How to estimate from real-world data (we will do this in our code). </a:t>
+            </a:r>
           </a:p>
         </p:txBody>
       </p:sp>
     </p:spTree>
     <p:extLst>
       <p:ext uri="{BB962C8B-B14F-4D97-AF65-F5344CB8AC3E}">
-        <p14:creationId xmlns:p14="http://schemas.microsoft.com/office/powerpoint/2010/main" val="2224600705"/>
+        <p14:creationId xmlns:p14="http://schemas.microsoft.com/office/powerpoint/2010/main" val="249353913"/>
+      </p:ext>
+    </p:extLst>
+  </p:cSld>
+  <p:clrMapOvr>
+    <a:masterClrMapping/>
+  </p:clrMapOvr>
+</p:sld>
+</file>
+
+<file path=ppt/slides/slide19.xml><?xml version="1.0" encoding="utf-8"?>
+<p:sld xmlns:a="http://schemas.openxmlformats.org/drawingml/2006/main" xmlns:r="http://schemas.openxmlformats.org/officeDocument/2006/relationships" xmlns:p="http://schemas.openxmlformats.org/presentationml/2006/main">
+  <p:cSld>
+    <p:spTree>
+      <p:nvGrpSpPr>
+        <p:cNvPr id="1" name=""/>
+        <p:cNvGrpSpPr/>
+        <p:nvPr/>
+      </p:nvGrpSpPr>
+      <p:grpSpPr>
+        <a:xfrm>
+          <a:off x="0" y="0"/>
+          <a:ext cx="0" cy="0"/>
+          <a:chOff x="0" y="0"/>
+          <a:chExt cx="0" cy="0"/>
+        </a:xfrm>
+      </p:grpSpPr>
+      <p:sp>
+        <p:nvSpPr>
+          <p:cNvPr id="2" name="Title 1">
+            <a:extLst>
+              <a:ext uri="{FF2B5EF4-FFF2-40B4-BE49-F238E27FC236}">
+                <a16:creationId xmlns:a16="http://schemas.microsoft.com/office/drawing/2014/main" id="{271FD4E7-085F-4F89-D827-87A8427F2B49}"/>
+              </a:ext>
+            </a:extLst>
+          </p:cNvPr>
+          <p:cNvSpPr>
+            <a:spLocks noGrp="1"/>
+          </p:cNvSpPr>
+          <p:nvPr>
+            <p:ph type="title"/>
+          </p:nvPr>
+        </p:nvSpPr>
+        <p:spPr/>
+        <p:txBody>
+          <a:bodyPr/>
+          <a:lstStyle/>
+          <a:p>
+            <a:r>
+              <a:rPr lang="en-US" dirty="0"/>
+              <a:t>Common variants of the SIR model</a:t>
+            </a:r>
+          </a:p>
+        </p:txBody>
+      </p:sp>
+      <p:sp>
+        <p:nvSpPr>
+          <p:cNvPr id="3" name="Content Placeholder 2">
+            <a:extLst>
+              <a:ext uri="{FF2B5EF4-FFF2-40B4-BE49-F238E27FC236}">
+                <a16:creationId xmlns:a16="http://schemas.microsoft.com/office/drawing/2014/main" id="{8209AE30-6C0D-CC6E-C529-C3EB44A96A06}"/>
+              </a:ext>
+            </a:extLst>
+          </p:cNvPr>
+          <p:cNvSpPr>
+            <a:spLocks noGrp="1"/>
+          </p:cNvSpPr>
+          <p:nvPr>
+            <p:ph idx="1"/>
+          </p:nvPr>
+        </p:nvSpPr>
+        <p:spPr/>
+        <p:txBody>
+          <a:bodyPr/>
+          <a:lstStyle/>
+          <a:p>
+            <a:r>
+              <a:rPr lang="en-US" dirty="0"/>
+              <a:t>SI</a:t>
+            </a:r>
+          </a:p>
+          <a:p>
+            <a:r>
+              <a:rPr lang="en-US" dirty="0"/>
+              <a:t>SEIR</a:t>
+            </a:r>
+          </a:p>
+          <a:p>
+            <a:r>
+              <a:rPr lang="en-US" dirty="0"/>
+              <a:t>SIRS</a:t>
+            </a:r>
+          </a:p>
+          <a:p>
+            <a:r>
+              <a:rPr lang="en-US" dirty="0"/>
+              <a:t>Age-structured</a:t>
+            </a:r>
+          </a:p>
+          <a:p>
+            <a:r>
+              <a:rPr lang="en-US" dirty="0"/>
+              <a:t>Spatial</a:t>
+            </a:r>
+          </a:p>
+          <a:p>
+            <a:r>
+              <a:rPr lang="en-US" dirty="0"/>
+              <a:t>Multiple host species</a:t>
+            </a:r>
+          </a:p>
+        </p:txBody>
+      </p:sp>
+    </p:spTree>
+    <p:extLst>
+      <p:ext uri="{BB962C8B-B14F-4D97-AF65-F5344CB8AC3E}">
+        <p14:creationId xmlns:p14="http://schemas.microsoft.com/office/powerpoint/2010/main" val="3022744358"/>
       </p:ext>
     </p:extLst>
   </p:cSld>
@@ -10590,6 +17123,214 @@
     <p:extLst>
       <p:ext uri="{BB962C8B-B14F-4D97-AF65-F5344CB8AC3E}">
         <p14:creationId xmlns:p14="http://schemas.microsoft.com/office/powerpoint/2010/main" val="890139936"/>
+      </p:ext>
+    </p:extLst>
+  </p:cSld>
+  <p:clrMapOvr>
+    <a:masterClrMapping/>
+  </p:clrMapOvr>
+</p:sld>
+</file>
+
+<file path=ppt/slides/slide20.xml><?xml version="1.0" encoding="utf-8"?>
+<p:sld xmlns:a="http://schemas.openxmlformats.org/drawingml/2006/main" xmlns:r="http://schemas.openxmlformats.org/officeDocument/2006/relationships" xmlns:p="http://schemas.openxmlformats.org/presentationml/2006/main">
+  <p:cSld>
+    <p:spTree>
+      <p:nvGrpSpPr>
+        <p:cNvPr id="1" name=""/>
+        <p:cNvGrpSpPr/>
+        <p:nvPr/>
+      </p:nvGrpSpPr>
+      <p:grpSpPr>
+        <a:xfrm>
+          <a:off x="0" y="0"/>
+          <a:ext cx="0" cy="0"/>
+          <a:chOff x="0" y="0"/>
+          <a:chExt cx="0" cy="0"/>
+        </a:xfrm>
+      </p:grpSpPr>
+      <p:sp>
+        <p:nvSpPr>
+          <p:cNvPr id="2" name="Title 1">
+            <a:extLst>
+              <a:ext uri="{FF2B5EF4-FFF2-40B4-BE49-F238E27FC236}">
+                <a16:creationId xmlns:a16="http://schemas.microsoft.com/office/drawing/2014/main" id="{4512B54F-54AE-4A67-3FD7-46EA4ADE2CC2}"/>
+              </a:ext>
+            </a:extLst>
+          </p:cNvPr>
+          <p:cNvSpPr>
+            <a:spLocks noGrp="1"/>
+          </p:cNvSpPr>
+          <p:nvPr>
+            <p:ph type="title"/>
+          </p:nvPr>
+        </p:nvSpPr>
+        <p:spPr/>
+        <p:txBody>
+          <a:bodyPr/>
+          <a:lstStyle/>
+          <a:p>
+            <a:r>
+              <a:rPr lang="en-US" dirty="0"/>
+              <a:t>Intervention strategies</a:t>
+            </a:r>
+          </a:p>
+        </p:txBody>
+      </p:sp>
+      <p:sp>
+        <p:nvSpPr>
+          <p:cNvPr id="3" name="Content Placeholder 2">
+            <a:extLst>
+              <a:ext uri="{FF2B5EF4-FFF2-40B4-BE49-F238E27FC236}">
+                <a16:creationId xmlns:a16="http://schemas.microsoft.com/office/drawing/2014/main" id="{FFBCFD68-7E44-BA0D-668B-A59FBF4EA7CC}"/>
+              </a:ext>
+            </a:extLst>
+          </p:cNvPr>
+          <p:cNvSpPr>
+            <a:spLocks noGrp="1"/>
+          </p:cNvSpPr>
+          <p:nvPr>
+            <p:ph idx="1"/>
+          </p:nvPr>
+        </p:nvSpPr>
+        <p:spPr/>
+        <p:txBody>
+          <a:bodyPr/>
+          <a:lstStyle/>
+          <a:p>
+            <a:r>
+              <a:rPr lang="en-US" dirty="0"/>
+              <a:t>Vaccination</a:t>
+            </a:r>
+          </a:p>
+          <a:p>
+            <a:r>
+              <a:rPr lang="en-US" dirty="0"/>
+              <a:t>Quarantine</a:t>
+            </a:r>
+          </a:p>
+          <a:p>
+            <a:r>
+              <a:rPr lang="en-US" dirty="0"/>
+              <a:t>Social distancing</a:t>
+            </a:r>
+          </a:p>
+          <a:p>
+            <a:r>
+              <a:rPr lang="en-US" dirty="0"/>
+              <a:t>Culling</a:t>
+            </a:r>
+          </a:p>
+          <a:p>
+            <a:endParaRPr lang="en-US" dirty="0"/>
+          </a:p>
+          <a:p>
+            <a:endParaRPr lang="en-US" dirty="0"/>
+          </a:p>
+          <a:p>
+            <a:pPr marL="0" indent="0">
+              <a:buNone/>
+            </a:pPr>
+            <a:r>
+              <a:rPr lang="en-US" dirty="0"/>
+              <a:t>Ask students to break into groups and expand on the SIR model we drew to incorporate each of the control strategies (except perhaps social distancing, which might just be a lower beta). </a:t>
+            </a:r>
+          </a:p>
+          <a:p>
+            <a:pPr marL="0" indent="0">
+              <a:buNone/>
+            </a:pPr>
+            <a:endParaRPr lang="en-US" dirty="0"/>
+          </a:p>
+        </p:txBody>
+      </p:sp>
+    </p:spTree>
+    <p:extLst>
+      <p:ext uri="{BB962C8B-B14F-4D97-AF65-F5344CB8AC3E}">
+        <p14:creationId xmlns:p14="http://schemas.microsoft.com/office/powerpoint/2010/main" val="2118666061"/>
+      </p:ext>
+    </p:extLst>
+  </p:cSld>
+  <p:clrMapOvr>
+    <a:masterClrMapping/>
+  </p:clrMapOvr>
+</p:sld>
+</file>
+
+<file path=ppt/slides/slide21.xml><?xml version="1.0" encoding="utf-8"?>
+<p:sld xmlns:a="http://schemas.openxmlformats.org/drawingml/2006/main" xmlns:r="http://schemas.openxmlformats.org/officeDocument/2006/relationships" xmlns:p="http://schemas.openxmlformats.org/presentationml/2006/main">
+  <p:cSld>
+    <p:spTree>
+      <p:nvGrpSpPr>
+        <p:cNvPr id="1" name=""/>
+        <p:cNvGrpSpPr/>
+        <p:nvPr/>
+      </p:nvGrpSpPr>
+      <p:grpSpPr>
+        <a:xfrm>
+          <a:off x="0" y="0"/>
+          <a:ext cx="0" cy="0"/>
+          <a:chOff x="0" y="0"/>
+          <a:chExt cx="0" cy="0"/>
+        </a:xfrm>
+      </p:grpSpPr>
+      <p:sp>
+        <p:nvSpPr>
+          <p:cNvPr id="2" name="Title 1">
+            <a:extLst>
+              <a:ext uri="{FF2B5EF4-FFF2-40B4-BE49-F238E27FC236}">
+                <a16:creationId xmlns:a16="http://schemas.microsoft.com/office/drawing/2014/main" id="{E3413924-1EAD-049D-FBBD-11C60F3726C2}"/>
+              </a:ext>
+            </a:extLst>
+          </p:cNvPr>
+          <p:cNvSpPr>
+            <a:spLocks noGrp="1"/>
+          </p:cNvSpPr>
+          <p:nvPr>
+            <p:ph type="title"/>
+          </p:nvPr>
+        </p:nvSpPr>
+        <p:spPr/>
+        <p:txBody>
+          <a:bodyPr/>
+          <a:lstStyle/>
+          <a:p>
+            <a:r>
+              <a:rPr lang="en-US" dirty="0"/>
+              <a:t>Let’s build some models in R…</a:t>
+            </a:r>
+          </a:p>
+        </p:txBody>
+      </p:sp>
+      <p:sp>
+        <p:nvSpPr>
+          <p:cNvPr id="3" name="Content Placeholder 2">
+            <a:extLst>
+              <a:ext uri="{FF2B5EF4-FFF2-40B4-BE49-F238E27FC236}">
+                <a16:creationId xmlns:a16="http://schemas.microsoft.com/office/drawing/2014/main" id="{05E60ECC-2CCE-9C6A-A94E-CB2034F4C321}"/>
+              </a:ext>
+            </a:extLst>
+          </p:cNvPr>
+          <p:cNvSpPr>
+            <a:spLocks noGrp="1"/>
+          </p:cNvSpPr>
+          <p:nvPr>
+            <p:ph idx="1"/>
+          </p:nvPr>
+        </p:nvSpPr>
+        <p:spPr/>
+        <p:txBody>
+          <a:bodyPr/>
+          <a:lstStyle/>
+          <a:p>
+            <a:endParaRPr lang="en-US" dirty="0"/>
+          </a:p>
+        </p:txBody>
+      </p:sp>
+    </p:spTree>
+    <p:extLst>
+      <p:ext uri="{BB962C8B-B14F-4D97-AF65-F5344CB8AC3E}">
+        <p14:creationId xmlns:p14="http://schemas.microsoft.com/office/powerpoint/2010/main" val="2224600705"/>
       </p:ext>
     </p:extLst>
   </p:cSld>
@@ -25009,4 +31750,299 @@
     </a:ext>
   </a:extLst>
 </a:theme>
+</file>
+
+<file path=ppt/theme/theme2.xml><?xml version="1.0" encoding="utf-8"?>
+<a:theme xmlns:a="http://schemas.openxmlformats.org/drawingml/2006/main" name="Office Theme">
+  <a:themeElements>
+    <a:clrScheme name="Office">
+      <a:dk1>
+        <a:sysClr val="windowText" lastClr="000000"/>
+      </a:dk1>
+      <a:lt1>
+        <a:sysClr val="window" lastClr="FFFFFF"/>
+      </a:lt1>
+      <a:dk2>
+        <a:srgbClr val="44546A"/>
+      </a:dk2>
+      <a:lt2>
+        <a:srgbClr val="E7E6E6"/>
+      </a:lt2>
+      <a:accent1>
+        <a:srgbClr val="4472C4"/>
+      </a:accent1>
+      <a:accent2>
+        <a:srgbClr val="ED7D31"/>
+      </a:accent2>
+      <a:accent3>
+        <a:srgbClr val="A5A5A5"/>
+      </a:accent3>
+      <a:accent4>
+        <a:srgbClr val="FFC000"/>
+      </a:accent4>
+      <a:accent5>
+        <a:srgbClr val="5B9BD5"/>
+      </a:accent5>
+      <a:accent6>
+        <a:srgbClr val="70AD47"/>
+      </a:accent6>
+      <a:hlink>
+        <a:srgbClr val="0563C1"/>
+      </a:hlink>
+      <a:folHlink>
+        <a:srgbClr val="954F72"/>
+      </a:folHlink>
+    </a:clrScheme>
+    <a:fontScheme name="Office">
+      <a:majorFont>
+        <a:latin typeface="Calibri Light" panose="020F0302020204030204"/>
+        <a:ea typeface=""/>
+        <a:cs typeface=""/>
+        <a:font script="Jpan" typeface="游ゴシック Light"/>
+        <a:font script="Hang" typeface="맑은 고딕"/>
+        <a:font script="Hans" typeface="等线 Light"/>
+        <a:font script="Hant" typeface="新細明體"/>
+        <a:font script="Arab" typeface="Times New Roman"/>
+        <a:font script="Hebr" typeface="Times New Roman"/>
+        <a:font script="Thai" typeface="Angsana New"/>
+        <a:font script="Ethi" typeface="Nyala"/>
+        <a:font script="Beng" typeface="Vrinda"/>
+        <a:font script="Gujr" typeface="Shruti"/>
+        <a:font script="Khmr" typeface="MoolBoran"/>
+        <a:font script="Knda" typeface="Tunga"/>
+        <a:font script="Guru" typeface="Raavi"/>
+        <a:font script="Cans" typeface="Euphemia"/>
+        <a:font script="Cher" typeface="Plantagenet Cherokee"/>
+        <a:font script="Yiii" typeface="Microsoft Yi Baiti"/>
+        <a:font script="Tibt" typeface="Microsoft Himalaya"/>
+        <a:font script="Thaa" typeface="MV Boli"/>
+        <a:font script="Deva" typeface="Mangal"/>
+        <a:font script="Telu" typeface="Gautami"/>
+        <a:font script="Taml" typeface="Latha"/>
+        <a:font script="Syrc" typeface="Estrangelo Edessa"/>
+        <a:font script="Orya" typeface="Kalinga"/>
+        <a:font script="Mlym" typeface="Kartika"/>
+        <a:font script="Laoo" typeface="DokChampa"/>
+        <a:font script="Sinh" typeface="Iskoola Pota"/>
+        <a:font script="Mong" typeface="Mongolian Baiti"/>
+        <a:font script="Viet" typeface="Times New Roman"/>
+        <a:font script="Uigh" typeface="Microsoft Uighur"/>
+        <a:font script="Geor" typeface="Sylfaen"/>
+        <a:font script="Armn" typeface="Arial"/>
+        <a:font script="Bugi" typeface="Leelawadee UI"/>
+        <a:font script="Bopo" typeface="Microsoft JhengHei"/>
+        <a:font script="Java" typeface="Javanese Text"/>
+        <a:font script="Lisu" typeface="Segoe UI"/>
+        <a:font script="Mymr" typeface="Myanmar Text"/>
+        <a:font script="Nkoo" typeface="Ebrima"/>
+        <a:font script="Olck" typeface="Nirmala UI"/>
+        <a:font script="Osma" typeface="Ebrima"/>
+        <a:font script="Phag" typeface="Phagspa"/>
+        <a:font script="Syrn" typeface="Estrangelo Edessa"/>
+        <a:font script="Syrj" typeface="Estrangelo Edessa"/>
+        <a:font script="Syre" typeface="Estrangelo Edessa"/>
+        <a:font script="Sora" typeface="Nirmala UI"/>
+        <a:font script="Tale" typeface="Microsoft Tai Le"/>
+        <a:font script="Talu" typeface="Microsoft New Tai Lue"/>
+        <a:font script="Tfng" typeface="Ebrima"/>
+      </a:majorFont>
+      <a:minorFont>
+        <a:latin typeface="Calibri" panose="020F0502020204030204"/>
+        <a:ea typeface=""/>
+        <a:cs typeface=""/>
+        <a:font script="Jpan" typeface="游ゴシック"/>
+        <a:font script="Hang" typeface="맑은 고딕"/>
+        <a:font script="Hans" typeface="等线"/>
+        <a:font script="Hant" typeface="新細明體"/>
+        <a:font script="Arab" typeface="Arial"/>
+        <a:font script="Hebr" typeface="Arial"/>
+        <a:font script="Thai" typeface="Cordia New"/>
+        <a:font script="Ethi" typeface="Nyala"/>
+        <a:font script="Beng" typeface="Vrinda"/>
+        <a:font script="Gujr" typeface="Shruti"/>
+        <a:font script="Khmr" typeface="DaunPenh"/>
+        <a:font script="Knda" typeface="Tunga"/>
+        <a:font script="Guru" typeface="Raavi"/>
+        <a:font script="Cans" typeface="Euphemia"/>
+        <a:font script="Cher" typeface="Plantagenet Cherokee"/>
+        <a:font script="Yiii" typeface="Microsoft Yi Baiti"/>
+        <a:font script="Tibt" typeface="Microsoft Himalaya"/>
+        <a:font script="Thaa" typeface="MV Boli"/>
+        <a:font script="Deva" typeface="Mangal"/>
+        <a:font script="Telu" typeface="Gautami"/>
+        <a:font script="Taml" typeface="Latha"/>
+        <a:font script="Syrc" typeface="Estrangelo Edessa"/>
+        <a:font script="Orya" typeface="Kalinga"/>
+        <a:font script="Mlym" typeface="Kartika"/>
+        <a:font script="Laoo" typeface="DokChampa"/>
+        <a:font script="Sinh" typeface="Iskoola Pota"/>
+        <a:font script="Mong" typeface="Mongolian Baiti"/>
+        <a:font script="Viet" typeface="Arial"/>
+        <a:font script="Uigh" typeface="Microsoft Uighur"/>
+        <a:font script="Geor" typeface="Sylfaen"/>
+        <a:font script="Armn" typeface="Arial"/>
+        <a:font script="Bugi" typeface="Leelawadee UI"/>
+        <a:font script="Bopo" typeface="Microsoft JhengHei"/>
+        <a:font script="Java" typeface="Javanese Text"/>
+        <a:font script="Lisu" typeface="Segoe UI"/>
+        <a:font script="Mymr" typeface="Myanmar Text"/>
+        <a:font script="Nkoo" typeface="Ebrima"/>
+        <a:font script="Olck" typeface="Nirmala UI"/>
+        <a:font script="Osma" typeface="Ebrima"/>
+        <a:font script="Phag" typeface="Phagspa"/>
+        <a:font script="Syrn" typeface="Estrangelo Edessa"/>
+        <a:font script="Syrj" typeface="Estrangelo Edessa"/>
+        <a:font script="Syre" typeface="Estrangelo Edessa"/>
+        <a:font script="Sora" typeface="Nirmala UI"/>
+        <a:font script="Tale" typeface="Microsoft Tai Le"/>
+        <a:font script="Talu" typeface="Microsoft New Tai Lue"/>
+        <a:font script="Tfng" typeface="Ebrima"/>
+      </a:minorFont>
+    </a:fontScheme>
+    <a:fmtScheme name="Office">
+      <a:fillStyleLst>
+        <a:solidFill>
+          <a:schemeClr val="phClr"/>
+        </a:solidFill>
+        <a:gradFill rotWithShape="1">
+          <a:gsLst>
+            <a:gs pos="0">
+              <a:schemeClr val="phClr">
+                <a:lumMod val="110000"/>
+                <a:satMod val="105000"/>
+                <a:tint val="67000"/>
+              </a:schemeClr>
+            </a:gs>
+            <a:gs pos="50000">
+              <a:schemeClr val="phClr">
+                <a:lumMod val="105000"/>
+                <a:satMod val="103000"/>
+                <a:tint val="73000"/>
+              </a:schemeClr>
+            </a:gs>
+            <a:gs pos="100000">
+              <a:schemeClr val="phClr">
+                <a:lumMod val="105000"/>
+                <a:satMod val="109000"/>
+                <a:tint val="81000"/>
+              </a:schemeClr>
+            </a:gs>
+          </a:gsLst>
+          <a:lin ang="5400000" scaled="0"/>
+        </a:gradFill>
+        <a:gradFill rotWithShape="1">
+          <a:gsLst>
+            <a:gs pos="0">
+              <a:schemeClr val="phClr">
+                <a:satMod val="103000"/>
+                <a:lumMod val="102000"/>
+                <a:tint val="94000"/>
+              </a:schemeClr>
+            </a:gs>
+            <a:gs pos="50000">
+              <a:schemeClr val="phClr">
+                <a:satMod val="110000"/>
+                <a:lumMod val="100000"/>
+                <a:shade val="100000"/>
+              </a:schemeClr>
+            </a:gs>
+            <a:gs pos="100000">
+              <a:schemeClr val="phClr">
+                <a:lumMod val="99000"/>
+                <a:satMod val="120000"/>
+                <a:shade val="78000"/>
+              </a:schemeClr>
+            </a:gs>
+          </a:gsLst>
+          <a:lin ang="5400000" scaled="0"/>
+        </a:gradFill>
+      </a:fillStyleLst>
+      <a:lnStyleLst>
+        <a:ln w="6350" cap="flat" cmpd="sng" algn="ctr">
+          <a:solidFill>
+            <a:schemeClr val="phClr"/>
+          </a:solidFill>
+          <a:prstDash val="solid"/>
+          <a:miter lim="800000"/>
+        </a:ln>
+        <a:ln w="12700" cap="flat" cmpd="sng" algn="ctr">
+          <a:solidFill>
+            <a:schemeClr val="phClr"/>
+          </a:solidFill>
+          <a:prstDash val="solid"/>
+          <a:miter lim="800000"/>
+        </a:ln>
+        <a:ln w="19050" cap="flat" cmpd="sng" algn="ctr">
+          <a:solidFill>
+            <a:schemeClr val="phClr"/>
+          </a:solidFill>
+          <a:prstDash val="solid"/>
+          <a:miter lim="800000"/>
+        </a:ln>
+      </a:lnStyleLst>
+      <a:effectStyleLst>
+        <a:effectStyle>
+          <a:effectLst/>
+        </a:effectStyle>
+        <a:effectStyle>
+          <a:effectLst/>
+        </a:effectStyle>
+        <a:effectStyle>
+          <a:effectLst>
+            <a:outerShdw blurRad="57150" dist="19050" dir="5400000" algn="ctr" rotWithShape="0">
+              <a:srgbClr val="000000">
+                <a:alpha val="63000"/>
+              </a:srgbClr>
+            </a:outerShdw>
+          </a:effectLst>
+        </a:effectStyle>
+      </a:effectStyleLst>
+      <a:bgFillStyleLst>
+        <a:solidFill>
+          <a:schemeClr val="phClr"/>
+        </a:solidFill>
+        <a:solidFill>
+          <a:schemeClr val="phClr">
+            <a:tint val="95000"/>
+            <a:satMod val="170000"/>
+          </a:schemeClr>
+        </a:solidFill>
+        <a:gradFill rotWithShape="1">
+          <a:gsLst>
+            <a:gs pos="0">
+              <a:schemeClr val="phClr">
+                <a:tint val="93000"/>
+                <a:satMod val="150000"/>
+                <a:shade val="98000"/>
+                <a:lumMod val="102000"/>
+              </a:schemeClr>
+            </a:gs>
+            <a:gs pos="50000">
+              <a:schemeClr val="phClr">
+                <a:tint val="98000"/>
+                <a:satMod val="130000"/>
+                <a:shade val="90000"/>
+                <a:lumMod val="103000"/>
+              </a:schemeClr>
+            </a:gs>
+            <a:gs pos="100000">
+              <a:schemeClr val="phClr">
+                <a:shade val="63000"/>
+                <a:satMod val="120000"/>
+              </a:schemeClr>
+            </a:gs>
+          </a:gsLst>
+          <a:lin ang="5400000" scaled="0"/>
+        </a:gradFill>
+      </a:bgFillStyleLst>
+    </a:fmtScheme>
+  </a:themeElements>
+  <a:objectDefaults/>
+  <a:extraClrSchemeLst/>
+  <a:extLst>
+    <a:ext uri="{05A4C25C-085E-4340-85A3-A5531E510DB2}">
+      <thm15:themeFamily xmlns:thm15="http://schemas.microsoft.com/office/thememl/2012/main" name="Office Theme" id="{62F939B6-93AF-4DB8-9C6B-D6C7DFDC589F}" vid="{4A3C46E8-61CC-4603-A589-7422A47A8E4A}"/>
+    </a:ext>
+  </a:extLst>
+</a:theme>
 </file>
--- a/SIR_lecture.pptx
+++ b/SIR_lecture.pptx
@@ -1492,7 +1492,20 @@
           <a:bodyPr/>
           <a:lstStyle/>
           <a:p>
-            <a:endParaRPr lang="en-US" dirty="0"/>
+            <a:r>
+              <a:rPr lang="en-US" dirty="0"/>
+              <a:t>Importantly, this assumes density-dependent transmission! </a:t>
+            </a:r>
+          </a:p>
+          <a:p>
+            <a:r>
+              <a:rPr lang="en-US" dirty="0"/>
+              <a:t>The rate at which new infections occur depends on the density of both susceptible and </a:t>
+            </a:r>
+            <a:r>
+              <a:rPr lang="en-US"/>
+              <a:t>infected individuals!</a:t>
+            </a:r>
           </a:p>
         </p:txBody>
       </p:sp>

--- a/SIR_lecture.pptx
+++ b/SIR_lecture.pptx
@@ -221,7 +221,7 @@
           <a:p>
             <a:fld id="{1D92F88E-3B49-AF47-B204-26A6EEF2BABB}" type="datetimeFigureOut">
               <a:rPr lang="en-US" smtClean="0"/>
-              <a:t>4/24/23</a:t>
+              <a:t>4/25/23</a:t>
             </a:fld>
             <a:endParaRPr lang="en-US"/>
           </a:p>
@@ -532,10 +532,7 @@
           <a:bodyPr/>
           <a:lstStyle/>
           <a:p>
-            <a:r>
-              <a:rPr lang="en-US" dirty="0"/>
-              <a:t>Explain what susceptible means. </a:t>
-            </a:r>
+            <a:endParaRPr lang="en-US" dirty="0"/>
           </a:p>
         </p:txBody>
       </p:sp>
@@ -556,7 +553,7 @@
           <a:p>
             <a:fld id="{F4FFA6F4-FB90-314F-8DDB-1C8806A77A25}" type="slidenum">
               <a:rPr lang="en-US" smtClean="0"/>
-              <a:t>4</a:t>
+              <a:t>3</a:t>
             </a:fld>
             <a:endParaRPr lang="en-US"/>
           </a:p>
@@ -565,7 +562,7 @@
     </p:spTree>
     <p:extLst>
       <p:ext uri="{BB962C8B-B14F-4D97-AF65-F5344CB8AC3E}">
-        <p14:creationId xmlns:p14="http://schemas.microsoft.com/office/powerpoint/2010/main" val="2202574166"/>
+        <p14:creationId xmlns:p14="http://schemas.microsoft.com/office/powerpoint/2010/main" val="969337512"/>
       </p:ext>
     </p:extLst>
   </p:cSld>
@@ -619,7 +616,10 @@
           <a:bodyPr/>
           <a:lstStyle/>
           <a:p>
-            <a:endParaRPr lang="en-US" dirty="0"/>
+            <a:r>
+              <a:rPr lang="en-US" dirty="0"/>
+              <a:t>Explain what infected means</a:t>
+            </a:r>
           </a:p>
         </p:txBody>
       </p:sp>
@@ -640,7 +640,7 @@
           <a:p>
             <a:fld id="{F4FFA6F4-FB90-314F-8DDB-1C8806A77A25}" type="slidenum">
               <a:rPr lang="en-US" smtClean="0"/>
-              <a:t>17</a:t>
+              <a:t>16</a:t>
             </a:fld>
             <a:endParaRPr lang="en-US"/>
           </a:p>
@@ -649,7 +649,7 @@
     </p:spTree>
     <p:extLst>
       <p:ext uri="{BB962C8B-B14F-4D97-AF65-F5344CB8AC3E}">
-        <p14:creationId xmlns:p14="http://schemas.microsoft.com/office/powerpoint/2010/main" val="680672359"/>
+        <p14:creationId xmlns:p14="http://schemas.microsoft.com/office/powerpoint/2010/main" val="456923088"/>
       </p:ext>
     </p:extLst>
   </p:cSld>
@@ -724,7 +724,7 @@
           <a:p>
             <a:fld id="{F4FFA6F4-FB90-314F-8DDB-1C8806A77A25}" type="slidenum">
               <a:rPr lang="en-US" smtClean="0"/>
-              <a:t>18</a:t>
+              <a:t>17</a:t>
             </a:fld>
             <a:endParaRPr lang="en-US"/>
           </a:p>
@@ -733,7 +733,7 @@
     </p:spTree>
     <p:extLst>
       <p:ext uri="{BB962C8B-B14F-4D97-AF65-F5344CB8AC3E}">
-        <p14:creationId xmlns:p14="http://schemas.microsoft.com/office/powerpoint/2010/main" val="275963041"/>
+        <p14:creationId xmlns:p14="http://schemas.microsoft.com/office/powerpoint/2010/main" val="680672359"/>
       </p:ext>
     </p:extLst>
   </p:cSld>
@@ -808,7 +808,7 @@
           <a:p>
             <a:fld id="{F4FFA6F4-FB90-314F-8DDB-1C8806A77A25}" type="slidenum">
               <a:rPr lang="en-US" smtClean="0"/>
-              <a:t>21</a:t>
+              <a:t>18</a:t>
             </a:fld>
             <a:endParaRPr lang="en-US"/>
           </a:p>
@@ -817,7 +817,7 @@
     </p:spTree>
     <p:extLst>
       <p:ext uri="{BB962C8B-B14F-4D97-AF65-F5344CB8AC3E}">
-        <p14:creationId xmlns:p14="http://schemas.microsoft.com/office/powerpoint/2010/main" val="2319215628"/>
+        <p14:creationId xmlns:p14="http://schemas.microsoft.com/office/powerpoint/2010/main" val="275963041"/>
       </p:ext>
     </p:extLst>
   </p:cSld>
@@ -871,6 +871,90 @@
           <a:bodyPr/>
           <a:lstStyle/>
           <a:p>
+            <a:endParaRPr lang="en-US" dirty="0"/>
+          </a:p>
+        </p:txBody>
+      </p:sp>
+      <p:sp>
+        <p:nvSpPr>
+          <p:cNvPr id="4" name="Slide Number Placeholder 3"/>
+          <p:cNvSpPr>
+            <a:spLocks noGrp="1"/>
+          </p:cNvSpPr>
+          <p:nvPr>
+            <p:ph type="sldNum" sz="quarter" idx="5"/>
+          </p:nvPr>
+        </p:nvSpPr>
+        <p:spPr/>
+        <p:txBody>
+          <a:bodyPr/>
+          <a:lstStyle/>
+          <a:p>
+            <a:fld id="{F4FFA6F4-FB90-314F-8DDB-1C8806A77A25}" type="slidenum">
+              <a:rPr lang="en-US" smtClean="0"/>
+              <a:t>21</a:t>
+            </a:fld>
+            <a:endParaRPr lang="en-US"/>
+          </a:p>
+        </p:txBody>
+      </p:sp>
+    </p:spTree>
+    <p:extLst>
+      <p:ext uri="{BB962C8B-B14F-4D97-AF65-F5344CB8AC3E}">
+        <p14:creationId xmlns:p14="http://schemas.microsoft.com/office/powerpoint/2010/main" val="2319215628"/>
+      </p:ext>
+    </p:extLst>
+  </p:cSld>
+  <p:clrMapOvr>
+    <a:masterClrMapping/>
+  </p:clrMapOvr>
+</p:notes>
+</file>
+
+<file path=ppt/notesSlides/notesSlide14.xml><?xml version="1.0" encoding="utf-8"?>
+<p:notes xmlns:a="http://schemas.openxmlformats.org/drawingml/2006/main" xmlns:r="http://schemas.openxmlformats.org/officeDocument/2006/relationships" xmlns:p="http://schemas.openxmlformats.org/presentationml/2006/main">
+  <p:cSld>
+    <p:spTree>
+      <p:nvGrpSpPr>
+        <p:cNvPr id="1" name=""/>
+        <p:cNvGrpSpPr/>
+        <p:nvPr/>
+      </p:nvGrpSpPr>
+      <p:grpSpPr>
+        <a:xfrm>
+          <a:off x="0" y="0"/>
+          <a:ext cx="0" cy="0"/>
+          <a:chOff x="0" y="0"/>
+          <a:chExt cx="0" cy="0"/>
+        </a:xfrm>
+      </p:grpSpPr>
+      <p:sp>
+        <p:nvSpPr>
+          <p:cNvPr id="2" name="Slide Image Placeholder 1"/>
+          <p:cNvSpPr>
+            <a:spLocks noGrp="1" noRot="1" noChangeAspect="1"/>
+          </p:cNvSpPr>
+          <p:nvPr>
+            <p:ph type="sldImg"/>
+          </p:nvPr>
+        </p:nvSpPr>
+        <p:spPr/>
+      </p:sp>
+      <p:sp>
+        <p:nvSpPr>
+          <p:cNvPr id="3" name="Notes Placeholder 2"/>
+          <p:cNvSpPr>
+            <a:spLocks noGrp="1"/>
+          </p:cNvSpPr>
+          <p:nvPr>
+            <p:ph type="body" idx="1"/>
+          </p:nvPr>
+        </p:nvSpPr>
+        <p:spPr/>
+        <p:txBody>
+          <a:bodyPr/>
+          <a:lstStyle/>
+          <a:p>
             <a:r>
               <a:rPr lang="en-US" dirty="0"/>
               <a:t>These are estimated from fitting models, like the SIR model, to empirical data and estimating parameters like the transmission rate and recovery rate. </a:t>
@@ -914,7 +998,7 @@
 </p:notes>
 </file>
 
-<file path=ppt/notesSlides/notesSlide14.xml><?xml version="1.0" encoding="utf-8"?>
+<file path=ppt/notesSlides/notesSlide15.xml><?xml version="1.0" encoding="utf-8"?>
 <p:notes xmlns:a="http://schemas.openxmlformats.org/drawingml/2006/main" xmlns:r="http://schemas.openxmlformats.org/officeDocument/2006/relationships" xmlns:p="http://schemas.openxmlformats.org/presentationml/2006/main">
   <p:cSld>
     <p:spTree>
@@ -1065,7 +1149,7 @@
           <a:p>
             <a:r>
               <a:rPr lang="en-US" dirty="0"/>
-              <a:t>Explain what infected means</a:t>
+              <a:t>Explain what susceptible means. </a:t>
             </a:r>
           </a:p>
         </p:txBody>
@@ -1087,7 +1171,7 @@
           <a:p>
             <a:fld id="{F4FFA6F4-FB90-314F-8DDB-1C8806A77A25}" type="slidenum">
               <a:rPr lang="en-US" smtClean="0"/>
-              <a:t>5</a:t>
+              <a:t>4</a:t>
             </a:fld>
             <a:endParaRPr lang="en-US"/>
           </a:p>
@@ -1096,7 +1180,7 @@
     </p:spTree>
     <p:extLst>
       <p:ext uri="{BB962C8B-B14F-4D97-AF65-F5344CB8AC3E}">
-        <p14:creationId xmlns:p14="http://schemas.microsoft.com/office/powerpoint/2010/main" val="14269149"/>
+        <p14:creationId xmlns:p14="http://schemas.microsoft.com/office/powerpoint/2010/main" val="2202574166"/>
       </p:ext>
     </p:extLst>
   </p:cSld>
@@ -1150,7 +1234,10 @@
           <a:bodyPr/>
           <a:lstStyle/>
           <a:p>
-            <a:endParaRPr lang="en-US" dirty="0"/>
+            <a:r>
+              <a:rPr lang="en-US" dirty="0"/>
+              <a:t>Explain what infected means</a:t>
+            </a:r>
           </a:p>
         </p:txBody>
       </p:sp>
@@ -1171,7 +1258,7 @@
           <a:p>
             <a:fld id="{F4FFA6F4-FB90-314F-8DDB-1C8806A77A25}" type="slidenum">
               <a:rPr lang="en-US" smtClean="0"/>
-              <a:t>6</a:t>
+              <a:t>5</a:t>
             </a:fld>
             <a:endParaRPr lang="en-US"/>
           </a:p>
@@ -1180,7 +1267,7 @@
     </p:spTree>
     <p:extLst>
       <p:ext uri="{BB962C8B-B14F-4D97-AF65-F5344CB8AC3E}">
-        <p14:creationId xmlns:p14="http://schemas.microsoft.com/office/powerpoint/2010/main" val="671479289"/>
+        <p14:creationId xmlns:p14="http://schemas.microsoft.com/office/powerpoint/2010/main" val="14269149"/>
       </p:ext>
     </p:extLst>
   </p:cSld>
@@ -1234,10 +1321,7 @@
           <a:bodyPr/>
           <a:lstStyle/>
           <a:p>
-            <a:r>
-              <a:rPr lang="en-US" dirty="0"/>
-              <a:t>Explain what recovered means. </a:t>
-            </a:r>
+            <a:endParaRPr lang="en-US" dirty="0"/>
           </a:p>
         </p:txBody>
       </p:sp>
@@ -1258,7 +1342,7 @@
           <a:p>
             <a:fld id="{F4FFA6F4-FB90-314F-8DDB-1C8806A77A25}" type="slidenum">
               <a:rPr lang="en-US" smtClean="0"/>
-              <a:t>8</a:t>
+              <a:t>6</a:t>
             </a:fld>
             <a:endParaRPr lang="en-US"/>
           </a:p>
@@ -1267,7 +1351,7 @@
     </p:spTree>
     <p:extLst>
       <p:ext uri="{BB962C8B-B14F-4D97-AF65-F5344CB8AC3E}">
-        <p14:creationId xmlns:p14="http://schemas.microsoft.com/office/powerpoint/2010/main" val="2566895081"/>
+        <p14:creationId xmlns:p14="http://schemas.microsoft.com/office/powerpoint/2010/main" val="671479289"/>
       </p:ext>
     </p:extLst>
   </p:cSld>
@@ -1323,7 +1407,7 @@
           <a:p>
             <a:r>
               <a:rPr lang="en-US" dirty="0"/>
-              <a:t>NOTE THAT THE Y IS PROPORTIONS. </a:t>
+              <a:t>Explain what recovered means. </a:t>
             </a:r>
           </a:p>
         </p:txBody>
@@ -1345,7 +1429,7 @@
           <a:p>
             <a:fld id="{F4FFA6F4-FB90-314F-8DDB-1C8806A77A25}" type="slidenum">
               <a:rPr lang="en-US" smtClean="0"/>
-              <a:t>12</a:t>
+              <a:t>8</a:t>
             </a:fld>
             <a:endParaRPr lang="en-US"/>
           </a:p>
@@ -1354,7 +1438,7 @@
     </p:spTree>
     <p:extLst>
       <p:ext uri="{BB962C8B-B14F-4D97-AF65-F5344CB8AC3E}">
-        <p14:creationId xmlns:p14="http://schemas.microsoft.com/office/powerpoint/2010/main" val="1710830411"/>
+        <p14:creationId xmlns:p14="http://schemas.microsoft.com/office/powerpoint/2010/main" val="2566895081"/>
       </p:ext>
     </p:extLst>
   </p:cSld>
@@ -1408,7 +1492,10 @@
           <a:bodyPr/>
           <a:lstStyle/>
           <a:p>
-            <a:endParaRPr lang="en-US" dirty="0"/>
+            <a:r>
+              <a:rPr lang="en-US" dirty="0"/>
+              <a:t>NOTE THAT THE Y IS PROPORTIONS. </a:t>
+            </a:r>
           </a:p>
         </p:txBody>
       </p:sp>
@@ -1429,7 +1516,7 @@
           <a:p>
             <a:fld id="{F4FFA6F4-FB90-314F-8DDB-1C8806A77A25}" type="slidenum">
               <a:rPr lang="en-US" smtClean="0"/>
-              <a:t>13</a:t>
+              <a:t>12</a:t>
             </a:fld>
             <a:endParaRPr lang="en-US"/>
           </a:p>
@@ -1438,7 +1525,7 @@
     </p:spTree>
     <p:extLst>
       <p:ext uri="{BB962C8B-B14F-4D97-AF65-F5344CB8AC3E}">
-        <p14:creationId xmlns:p14="http://schemas.microsoft.com/office/powerpoint/2010/main" val="3202805772"/>
+        <p14:creationId xmlns:p14="http://schemas.microsoft.com/office/powerpoint/2010/main" val="1710830411"/>
       </p:ext>
     </p:extLst>
   </p:cSld>
@@ -1492,20 +1579,7 @@
           <a:bodyPr/>
           <a:lstStyle/>
           <a:p>
-            <a:r>
-              <a:rPr lang="en-US" dirty="0"/>
-              <a:t>Importantly, this assumes density-dependent transmission! </a:t>
-            </a:r>
-          </a:p>
-          <a:p>
-            <a:r>
-              <a:rPr lang="en-US" dirty="0"/>
-              <a:t>The rate at which new infections occur depends on the density of both susceptible and </a:t>
-            </a:r>
-            <a:r>
-              <a:rPr lang="en-US"/>
-              <a:t>infected individuals!</a:t>
-            </a:r>
+            <a:endParaRPr lang="en-US" dirty="0"/>
           </a:p>
         </p:txBody>
       </p:sp>
@@ -1526,7 +1600,7 @@
           <a:p>
             <a:fld id="{F4FFA6F4-FB90-314F-8DDB-1C8806A77A25}" type="slidenum">
               <a:rPr lang="en-US" smtClean="0"/>
-              <a:t>14</a:t>
+              <a:t>13</a:t>
             </a:fld>
             <a:endParaRPr lang="en-US"/>
           </a:p>
@@ -1535,7 +1609,7 @@
     </p:spTree>
     <p:extLst>
       <p:ext uri="{BB962C8B-B14F-4D97-AF65-F5344CB8AC3E}">
-        <p14:creationId xmlns:p14="http://schemas.microsoft.com/office/powerpoint/2010/main" val="3220476652"/>
+        <p14:creationId xmlns:p14="http://schemas.microsoft.com/office/powerpoint/2010/main" val="3202805772"/>
       </p:ext>
     </p:extLst>
   </p:cSld>
@@ -1591,32 +1665,18 @@
           <a:p>
             <a:r>
               <a:rPr lang="en-US" dirty="0"/>
-              <a:t>Think about each of these assumptions. When are they valid and when are they not? How do you think we might change the model structure to take some of these assumptions into account? </a:t>
+              <a:t>Importantly, this assumes density-dependent transmission! </a:t>
             </a:r>
-          </a:p>
-          <a:p>
-            <a:endParaRPr lang="en-US" dirty="0"/>
           </a:p>
           <a:p>
             <a:r>
               <a:rPr lang="en-US" dirty="0"/>
-              <a:t>Go back to previous slide and think about how we would incorporate: </a:t>
+              <a:t>The rate at which new infections occur depends on the density of both susceptible and </a:t>
             </a:r>
-          </a:p>
-          <a:p>
             <a:r>
-              <a:rPr lang="en-US" dirty="0"/>
-              <a:t>BIRTH/DEATH/IMM/EMM</a:t>
+              <a:rPr lang="en-US"/>
+              <a:t>infected individuals!</a:t>
             </a:r>
-          </a:p>
-          <a:p>
-            <a:r>
-              <a:rPr lang="en-US" dirty="0"/>
-              <a:t>LATENCY PERIOD</a:t>
-            </a:r>
-          </a:p>
-          <a:p>
-            <a:endParaRPr lang="en-US" dirty="0"/>
           </a:p>
         </p:txBody>
       </p:sp>
@@ -1637,7 +1697,7 @@
           <a:p>
             <a:fld id="{F4FFA6F4-FB90-314F-8DDB-1C8806A77A25}" type="slidenum">
               <a:rPr lang="en-US" smtClean="0"/>
-              <a:t>15</a:t>
+              <a:t>14</a:t>
             </a:fld>
             <a:endParaRPr lang="en-US"/>
           </a:p>
@@ -1646,7 +1706,7 @@
     </p:spTree>
     <p:extLst>
       <p:ext uri="{BB962C8B-B14F-4D97-AF65-F5344CB8AC3E}">
-        <p14:creationId xmlns:p14="http://schemas.microsoft.com/office/powerpoint/2010/main" val="1697148747"/>
+        <p14:creationId xmlns:p14="http://schemas.microsoft.com/office/powerpoint/2010/main" val="3220476652"/>
       </p:ext>
     </p:extLst>
   </p:cSld>
@@ -1702,8 +1762,32 @@
           <a:p>
             <a:r>
               <a:rPr lang="en-US" dirty="0"/>
-              <a:t>Explain what infected means</a:t>
+              <a:t>Think about each of these assumptions. When are they valid and when are they not? How do you think we might change the model structure to take some of these assumptions into account? </a:t>
             </a:r>
+          </a:p>
+          <a:p>
+            <a:endParaRPr lang="en-US" dirty="0"/>
+          </a:p>
+          <a:p>
+            <a:r>
+              <a:rPr lang="en-US" dirty="0"/>
+              <a:t>Go back to previous slide and think about how we would incorporate: </a:t>
+            </a:r>
+          </a:p>
+          <a:p>
+            <a:r>
+              <a:rPr lang="en-US" dirty="0"/>
+              <a:t>BIRTH/DEATH/IMM/EMM</a:t>
+            </a:r>
+          </a:p>
+          <a:p>
+            <a:r>
+              <a:rPr lang="en-US" dirty="0"/>
+              <a:t>LATENCY PERIOD</a:t>
+            </a:r>
+          </a:p>
+          <a:p>
+            <a:endParaRPr lang="en-US" dirty="0"/>
           </a:p>
         </p:txBody>
       </p:sp>
@@ -1724,7 +1808,7 @@
           <a:p>
             <a:fld id="{F4FFA6F4-FB90-314F-8DDB-1C8806A77A25}" type="slidenum">
               <a:rPr lang="en-US" smtClean="0"/>
-              <a:t>16</a:t>
+              <a:t>15</a:t>
             </a:fld>
             <a:endParaRPr lang="en-US"/>
           </a:p>
@@ -1733,7 +1817,7 @@
     </p:spTree>
     <p:extLst>
       <p:ext uri="{BB962C8B-B14F-4D97-AF65-F5344CB8AC3E}">
-        <p14:creationId xmlns:p14="http://schemas.microsoft.com/office/powerpoint/2010/main" val="456923088"/>
+        <p14:creationId xmlns:p14="http://schemas.microsoft.com/office/powerpoint/2010/main" val="1697148747"/>
       </p:ext>
     </p:extLst>
   </p:cSld>
@@ -1890,7 +1974,7 @@
           <a:p>
             <a:fld id="{DC511BBA-F401-504F-92BF-E6D868E87F66}" type="datetimeFigureOut">
               <a:rPr lang="en-US" smtClean="0"/>
-              <a:t>4/24/23</a:t>
+              <a:t>4/25/23</a:t>
             </a:fld>
             <a:endParaRPr lang="en-US"/>
           </a:p>
@@ -2088,7 +2172,7 @@
           <a:p>
             <a:fld id="{DC511BBA-F401-504F-92BF-E6D868E87F66}" type="datetimeFigureOut">
               <a:rPr lang="en-US" smtClean="0"/>
-              <a:t>4/24/23</a:t>
+              <a:t>4/25/23</a:t>
             </a:fld>
             <a:endParaRPr lang="en-US"/>
           </a:p>
@@ -2296,7 +2380,7 @@
           <a:p>
             <a:fld id="{DC511BBA-F401-504F-92BF-E6D868E87F66}" type="datetimeFigureOut">
               <a:rPr lang="en-US" smtClean="0"/>
-              <a:t>4/24/23</a:t>
+              <a:t>4/25/23</a:t>
             </a:fld>
             <a:endParaRPr lang="en-US"/>
           </a:p>
@@ -2494,7 +2578,7 @@
           <a:p>
             <a:fld id="{DC511BBA-F401-504F-92BF-E6D868E87F66}" type="datetimeFigureOut">
               <a:rPr lang="en-US" smtClean="0"/>
-              <a:t>4/24/23</a:t>
+              <a:t>4/25/23</a:t>
             </a:fld>
             <a:endParaRPr lang="en-US"/>
           </a:p>
@@ -2769,7 +2853,7 @@
           <a:p>
             <a:fld id="{DC511BBA-F401-504F-92BF-E6D868E87F66}" type="datetimeFigureOut">
               <a:rPr lang="en-US" smtClean="0"/>
-              <a:t>4/24/23</a:t>
+              <a:t>4/25/23</a:t>
             </a:fld>
             <a:endParaRPr lang="en-US"/>
           </a:p>
@@ -3034,7 +3118,7 @@
           <a:p>
             <a:fld id="{DC511BBA-F401-504F-92BF-E6D868E87F66}" type="datetimeFigureOut">
               <a:rPr lang="en-US" smtClean="0"/>
-              <a:t>4/24/23</a:t>
+              <a:t>4/25/23</a:t>
             </a:fld>
             <a:endParaRPr lang="en-US"/>
           </a:p>
@@ -3446,7 +3530,7 @@
           <a:p>
             <a:fld id="{DC511BBA-F401-504F-92BF-E6D868E87F66}" type="datetimeFigureOut">
               <a:rPr lang="en-US" smtClean="0"/>
-              <a:t>4/24/23</a:t>
+              <a:t>4/25/23</a:t>
             </a:fld>
             <a:endParaRPr lang="en-US"/>
           </a:p>
@@ -3587,7 +3671,7 @@
           <a:p>
             <a:fld id="{DC511BBA-F401-504F-92BF-E6D868E87F66}" type="datetimeFigureOut">
               <a:rPr lang="en-US" smtClean="0"/>
-              <a:t>4/24/23</a:t>
+              <a:t>4/25/23</a:t>
             </a:fld>
             <a:endParaRPr lang="en-US"/>
           </a:p>
@@ -3700,7 +3784,7 @@
           <a:p>
             <a:fld id="{DC511BBA-F401-504F-92BF-E6D868E87F66}" type="datetimeFigureOut">
               <a:rPr lang="en-US" smtClean="0"/>
-              <a:t>4/24/23</a:t>
+              <a:t>4/25/23</a:t>
             </a:fld>
             <a:endParaRPr lang="en-US"/>
           </a:p>
@@ -4011,7 +4095,7 @@
           <a:p>
             <a:fld id="{DC511BBA-F401-504F-92BF-E6D868E87F66}" type="datetimeFigureOut">
               <a:rPr lang="en-US" smtClean="0"/>
-              <a:t>4/24/23</a:t>
+              <a:t>4/25/23</a:t>
             </a:fld>
             <a:endParaRPr lang="en-US"/>
           </a:p>
@@ -4299,7 +4383,7 @@
           <a:p>
             <a:fld id="{DC511BBA-F401-504F-92BF-E6D868E87F66}" type="datetimeFigureOut">
               <a:rPr lang="en-US" smtClean="0"/>
-              <a:t>4/24/23</a:t>
+              <a:t>4/25/23</a:t>
             </a:fld>
             <a:endParaRPr lang="en-US"/>
           </a:p>
@@ -4540,7 +4624,7 @@
           <a:p>
             <a:fld id="{DC511BBA-F401-504F-92BF-E6D868E87F66}" type="datetimeFigureOut">
               <a:rPr lang="en-US" smtClean="0"/>
-              <a:t>4/24/23</a:t>
+              <a:t>4/25/23</a:t>
             </a:fld>
             <a:endParaRPr lang="en-US"/>
           </a:p>
@@ -13341,6 +13425,183 @@
   <p:clrMapOvr>
     <a:masterClrMapping/>
   </p:clrMapOvr>
+  <p:timing>
+    <p:tnLst>
+      <p:par>
+        <p:cTn id="1" dur="indefinite" restart="never" nodeType="tmRoot">
+          <p:childTnLst>
+            <p:seq concurrent="1" nextAc="seek">
+              <p:cTn id="2" dur="indefinite" nodeType="mainSeq">
+                <p:childTnLst>
+                  <p:par>
+                    <p:cTn id="3" fill="hold">
+                      <p:stCondLst>
+                        <p:cond delay="indefinite"/>
+                      </p:stCondLst>
+                      <p:childTnLst>
+                        <p:par>
+                          <p:cTn id="4" fill="hold">
+                            <p:stCondLst>
+                              <p:cond delay="0"/>
+                            </p:stCondLst>
+                            <p:childTnLst>
+                              <p:par>
+                                <p:cTn id="5" presetID="1" presetClass="entr" presetSubtype="0" fill="hold" nodeType="clickEffect">
+                                  <p:stCondLst>
+                                    <p:cond delay="0"/>
+                                  </p:stCondLst>
+                                  <p:childTnLst>
+                                    <p:set>
+                                      <p:cBhvr>
+                                        <p:cTn id="6" dur="1" fill="hold">
+                                          <p:stCondLst>
+                                            <p:cond delay="0"/>
+                                          </p:stCondLst>
+                                        </p:cTn>
+                                        <p:tgtEl>
+                                          <p:spTgt spid="3">
+                                            <p:txEl>
+                                              <p:pRg st="2" end="2"/>
+                                            </p:txEl>
+                                          </p:spTgt>
+                                        </p:tgtEl>
+                                        <p:attrNameLst>
+                                          <p:attrName>style.visibility</p:attrName>
+                                        </p:attrNameLst>
+                                      </p:cBhvr>
+                                      <p:to>
+                                        <p:strVal val="visible"/>
+                                      </p:to>
+                                    </p:set>
+                                  </p:childTnLst>
+                                </p:cTn>
+                              </p:par>
+                            </p:childTnLst>
+                          </p:cTn>
+                        </p:par>
+                      </p:childTnLst>
+                    </p:cTn>
+                  </p:par>
+                  <p:par>
+                    <p:cTn id="7" fill="hold">
+                      <p:stCondLst>
+                        <p:cond delay="indefinite"/>
+                      </p:stCondLst>
+                      <p:childTnLst>
+                        <p:par>
+                          <p:cTn id="8" fill="hold">
+                            <p:stCondLst>
+                              <p:cond delay="0"/>
+                            </p:stCondLst>
+                            <p:childTnLst>
+                              <p:par>
+                                <p:cTn id="9" presetID="1" presetClass="entr" presetSubtype="0" fill="hold" nodeType="clickEffect">
+                                  <p:stCondLst>
+                                    <p:cond delay="0"/>
+                                  </p:stCondLst>
+                                  <p:childTnLst>
+                                    <p:set>
+                                      <p:cBhvr>
+                                        <p:cTn id="10" dur="1" fill="hold">
+                                          <p:stCondLst>
+                                            <p:cond delay="0"/>
+                                          </p:stCondLst>
+                                        </p:cTn>
+                                        <p:tgtEl>
+                                          <p:spTgt spid="3">
+                                            <p:txEl>
+                                              <p:pRg st="3" end="3"/>
+                                            </p:txEl>
+                                          </p:spTgt>
+                                        </p:tgtEl>
+                                        <p:attrNameLst>
+                                          <p:attrName>style.visibility</p:attrName>
+                                        </p:attrNameLst>
+                                      </p:cBhvr>
+                                      <p:to>
+                                        <p:strVal val="visible"/>
+                                      </p:to>
+                                    </p:set>
+                                  </p:childTnLst>
+                                </p:cTn>
+                              </p:par>
+                            </p:childTnLst>
+                          </p:cTn>
+                        </p:par>
+                      </p:childTnLst>
+                    </p:cTn>
+                  </p:par>
+                  <p:par>
+                    <p:cTn id="11" fill="hold">
+                      <p:stCondLst>
+                        <p:cond delay="indefinite"/>
+                      </p:stCondLst>
+                      <p:childTnLst>
+                        <p:par>
+                          <p:cTn id="12" fill="hold">
+                            <p:stCondLst>
+                              <p:cond delay="0"/>
+                            </p:stCondLst>
+                            <p:childTnLst>
+                              <p:par>
+                                <p:cTn id="13" presetID="1" presetClass="entr" presetSubtype="0" fill="hold" nodeType="clickEffect">
+                                  <p:stCondLst>
+                                    <p:cond delay="0"/>
+                                  </p:stCondLst>
+                                  <p:childTnLst>
+                                    <p:set>
+                                      <p:cBhvr>
+                                        <p:cTn id="14" dur="1" fill="hold">
+                                          <p:stCondLst>
+                                            <p:cond delay="0"/>
+                                          </p:stCondLst>
+                                        </p:cTn>
+                                        <p:tgtEl>
+                                          <p:spTgt spid="3">
+                                            <p:txEl>
+                                              <p:pRg st="4" end="4"/>
+                                            </p:txEl>
+                                          </p:spTgt>
+                                        </p:tgtEl>
+                                        <p:attrNameLst>
+                                          <p:attrName>style.visibility</p:attrName>
+                                        </p:attrNameLst>
+                                      </p:cBhvr>
+                                      <p:to>
+                                        <p:strVal val="visible"/>
+                                      </p:to>
+                                    </p:set>
+                                  </p:childTnLst>
+                                </p:cTn>
+                              </p:par>
+                            </p:childTnLst>
+                          </p:cTn>
+                        </p:par>
+                      </p:childTnLst>
+                    </p:cTn>
+                  </p:par>
+                </p:childTnLst>
+              </p:cTn>
+              <p:prevCondLst>
+                <p:cond evt="onPrev" delay="0">
+                  <p:tgtEl>
+                    <p:sldTgt/>
+                  </p:tgtEl>
+                </p:cond>
+              </p:prevCondLst>
+              <p:nextCondLst>
+                <p:cond evt="onNext" delay="0">
+                  <p:tgtEl>
+                    <p:sldTgt/>
+                  </p:tgtEl>
+                </p:cond>
+              </p:nextCondLst>
+            </p:seq>
+          </p:childTnLst>
+        </p:cTn>
+      </p:par>
+    </p:tnLst>
+  </p:timing>
 </p:sld>
 </file>
 
@@ -19443,34 +19704,31 @@
           <a:bodyPr/>
           <a:lstStyle/>
           <a:p>
+            <a:pPr marL="0" indent="0">
+              <a:buNone/>
+            </a:pPr>
             <a:r>
-              <a:rPr lang="en-US" dirty="0"/>
+              <a:rPr lang="en-US" sz="4400" dirty="0"/>
               <a:t>Mathematical and computational approaches to understand the dynamics of infectious diseases. </a:t>
             </a:r>
           </a:p>
           <a:p>
             <a:pPr lvl="1"/>
+            <a:endParaRPr lang="en-US" sz="4000" dirty="0"/>
+          </a:p>
+          <a:p>
+            <a:pPr marL="457200" lvl="1" indent="0">
+              <a:buNone/>
+            </a:pPr>
             <a:r>
-              <a:rPr lang="en-US" dirty="0"/>
-              <a:t>When, where, and how of pathogen spread</a:t>
+              <a:rPr lang="en-US" sz="4000" dirty="0"/>
+              <a:t>When, where, and how of pathogen spread.</a:t>
             </a:r>
           </a:p>
           <a:p>
-            <a:pPr lvl="1"/>
-            <a:r>
-              <a:rPr lang="en-US" dirty="0"/>
-              <a:t>Duration and size of epidemics</a:t>
-            </a:r>
-          </a:p>
-          <a:p>
-            <a:pPr lvl="1"/>
-            <a:r>
-              <a:rPr lang="en-US" dirty="0"/>
-              <a:t>Effectiveness of control strategies</a:t>
-            </a:r>
-          </a:p>
-          <a:p>
-            <a:pPr lvl="1"/>
+            <a:pPr marL="457200" lvl="1" indent="0">
+              <a:buNone/>
+            </a:pPr>
             <a:endParaRPr lang="en-US" dirty="0"/>
           </a:p>
         </p:txBody>
@@ -20131,8 +20389,8 @@
           </a:p>
         </p:txBody>
       </p:sp>
-      <mc:AlternateContent xmlns:mc="http://schemas.openxmlformats.org/markup-compatibility/2006">
-        <mc:Choice xmlns:a14="http://schemas.microsoft.com/office/drawing/2010/main" Requires="a14">
+      <mc:AlternateContent xmlns:mc="http://schemas.openxmlformats.org/markup-compatibility/2006" xmlns:a14="http://schemas.microsoft.com/office/drawing/2010/main">
+        <mc:Choice Requires="a14">
           <p:sp>
             <p:nvSpPr>
               <p:cNvPr id="8" name="TextBox 7">
@@ -20161,6 +20419,7 @@
               </a:bodyPr>
               <a:lstStyle/>
               <a:p>
+                <a:pPr/>
                 <a14:m>
                   <m:oMathPara xmlns:m="http://schemas.openxmlformats.org/officeDocument/2006/math">
                     <m:oMathParaPr>
@@ -20471,7 +20730,7 @@
             </p:txBody>
           </p:sp>
         </mc:Choice>
-        <mc:Fallback>
+        <mc:Fallback xmlns="">
           <p:sp>
             <p:nvSpPr>
               <p:cNvPr id="8" name="TextBox 7">
@@ -21176,8 +21435,8 @@
           </a:p>
         </p:txBody>
       </p:sp>
-      <mc:AlternateContent xmlns:mc="http://schemas.openxmlformats.org/markup-compatibility/2006">
-        <mc:Choice xmlns:a14="http://schemas.microsoft.com/office/drawing/2010/main" Requires="a14">
+      <mc:AlternateContent xmlns:mc="http://schemas.openxmlformats.org/markup-compatibility/2006" xmlns:a14="http://schemas.microsoft.com/office/drawing/2010/main">
+        <mc:Choice Requires="a14">
           <p:sp>
             <p:nvSpPr>
               <p:cNvPr id="32" name="TextBox 31">
@@ -21266,7 +21525,7 @@
             </p:txBody>
           </p:sp>
         </mc:Choice>
-        <mc:Fallback>
+        <mc:Fallback xmlns="">
           <p:sp>
             <p:nvSpPr>
               <p:cNvPr id="32" name="TextBox 31">
@@ -21311,8 +21570,8 @@
           </p:sp>
         </mc:Fallback>
       </mc:AlternateContent>
-      <mc:AlternateContent xmlns:mc="http://schemas.openxmlformats.org/markup-compatibility/2006">
-        <mc:Choice xmlns:a14="http://schemas.microsoft.com/office/drawing/2010/main" Requires="a14">
+      <mc:AlternateContent xmlns:mc="http://schemas.openxmlformats.org/markup-compatibility/2006" xmlns:a14="http://schemas.microsoft.com/office/drawing/2010/main">
+        <mc:Choice Requires="a14">
           <p:sp>
             <p:nvSpPr>
               <p:cNvPr id="33" name="TextBox 32">
@@ -21422,7 +21681,7 @@
             </p:txBody>
           </p:sp>
         </mc:Choice>
-        <mc:Fallback>
+        <mc:Fallback xmlns="">
           <p:sp>
             <p:nvSpPr>
               <p:cNvPr id="33" name="TextBox 32">
@@ -21467,8 +21726,8 @@
           </p:sp>
         </mc:Fallback>
       </mc:AlternateContent>
-      <mc:AlternateContent xmlns:mc="http://schemas.openxmlformats.org/markup-compatibility/2006">
-        <mc:Choice xmlns:a14="http://schemas.microsoft.com/office/drawing/2010/main" Requires="a14">
+      <mc:AlternateContent xmlns:mc="http://schemas.openxmlformats.org/markup-compatibility/2006" xmlns:a14="http://schemas.microsoft.com/office/drawing/2010/main">
+        <mc:Choice Requires="a14">
           <p:sp>
             <p:nvSpPr>
               <p:cNvPr id="34" name="TextBox 33">
@@ -21557,7 +21816,7 @@
             </p:txBody>
           </p:sp>
         </mc:Choice>
-        <mc:Fallback>
+        <mc:Fallback xmlns="">
           <p:sp>
             <p:nvSpPr>
               <p:cNvPr id="34" name="TextBox 33">
@@ -21787,6 +22046,379 @@
   <p:clrMapOvr>
     <a:masterClrMapping/>
   </p:clrMapOvr>
+  <p:timing>
+    <p:tnLst>
+      <p:par>
+        <p:cTn id="1" dur="indefinite" restart="never" nodeType="tmRoot">
+          <p:childTnLst>
+            <p:seq concurrent="1" nextAc="seek">
+              <p:cTn id="2" dur="indefinite" nodeType="mainSeq">
+                <p:childTnLst>
+                  <p:par>
+                    <p:cTn id="3" fill="hold">
+                      <p:stCondLst>
+                        <p:cond delay="indefinite"/>
+                      </p:stCondLst>
+                      <p:childTnLst>
+                        <p:par>
+                          <p:cTn id="4" fill="hold">
+                            <p:stCondLst>
+                              <p:cond delay="0"/>
+                            </p:stCondLst>
+                            <p:childTnLst>
+                              <p:par>
+                                <p:cTn id="5" presetID="1" presetClass="entr" presetSubtype="0" fill="hold" nodeType="clickEffect">
+                                  <p:stCondLst>
+                                    <p:cond delay="0"/>
+                                  </p:stCondLst>
+                                  <p:childTnLst>
+                                    <p:set>
+                                      <p:cBhvr>
+                                        <p:cTn id="6" dur="1" fill="hold">
+                                          <p:stCondLst>
+                                            <p:cond delay="0"/>
+                                          </p:stCondLst>
+                                        </p:cTn>
+                                        <p:tgtEl>
+                                          <p:spTgt spid="3">
+                                            <p:txEl>
+                                              <p:pRg st="1" end="1"/>
+                                            </p:txEl>
+                                          </p:spTgt>
+                                        </p:tgtEl>
+                                        <p:attrNameLst>
+                                          <p:attrName>style.visibility</p:attrName>
+                                        </p:attrNameLst>
+                                      </p:cBhvr>
+                                      <p:to>
+                                        <p:strVal val="visible"/>
+                                      </p:to>
+                                    </p:set>
+                                  </p:childTnLst>
+                                </p:cTn>
+                              </p:par>
+                            </p:childTnLst>
+                          </p:cTn>
+                        </p:par>
+                      </p:childTnLst>
+                    </p:cTn>
+                  </p:par>
+                  <p:par>
+                    <p:cTn id="7" fill="hold">
+                      <p:stCondLst>
+                        <p:cond delay="indefinite"/>
+                      </p:stCondLst>
+                      <p:childTnLst>
+                        <p:par>
+                          <p:cTn id="8" fill="hold">
+                            <p:stCondLst>
+                              <p:cond delay="0"/>
+                            </p:stCondLst>
+                            <p:childTnLst>
+                              <p:par>
+                                <p:cTn id="9" presetID="1" presetClass="entr" presetSubtype="0" fill="hold" nodeType="clickEffect">
+                                  <p:stCondLst>
+                                    <p:cond delay="0"/>
+                                  </p:stCondLst>
+                                  <p:childTnLst>
+                                    <p:set>
+                                      <p:cBhvr>
+                                        <p:cTn id="10" dur="1" fill="hold">
+                                          <p:stCondLst>
+                                            <p:cond delay="0"/>
+                                          </p:stCondLst>
+                                        </p:cTn>
+                                        <p:tgtEl>
+                                          <p:spTgt spid="3">
+                                            <p:txEl>
+                                              <p:pRg st="2" end="2"/>
+                                            </p:txEl>
+                                          </p:spTgt>
+                                        </p:tgtEl>
+                                        <p:attrNameLst>
+                                          <p:attrName>style.visibility</p:attrName>
+                                        </p:attrNameLst>
+                                      </p:cBhvr>
+                                      <p:to>
+                                        <p:strVal val="visible"/>
+                                      </p:to>
+                                    </p:set>
+                                  </p:childTnLst>
+                                </p:cTn>
+                              </p:par>
+                            </p:childTnLst>
+                          </p:cTn>
+                        </p:par>
+                      </p:childTnLst>
+                    </p:cTn>
+                  </p:par>
+                  <p:par>
+                    <p:cTn id="11" fill="hold">
+                      <p:stCondLst>
+                        <p:cond delay="indefinite"/>
+                      </p:stCondLst>
+                      <p:childTnLst>
+                        <p:par>
+                          <p:cTn id="12" fill="hold">
+                            <p:stCondLst>
+                              <p:cond delay="0"/>
+                            </p:stCondLst>
+                            <p:childTnLst>
+                              <p:par>
+                                <p:cTn id="13" presetID="1" presetClass="entr" presetSubtype="0" fill="hold" nodeType="clickEffect">
+                                  <p:stCondLst>
+                                    <p:cond delay="0"/>
+                                  </p:stCondLst>
+                                  <p:childTnLst>
+                                    <p:set>
+                                      <p:cBhvr>
+                                        <p:cTn id="14" dur="1" fill="hold">
+                                          <p:stCondLst>
+                                            <p:cond delay="0"/>
+                                          </p:stCondLst>
+                                        </p:cTn>
+                                        <p:tgtEl>
+                                          <p:spTgt spid="3">
+                                            <p:txEl>
+                                              <p:pRg st="3" end="3"/>
+                                            </p:txEl>
+                                          </p:spTgt>
+                                        </p:tgtEl>
+                                        <p:attrNameLst>
+                                          <p:attrName>style.visibility</p:attrName>
+                                        </p:attrNameLst>
+                                      </p:cBhvr>
+                                      <p:to>
+                                        <p:strVal val="visible"/>
+                                      </p:to>
+                                    </p:set>
+                                  </p:childTnLst>
+                                </p:cTn>
+                              </p:par>
+                            </p:childTnLst>
+                          </p:cTn>
+                        </p:par>
+                      </p:childTnLst>
+                    </p:cTn>
+                  </p:par>
+                  <p:par>
+                    <p:cTn id="15" fill="hold">
+                      <p:stCondLst>
+                        <p:cond delay="indefinite"/>
+                      </p:stCondLst>
+                      <p:childTnLst>
+                        <p:par>
+                          <p:cTn id="16" fill="hold">
+                            <p:stCondLst>
+                              <p:cond delay="0"/>
+                            </p:stCondLst>
+                            <p:childTnLst>
+                              <p:par>
+                                <p:cTn id="17" presetID="1" presetClass="entr" presetSubtype="0" fill="hold" nodeType="clickEffect">
+                                  <p:stCondLst>
+                                    <p:cond delay="0"/>
+                                  </p:stCondLst>
+                                  <p:childTnLst>
+                                    <p:set>
+                                      <p:cBhvr>
+                                        <p:cTn id="18" dur="1" fill="hold">
+                                          <p:stCondLst>
+                                            <p:cond delay="0"/>
+                                          </p:stCondLst>
+                                        </p:cTn>
+                                        <p:tgtEl>
+                                          <p:spTgt spid="3">
+                                            <p:txEl>
+                                              <p:pRg st="4" end="4"/>
+                                            </p:txEl>
+                                          </p:spTgt>
+                                        </p:tgtEl>
+                                        <p:attrNameLst>
+                                          <p:attrName>style.visibility</p:attrName>
+                                        </p:attrNameLst>
+                                      </p:cBhvr>
+                                      <p:to>
+                                        <p:strVal val="visible"/>
+                                      </p:to>
+                                    </p:set>
+                                  </p:childTnLst>
+                                </p:cTn>
+                              </p:par>
+                            </p:childTnLst>
+                          </p:cTn>
+                        </p:par>
+                      </p:childTnLst>
+                    </p:cTn>
+                  </p:par>
+                  <p:par>
+                    <p:cTn id="19" fill="hold">
+                      <p:stCondLst>
+                        <p:cond delay="indefinite"/>
+                      </p:stCondLst>
+                      <p:childTnLst>
+                        <p:par>
+                          <p:cTn id="20" fill="hold">
+                            <p:stCondLst>
+                              <p:cond delay="0"/>
+                            </p:stCondLst>
+                            <p:childTnLst>
+                              <p:par>
+                                <p:cTn id="21" presetID="1" presetClass="entr" presetSubtype="0" fill="hold" nodeType="clickEffect">
+                                  <p:stCondLst>
+                                    <p:cond delay="0"/>
+                                  </p:stCondLst>
+                                  <p:childTnLst>
+                                    <p:set>
+                                      <p:cBhvr>
+                                        <p:cTn id="22" dur="1" fill="hold">
+                                          <p:stCondLst>
+                                            <p:cond delay="0"/>
+                                          </p:stCondLst>
+                                        </p:cTn>
+                                        <p:tgtEl>
+                                          <p:spTgt spid="3">
+                                            <p:txEl>
+                                              <p:pRg st="5" end="5"/>
+                                            </p:txEl>
+                                          </p:spTgt>
+                                        </p:tgtEl>
+                                        <p:attrNameLst>
+                                          <p:attrName>style.visibility</p:attrName>
+                                        </p:attrNameLst>
+                                      </p:cBhvr>
+                                      <p:to>
+                                        <p:strVal val="visible"/>
+                                      </p:to>
+                                    </p:set>
+                                  </p:childTnLst>
+                                </p:cTn>
+                              </p:par>
+                            </p:childTnLst>
+                          </p:cTn>
+                        </p:par>
+                      </p:childTnLst>
+                    </p:cTn>
+                  </p:par>
+                  <p:par>
+                    <p:cTn id="23" fill="hold">
+                      <p:stCondLst>
+                        <p:cond delay="indefinite"/>
+                      </p:stCondLst>
+                      <p:childTnLst>
+                        <p:par>
+                          <p:cTn id="24" fill="hold">
+                            <p:stCondLst>
+                              <p:cond delay="0"/>
+                            </p:stCondLst>
+                            <p:childTnLst>
+                              <p:par>
+                                <p:cTn id="25" presetID="1" presetClass="entr" presetSubtype="0" fill="hold" nodeType="clickEffect">
+                                  <p:stCondLst>
+                                    <p:cond delay="0"/>
+                                  </p:stCondLst>
+                                  <p:childTnLst>
+                                    <p:set>
+                                      <p:cBhvr>
+                                        <p:cTn id="26" dur="1" fill="hold">
+                                          <p:stCondLst>
+                                            <p:cond delay="0"/>
+                                          </p:stCondLst>
+                                        </p:cTn>
+                                        <p:tgtEl>
+                                          <p:spTgt spid="3">
+                                            <p:txEl>
+                                              <p:pRg st="6" end="6"/>
+                                            </p:txEl>
+                                          </p:spTgt>
+                                        </p:tgtEl>
+                                        <p:attrNameLst>
+                                          <p:attrName>style.visibility</p:attrName>
+                                        </p:attrNameLst>
+                                      </p:cBhvr>
+                                      <p:to>
+                                        <p:strVal val="visible"/>
+                                      </p:to>
+                                    </p:set>
+                                  </p:childTnLst>
+                                </p:cTn>
+                              </p:par>
+                            </p:childTnLst>
+                          </p:cTn>
+                        </p:par>
+                      </p:childTnLst>
+                    </p:cTn>
+                  </p:par>
+                  <p:par>
+                    <p:cTn id="27" fill="hold">
+                      <p:stCondLst>
+                        <p:cond delay="indefinite"/>
+                      </p:stCondLst>
+                      <p:childTnLst>
+                        <p:par>
+                          <p:cTn id="28" fill="hold">
+                            <p:stCondLst>
+                              <p:cond delay="0"/>
+                            </p:stCondLst>
+                            <p:childTnLst>
+                              <p:par>
+                                <p:cTn id="29" presetID="1" presetClass="entr" presetSubtype="0" fill="hold" nodeType="clickEffect">
+                                  <p:stCondLst>
+                                    <p:cond delay="0"/>
+                                  </p:stCondLst>
+                                  <p:childTnLst>
+                                    <p:set>
+                                      <p:cBhvr>
+                                        <p:cTn id="30" dur="1" fill="hold">
+                                          <p:stCondLst>
+                                            <p:cond delay="0"/>
+                                          </p:stCondLst>
+                                        </p:cTn>
+                                        <p:tgtEl>
+                                          <p:spTgt spid="3">
+                                            <p:txEl>
+                                              <p:pRg st="7" end="7"/>
+                                            </p:txEl>
+                                          </p:spTgt>
+                                        </p:tgtEl>
+                                        <p:attrNameLst>
+                                          <p:attrName>style.visibility</p:attrName>
+                                        </p:attrNameLst>
+                                      </p:cBhvr>
+                                      <p:to>
+                                        <p:strVal val="visible"/>
+                                      </p:to>
+                                    </p:set>
+                                  </p:childTnLst>
+                                </p:cTn>
+                              </p:par>
+                            </p:childTnLst>
+                          </p:cTn>
+                        </p:par>
+                      </p:childTnLst>
+                    </p:cTn>
+                  </p:par>
+                </p:childTnLst>
+              </p:cTn>
+              <p:prevCondLst>
+                <p:cond evt="onPrev" delay="0">
+                  <p:tgtEl>
+                    <p:sldTgt/>
+                  </p:tgtEl>
+                </p:cond>
+              </p:prevCondLst>
+              <p:nextCondLst>
+                <p:cond evt="onNext" delay="0">
+                  <p:tgtEl>
+                    <p:sldTgt/>
+                  </p:tgtEl>
+                </p:cond>
+              </p:nextCondLst>
+            </p:seq>
+          </p:childTnLst>
+        </p:cTn>
+      </p:par>
+    </p:tnLst>
+  </p:timing>
 </p:sld>
 </file>
 
@@ -21970,31 +22602,127 @@
         </p:nvSpPr>
         <p:spPr>
           <a:xfrm>
-            <a:off x="838200" y="1911350"/>
-            <a:ext cx="10515600" cy="4351338"/>
-          </a:xfrm>
-        </p:spPr>
-        <p:txBody>
-          <a:bodyPr/>
-          <a:lstStyle/>
-          <a:p>
+            <a:off x="838200" y="3219273"/>
+            <a:ext cx="10515600" cy="3493914"/>
+          </a:xfrm>
+        </p:spPr>
+        <p:txBody>
+          <a:bodyPr>
+            <a:normAutofit/>
+          </a:bodyPr>
+          <a:lstStyle/>
+          <a:p>
+            <a:pPr marL="0" indent="0">
+              <a:buNone/>
+            </a:pPr>
             <a:r>
               <a:rPr lang="en-US" dirty="0"/>
-              <a:t>Explain epidemics. </a:t>
+              <a:t>Infectious disease modeling can help us estimate: </a:t>
             </a:r>
           </a:p>
           <a:p>
-            <a:pPr lvl="1"/>
+            <a:pPr marL="514350" indent="-514350">
+              <a:buAutoNum type="arabicParenR"/>
+            </a:pPr>
             <a:r>
               <a:rPr lang="en-US" dirty="0"/>
-              <a:t>Why would we want to estimate the size and duration of an epidemic? </a:t>
+              <a:t>When epidemics will occur. </a:t>
             </a:r>
           </a:p>
           <a:p>
-            <a:pPr lvl="1"/>
+            <a:pPr marL="514350" indent="-514350">
+              <a:buFont typeface="Arial" panose="020B0604020202020204" pitchFamily="34" charset="0"/>
+              <a:buAutoNum type="arabicParenR"/>
+            </a:pPr>
             <a:r>
               <a:rPr lang="en-US" dirty="0"/>
-              <a:t>What sorts of metrics might we want to estimate? </a:t>
+              <a:t>Where epidemics will occur.</a:t>
+            </a:r>
+          </a:p>
+          <a:p>
+            <a:pPr marL="514350" indent="-514350">
+              <a:buAutoNum type="arabicParenR"/>
+            </a:pPr>
+            <a:r>
+              <a:rPr lang="en-US" dirty="0"/>
+              <a:t>How big an epidemic will get.</a:t>
+            </a:r>
+          </a:p>
+          <a:p>
+            <a:pPr marL="514350" indent="-514350">
+              <a:buAutoNum type="arabicParenR"/>
+            </a:pPr>
+            <a:r>
+              <a:rPr lang="en-US" dirty="0"/>
+              <a:t>Who is at risk during an epidemic.</a:t>
+            </a:r>
+          </a:p>
+          <a:p>
+            <a:pPr marL="514350" indent="-514350">
+              <a:buAutoNum type="arabicParenR"/>
+            </a:pPr>
+            <a:r>
+              <a:rPr lang="en-US" dirty="0"/>
+              <a:t>Which intervention strategies might be effective (and which will not). </a:t>
+            </a:r>
+          </a:p>
+          <a:p>
+            <a:pPr marL="514350" indent="-514350">
+              <a:buAutoNum type="arabicParenR"/>
+            </a:pPr>
+            <a:endParaRPr lang="en-US" dirty="0"/>
+          </a:p>
+          <a:p>
+            <a:pPr marL="514350" indent="-514350">
+              <a:buAutoNum type="arabicParenR"/>
+            </a:pPr>
+            <a:endParaRPr lang="en-US" dirty="0"/>
+          </a:p>
+        </p:txBody>
+      </p:sp>
+      <p:sp>
+        <p:nvSpPr>
+          <p:cNvPr id="4" name="TextBox 3">
+            <a:extLst>
+              <a:ext uri="{FF2B5EF4-FFF2-40B4-BE49-F238E27FC236}">
+                <a16:creationId xmlns:a16="http://schemas.microsoft.com/office/drawing/2014/main" id="{40FA9D52-05FA-C295-E8F7-8B8C1251DD51}"/>
+              </a:ext>
+            </a:extLst>
+          </p:cNvPr>
+          <p:cNvSpPr txBox="1"/>
+          <p:nvPr/>
+        </p:nvSpPr>
+        <p:spPr>
+          <a:xfrm>
+            <a:off x="234855" y="1068636"/>
+            <a:ext cx="11810082" cy="1815882"/>
+          </a:xfrm>
+          <a:prstGeom prst="rect">
+            <a:avLst/>
+          </a:prstGeom>
+          <a:noFill/>
+        </p:spPr>
+        <p:txBody>
+          <a:bodyPr wrap="square" rtlCol="0">
+            <a:spAutoFit/>
+          </a:bodyPr>
+          <a:lstStyle/>
+          <a:p>
+            <a:r>
+              <a:rPr lang="en-US" sz="2800" b="1" dirty="0"/>
+              <a:t>Public health / wildlife management resources </a:t>
+            </a:r>
+            <a:r>
+              <a:rPr lang="en-US" sz="2800" b="1" dirty="0">
+                <a:solidFill>
+                  <a:srgbClr val="FF0000"/>
+                </a:solidFill>
+              </a:rPr>
+              <a:t>are limited</a:t>
+            </a:r>
+            <a:r>
+              <a:rPr lang="en-US" sz="2800" b="1" dirty="0"/>
+              <a:t>, despite epidemics (and pandemics) constantly occurring. Knowing when we will need resources, how much, and how best to distribute them will maximize our effectiveness when fighting an epidemic. </a:t>
             </a:r>
           </a:p>
         </p:txBody>
@@ -22009,6 +22737,312 @@
   <p:clrMapOvr>
     <a:masterClrMapping/>
   </p:clrMapOvr>
+  <p:timing>
+    <p:tnLst>
+      <p:par>
+        <p:cTn id="1" dur="indefinite" restart="never" nodeType="tmRoot">
+          <p:childTnLst>
+            <p:seq concurrent="1" nextAc="seek">
+              <p:cTn id="2" dur="indefinite" nodeType="mainSeq">
+                <p:childTnLst>
+                  <p:par>
+                    <p:cTn id="3" fill="hold">
+                      <p:stCondLst>
+                        <p:cond delay="indefinite"/>
+                      </p:stCondLst>
+                      <p:childTnLst>
+                        <p:par>
+                          <p:cTn id="4" fill="hold">
+                            <p:stCondLst>
+                              <p:cond delay="0"/>
+                            </p:stCondLst>
+                            <p:childTnLst>
+                              <p:par>
+                                <p:cTn id="5" presetID="1" presetClass="entr" presetSubtype="0" fill="hold" nodeType="clickEffect">
+                                  <p:stCondLst>
+                                    <p:cond delay="0"/>
+                                  </p:stCondLst>
+                                  <p:childTnLst>
+                                    <p:set>
+                                      <p:cBhvr>
+                                        <p:cTn id="6" dur="1" fill="hold">
+                                          <p:stCondLst>
+                                            <p:cond delay="0"/>
+                                          </p:stCondLst>
+                                        </p:cTn>
+                                        <p:tgtEl>
+                                          <p:spTgt spid="3">
+                                            <p:txEl>
+                                              <p:pRg st="0" end="0"/>
+                                            </p:txEl>
+                                          </p:spTgt>
+                                        </p:tgtEl>
+                                        <p:attrNameLst>
+                                          <p:attrName>style.visibility</p:attrName>
+                                        </p:attrNameLst>
+                                      </p:cBhvr>
+                                      <p:to>
+                                        <p:strVal val="visible"/>
+                                      </p:to>
+                                    </p:set>
+                                  </p:childTnLst>
+                                </p:cTn>
+                              </p:par>
+                              <p:par>
+                                <p:cTn id="7" presetID="1" presetClass="entr" presetSubtype="0" fill="hold" nodeType="withEffect">
+                                  <p:stCondLst>
+                                    <p:cond delay="0"/>
+                                  </p:stCondLst>
+                                  <p:childTnLst>
+                                    <p:set>
+                                      <p:cBhvr>
+                                        <p:cTn id="8" dur="1" fill="hold">
+                                          <p:stCondLst>
+                                            <p:cond delay="0"/>
+                                          </p:stCondLst>
+                                        </p:cTn>
+                                        <p:tgtEl>
+                                          <p:spTgt spid="3">
+                                            <p:txEl>
+                                              <p:pRg st="1" end="1"/>
+                                            </p:txEl>
+                                          </p:spTgt>
+                                        </p:tgtEl>
+                                        <p:attrNameLst>
+                                          <p:attrName>style.visibility</p:attrName>
+                                        </p:attrNameLst>
+                                      </p:cBhvr>
+                                      <p:to>
+                                        <p:strVal val="visible"/>
+                                      </p:to>
+                                    </p:set>
+                                  </p:childTnLst>
+                                </p:cTn>
+                              </p:par>
+                            </p:childTnLst>
+                          </p:cTn>
+                        </p:par>
+                      </p:childTnLst>
+                    </p:cTn>
+                  </p:par>
+                  <p:par>
+                    <p:cTn id="9" fill="hold">
+                      <p:stCondLst>
+                        <p:cond delay="indefinite"/>
+                      </p:stCondLst>
+                      <p:childTnLst>
+                        <p:par>
+                          <p:cTn id="10" fill="hold">
+                            <p:stCondLst>
+                              <p:cond delay="0"/>
+                            </p:stCondLst>
+                            <p:childTnLst>
+                              <p:par>
+                                <p:cTn id="11" presetID="1" presetClass="entr" presetSubtype="0" fill="hold" nodeType="clickEffect">
+                                  <p:stCondLst>
+                                    <p:cond delay="0"/>
+                                  </p:stCondLst>
+                                  <p:childTnLst>
+                                    <p:set>
+                                      <p:cBhvr>
+                                        <p:cTn id="12" dur="1" fill="hold">
+                                          <p:stCondLst>
+                                            <p:cond delay="0"/>
+                                          </p:stCondLst>
+                                        </p:cTn>
+                                        <p:tgtEl>
+                                          <p:spTgt spid="3">
+                                            <p:txEl>
+                                              <p:pRg st="2" end="2"/>
+                                            </p:txEl>
+                                          </p:spTgt>
+                                        </p:tgtEl>
+                                        <p:attrNameLst>
+                                          <p:attrName>style.visibility</p:attrName>
+                                        </p:attrNameLst>
+                                      </p:cBhvr>
+                                      <p:to>
+                                        <p:strVal val="visible"/>
+                                      </p:to>
+                                    </p:set>
+                                  </p:childTnLst>
+                                </p:cTn>
+                              </p:par>
+                            </p:childTnLst>
+                          </p:cTn>
+                        </p:par>
+                      </p:childTnLst>
+                    </p:cTn>
+                  </p:par>
+                  <p:par>
+                    <p:cTn id="13" fill="hold">
+                      <p:stCondLst>
+                        <p:cond delay="indefinite"/>
+                      </p:stCondLst>
+                      <p:childTnLst>
+                        <p:par>
+                          <p:cTn id="14" fill="hold">
+                            <p:stCondLst>
+                              <p:cond delay="0"/>
+                            </p:stCondLst>
+                            <p:childTnLst>
+                              <p:par>
+                                <p:cTn id="15" presetID="1" presetClass="entr" presetSubtype="0" fill="hold" nodeType="clickEffect">
+                                  <p:stCondLst>
+                                    <p:cond delay="0"/>
+                                  </p:stCondLst>
+                                  <p:childTnLst>
+                                    <p:set>
+                                      <p:cBhvr>
+                                        <p:cTn id="16" dur="1" fill="hold">
+                                          <p:stCondLst>
+                                            <p:cond delay="0"/>
+                                          </p:stCondLst>
+                                        </p:cTn>
+                                        <p:tgtEl>
+                                          <p:spTgt spid="3">
+                                            <p:txEl>
+                                              <p:pRg st="3" end="3"/>
+                                            </p:txEl>
+                                          </p:spTgt>
+                                        </p:tgtEl>
+                                        <p:attrNameLst>
+                                          <p:attrName>style.visibility</p:attrName>
+                                        </p:attrNameLst>
+                                      </p:cBhvr>
+                                      <p:to>
+                                        <p:strVal val="visible"/>
+                                      </p:to>
+                                    </p:set>
+                                  </p:childTnLst>
+                                </p:cTn>
+                              </p:par>
+                            </p:childTnLst>
+                          </p:cTn>
+                        </p:par>
+                      </p:childTnLst>
+                    </p:cTn>
+                  </p:par>
+                  <p:par>
+                    <p:cTn id="17" fill="hold">
+                      <p:stCondLst>
+                        <p:cond delay="indefinite"/>
+                      </p:stCondLst>
+                      <p:childTnLst>
+                        <p:par>
+                          <p:cTn id="18" fill="hold">
+                            <p:stCondLst>
+                              <p:cond delay="0"/>
+                            </p:stCondLst>
+                            <p:childTnLst>
+                              <p:par>
+                                <p:cTn id="19" presetID="1" presetClass="entr" presetSubtype="0" fill="hold" nodeType="clickEffect">
+                                  <p:stCondLst>
+                                    <p:cond delay="0"/>
+                                  </p:stCondLst>
+                                  <p:childTnLst>
+                                    <p:set>
+                                      <p:cBhvr>
+                                        <p:cTn id="20" dur="1" fill="hold">
+                                          <p:stCondLst>
+                                            <p:cond delay="0"/>
+                                          </p:stCondLst>
+                                        </p:cTn>
+                                        <p:tgtEl>
+                                          <p:spTgt spid="3">
+                                            <p:txEl>
+                                              <p:pRg st="4" end="4"/>
+                                            </p:txEl>
+                                          </p:spTgt>
+                                        </p:tgtEl>
+                                        <p:attrNameLst>
+                                          <p:attrName>style.visibility</p:attrName>
+                                        </p:attrNameLst>
+                                      </p:cBhvr>
+                                      <p:to>
+                                        <p:strVal val="visible"/>
+                                      </p:to>
+                                    </p:set>
+                                  </p:childTnLst>
+                                </p:cTn>
+                              </p:par>
+                            </p:childTnLst>
+                          </p:cTn>
+                        </p:par>
+                      </p:childTnLst>
+                    </p:cTn>
+                  </p:par>
+                  <p:par>
+                    <p:cTn id="21" fill="hold">
+                      <p:stCondLst>
+                        <p:cond delay="indefinite"/>
+                      </p:stCondLst>
+                      <p:childTnLst>
+                        <p:par>
+                          <p:cTn id="22" fill="hold">
+                            <p:stCondLst>
+                              <p:cond delay="0"/>
+                            </p:stCondLst>
+                            <p:childTnLst>
+                              <p:par>
+                                <p:cTn id="23" presetID="1" presetClass="entr" presetSubtype="0" fill="hold" nodeType="clickEffect">
+                                  <p:stCondLst>
+                                    <p:cond delay="0"/>
+                                  </p:stCondLst>
+                                  <p:childTnLst>
+                                    <p:set>
+                                      <p:cBhvr>
+                                        <p:cTn id="24" dur="1" fill="hold">
+                                          <p:stCondLst>
+                                            <p:cond delay="0"/>
+                                          </p:stCondLst>
+                                        </p:cTn>
+                                        <p:tgtEl>
+                                          <p:spTgt spid="3">
+                                            <p:txEl>
+                                              <p:pRg st="5" end="5"/>
+                                            </p:txEl>
+                                          </p:spTgt>
+                                        </p:tgtEl>
+                                        <p:attrNameLst>
+                                          <p:attrName>style.visibility</p:attrName>
+                                        </p:attrNameLst>
+                                      </p:cBhvr>
+                                      <p:to>
+                                        <p:strVal val="visible"/>
+                                      </p:to>
+                                    </p:set>
+                                  </p:childTnLst>
+                                </p:cTn>
+                              </p:par>
+                            </p:childTnLst>
+                          </p:cTn>
+                        </p:par>
+                      </p:childTnLst>
+                    </p:cTn>
+                  </p:par>
+                </p:childTnLst>
+              </p:cTn>
+              <p:prevCondLst>
+                <p:cond evt="onPrev" delay="0">
+                  <p:tgtEl>
+                    <p:sldTgt/>
+                  </p:tgtEl>
+                </p:cond>
+              </p:prevCondLst>
+              <p:nextCondLst>
+                <p:cond evt="onNext" delay="0">
+                  <p:tgtEl>
+                    <p:sldTgt/>
+                  </p:tgtEl>
+                </p:cond>
+              </p:nextCondLst>
+            </p:seq>
+          </p:childTnLst>
+        </p:cTn>
+      </p:par>
+    </p:tnLst>
+  </p:timing>
 </p:sld>
 </file>
 

--- a/SIR_lecture.pptx
+++ b/SIR_lecture.pptx
@@ -1665,17 +1665,28 @@
           <a:p>
             <a:r>
               <a:rPr lang="en-US" dirty="0"/>
+              <a:t>-BSI  =  proportion of the susceptible population that comes into effective contact with an infected individual, per unit time. </a:t>
+            </a:r>
+          </a:p>
+          <a:p>
+            <a:r>
+              <a:rPr lang="en-US" dirty="0"/>
+              <a:t>BS = proportion of susceptible individuals that has an effective contact at all (it can be with another susceptible individual).</a:t>
+            </a:r>
+          </a:p>
+          <a:p>
+            <a:endParaRPr lang="en-US" dirty="0"/>
+          </a:p>
+          <a:p>
+            <a:r>
+              <a:rPr lang="en-US" dirty="0"/>
               <a:t>Importantly, this assumes density-dependent transmission! </a:t>
             </a:r>
           </a:p>
           <a:p>
             <a:r>
               <a:rPr lang="en-US" dirty="0"/>
-              <a:t>The rate at which new infections occur depends on the density of both susceptible and </a:t>
-            </a:r>
-            <a:r>
-              <a:rPr lang="en-US"/>
-              <a:t>infected individuals!</a:t>
+              <a:t>The rate at which new infections occur depends on the density of both susceptible and infected individuals!</a:t>
             </a:r>
           </a:p>
         </p:txBody>
@@ -12044,7 +12055,7 @@
         <p:spPr>
           <a:xfrm>
             <a:off x="354799" y="3239074"/>
-            <a:ext cx="11314813" cy="1692771"/>
+            <a:ext cx="11314813" cy="1200329"/>
           </a:xfrm>
           <a:prstGeom prst="rect">
             <a:avLst/>
@@ -12076,7 +12087,13 @@
                 <a:effectLst/>
                 <a:latin typeface="Google Sans"/>
               </a:rPr>
-              <a:t>“transmission rate”, or the rate at which susceptible individuals become infected following a contact with an infected individual. </a:t>
+              <a:t>“transmission rate”, or the per-capita rate at which </a:t>
+            </a:r>
+            <a:r>
+              <a:rPr lang="en-US" sz="3200" dirty="0">
+                <a:latin typeface="Google Sans"/>
+              </a:rPr>
+              <a:t>two individuals come into “effective contact.” </a:t>
             </a:r>
             <a:endParaRPr lang="en-US" sz="4000" dirty="0"/>
           </a:p>
@@ -12116,7 +12133,7 @@
             </a:r>
             <a:r>
               <a:rPr lang="en-US" sz="3200" dirty="0"/>
-              <a:t>“recovery rate”, or the rate at which infected individuals recover from infection. </a:t>
+              <a:t>“recovery rate”, or the per-capita rate at which an infected individual loses infection.</a:t>
             </a:r>
           </a:p>
         </p:txBody>
@@ -20785,6 +20802,84 @@
   <p:clrMapOvr>
     <a:masterClrMapping/>
   </p:clrMapOvr>
+  <p:timing>
+    <p:tnLst>
+      <p:par>
+        <p:cTn id="1" dur="indefinite" restart="never" nodeType="tmRoot">
+          <p:childTnLst>
+            <p:seq concurrent="1" nextAc="seek">
+              <p:cTn id="2" dur="indefinite" nodeType="mainSeq">
+                <p:childTnLst>
+                  <p:par>
+                    <p:cTn id="3" fill="hold">
+                      <p:stCondLst>
+                        <p:cond delay="indefinite"/>
+                      </p:stCondLst>
+                      <p:childTnLst>
+                        <p:par>
+                          <p:cTn id="4" fill="hold">
+                            <p:stCondLst>
+                              <p:cond delay="0"/>
+                            </p:stCondLst>
+                            <p:childTnLst>
+                              <p:par>
+                                <p:cTn id="5" presetID="1" presetClass="entr" presetSubtype="0" fill="hold" grpId="0" nodeType="clickEffect">
+                                  <p:stCondLst>
+                                    <p:cond delay="0"/>
+                                  </p:stCondLst>
+                                  <p:childTnLst>
+                                    <p:set>
+                                      <p:cBhvr>
+                                        <p:cTn id="6" dur="1" fill="hold">
+                                          <p:stCondLst>
+                                            <p:cond delay="0"/>
+                                          </p:stCondLst>
+                                        </p:cTn>
+                                        <p:tgtEl>
+                                          <p:spTgt spid="8"/>
+                                        </p:tgtEl>
+                                        <p:attrNameLst>
+                                          <p:attrName>style.visibility</p:attrName>
+                                        </p:attrNameLst>
+                                      </p:cBhvr>
+                                      <p:to>
+                                        <p:strVal val="visible"/>
+                                      </p:to>
+                                    </p:set>
+                                  </p:childTnLst>
+                                </p:cTn>
+                              </p:par>
+                            </p:childTnLst>
+                          </p:cTn>
+                        </p:par>
+                      </p:childTnLst>
+                    </p:cTn>
+                  </p:par>
+                </p:childTnLst>
+              </p:cTn>
+              <p:prevCondLst>
+                <p:cond evt="onPrev" delay="0">
+                  <p:tgtEl>
+                    <p:sldTgt/>
+                  </p:tgtEl>
+                </p:cond>
+              </p:prevCondLst>
+              <p:nextCondLst>
+                <p:cond evt="onNext" delay="0">
+                  <p:tgtEl>
+                    <p:sldTgt/>
+                  </p:tgtEl>
+                </p:cond>
+              </p:nextCondLst>
+            </p:seq>
+          </p:childTnLst>
+        </p:cTn>
+      </p:par>
+    </p:tnLst>
+    <p:bldLst>
+      <p:bldP spid="8" grpId="0"/>
+    </p:bldLst>
+  </p:timing>
 </p:sld>
 </file>
 
